--- a/Papers/Anesthesias&Neural systems.pptx
+++ b/Papers/Anesthesias&Neural systems.pptx
@@ -5,31 +5,37 @@
     <p:sldMasterId id="2147483648" r:id="rId1"/>
   </p:sldMasterIdLst>
   <p:notesMasterIdLst>
-    <p:notesMasterId r:id="rId24"/>
+    <p:notesMasterId r:id="rId30"/>
   </p:notesMasterIdLst>
   <p:sldIdLst>
     <p:sldId id="257" r:id="rId2"/>
-    <p:sldId id="282" r:id="rId3"/>
-    <p:sldId id="362" r:id="rId4"/>
-    <p:sldId id="375" r:id="rId5"/>
-    <p:sldId id="374" r:id="rId6"/>
-    <p:sldId id="376" r:id="rId7"/>
-    <p:sldId id="380" r:id="rId8"/>
-    <p:sldId id="381" r:id="rId9"/>
-    <p:sldId id="382" r:id="rId10"/>
+    <p:sldId id="362" r:id="rId3"/>
+    <p:sldId id="375" r:id="rId4"/>
+    <p:sldId id="374" r:id="rId5"/>
+    <p:sldId id="376" r:id="rId6"/>
+    <p:sldId id="380" r:id="rId7"/>
+    <p:sldId id="381" r:id="rId8"/>
+    <p:sldId id="382" r:id="rId9"/>
+    <p:sldId id="387" r:id="rId10"/>
     <p:sldId id="383" r:id="rId11"/>
     <p:sldId id="384" r:id="rId12"/>
     <p:sldId id="385" r:id="rId13"/>
-    <p:sldId id="386" r:id="rId14"/>
-    <p:sldId id="377" r:id="rId15"/>
-    <p:sldId id="378" r:id="rId16"/>
-    <p:sldId id="379" r:id="rId17"/>
-    <p:sldId id="363" r:id="rId18"/>
-    <p:sldId id="349" r:id="rId19"/>
-    <p:sldId id="361" r:id="rId20"/>
-    <p:sldId id="360" r:id="rId21"/>
-    <p:sldId id="371" r:id="rId22"/>
-    <p:sldId id="303" r:id="rId23"/>
+    <p:sldId id="389" r:id="rId14"/>
+    <p:sldId id="388" r:id="rId15"/>
+    <p:sldId id="377" r:id="rId16"/>
+    <p:sldId id="390" r:id="rId17"/>
+    <p:sldId id="391" r:id="rId18"/>
+    <p:sldId id="392" r:id="rId19"/>
+    <p:sldId id="393" r:id="rId20"/>
+    <p:sldId id="394" r:id="rId21"/>
+    <p:sldId id="395" r:id="rId22"/>
+    <p:sldId id="396" r:id="rId23"/>
+    <p:sldId id="378" r:id="rId24"/>
+    <p:sldId id="379" r:id="rId25"/>
+    <p:sldId id="363" r:id="rId26"/>
+    <p:sldId id="303" r:id="rId27"/>
+    <p:sldId id="397" r:id="rId28"/>
+    <p:sldId id="349" r:id="rId29"/>
   </p:sldIdLst>
   <p:sldSz cx="12192000" cy="6858000"/>
   <p:notesSz cx="6858000" cy="9144000"/>
@@ -145,72 +151,6 @@
     </p:ext>
   </p:extLst>
 </p:presentation>
-</file>
-
-<file path=ppt/charts/chart1.xml><?xml version="1.0" encoding="utf-8"?>
-<c:chartSpace xmlns:c="http://schemas.openxmlformats.org/drawingml/2006/chart" xmlns:a="http://schemas.openxmlformats.org/drawingml/2006/main" xmlns:r="http://schemas.openxmlformats.org/officeDocument/2006/relationships">
-  <c:date1904 val="0"/>
-  <c:lang val="zh-CN"/>
-  <c:roundedCorners val="0"/>
-  <mc:AlternateContent xmlns:mc="http://schemas.openxmlformats.org/markup-compatibility/2006">
-    <mc:Choice xmlns:c14="http://schemas.microsoft.com/office/drawing/2007/8/2/chart" Requires="c14">
-      <c14:style val="102"/>
-    </mc:Choice>
-    <mc:Fallback>
-      <c:style val="2"/>
-    </mc:Fallback>
-  </mc:AlternateContent>
-  <c:chart>
-    <c:autoTitleDeleted val="1"/>
-    <c:plotArea>
-      <c:layout/>
-      <c:doughnutChart>
-        <c:varyColors val="1"/>
-        <c:dLbls>
-          <c:showLegendKey val="0"/>
-          <c:showVal val="0"/>
-          <c:showCatName val="0"/>
-          <c:showSerName val="0"/>
-          <c:showPercent val="0"/>
-          <c:showBubbleSize val="0"/>
-          <c:showLeaderLines val="0"/>
-        </c:dLbls>
-        <c:firstSliceAng val="0"/>
-        <c:holeSize val="75"/>
-      </c:doughnutChart>
-      <c:spPr>
-        <a:noFill/>
-        <a:ln>
-          <a:noFill/>
-        </a:ln>
-        <a:effectLst/>
-      </c:spPr>
-    </c:plotArea>
-    <c:plotVisOnly val="1"/>
-    <c:dispBlanksAs val="gap"/>
-    <c:showDLblsOverMax val="0"/>
-  </c:chart>
-  <c:spPr>
-    <a:noFill/>
-    <a:ln>
-      <a:noFill/>
-    </a:ln>
-    <a:effectLst/>
-  </c:spPr>
-  <c:txPr>
-    <a:bodyPr/>
-    <a:lstStyle/>
-    <a:p>
-      <a:pPr>
-        <a:defRPr/>
-      </a:pPr>
-      <a:endParaRPr lang="zh-CN"/>
-    </a:p>
-  </c:txPr>
-  <c:externalData r:id="rId1">
-    <c:autoUpdate val="0"/>
-  </c:externalData>
-</c:chartSpace>
 </file>
 
 <file path=ppt/notesMasters/notesMaster1.xml><?xml version="1.0" encoding="utf-8"?>
@@ -707,6 +647,50 @@
               <a:rPr lang="en-US" altLang="zh-CN" dirty="0" smtClean="0"/>
               <a:t> </a:t>
             </a:r>
+          </a:p>
+          <a:p>
+            <a:r>
+              <a:rPr lang="en-US" altLang="zh-CN" sz="1200" b="0" i="0" kern="1200" dirty="0" smtClean="0">
+                <a:solidFill>
+                  <a:schemeClr val="tx1"/>
+                </a:solidFill>
+                <a:effectLst/>
+                <a:latin typeface="+mn-lt"/>
+                <a:ea typeface="+mn-ea"/>
+                <a:cs typeface="+mn-cs"/>
+              </a:rPr>
+              <a:t>Hence, seed-based analysis is limited to the analysis of “withinnetwork” connectivity, while DR-based FSLNets allows modeling</a:t>
+            </a:r>
+            <a:br>
+              <a:rPr lang="en-US" altLang="zh-CN" sz="1200" b="0" i="0" kern="1200" dirty="0" smtClean="0">
+                <a:solidFill>
+                  <a:schemeClr val="tx1"/>
+                </a:solidFill>
+                <a:effectLst/>
+                <a:latin typeface="+mn-lt"/>
+                <a:ea typeface="+mn-ea"/>
+                <a:cs typeface="+mn-cs"/>
+              </a:rPr>
+            </a:br>
+            <a:r>
+              <a:rPr lang="en-US" altLang="zh-CN" sz="1200" b="0" i="0" kern="1200" dirty="0" smtClean="0">
+                <a:solidFill>
+                  <a:schemeClr val="tx1"/>
+                </a:solidFill>
+                <a:effectLst/>
+                <a:latin typeface="+mn-lt"/>
+                <a:ea typeface="+mn-ea"/>
+                <a:cs typeface="+mn-cs"/>
+              </a:rPr>
+              <a:t>of connectivity between network components in addition. </a:t>
+            </a:r>
+            <a:r>
+              <a:rPr lang="en-US" altLang="zh-CN" dirty="0" smtClean="0"/>
+              <a:t/>
+            </a:r>
+            <a:br>
+              <a:rPr lang="en-US" altLang="zh-CN" dirty="0" smtClean="0"/>
+            </a:br>
             <a:endParaRPr lang="zh-CN" altLang="en-US" dirty="0"/>
           </a:p>
         </p:txBody>
@@ -728,7 +712,7 @@
           <a:p>
             <a:fld id="{DD202784-B46A-4EF4-B218-4316F9133D14}" type="slidenum">
               <a:rPr lang="zh-CN" altLang="en-US" smtClean="0"/>
-              <a:t>13</a:t>
+              <a:t>14</a:t>
             </a:fld>
             <a:endParaRPr lang="zh-CN" altLang="en-US"/>
           </a:p>
@@ -812,7 +796,7 @@
           <a:p>
             <a:fld id="{DD202784-B46A-4EF4-B218-4316F9133D14}" type="slidenum">
               <a:rPr lang="zh-CN" altLang="en-US" smtClean="0"/>
-              <a:t>14</a:t>
+              <a:t>15</a:t>
             </a:fld>
             <a:endParaRPr lang="zh-CN" altLang="en-US"/>
           </a:p>
@@ -875,11 +859,28 @@
           <a:bodyPr/>
           <a:lstStyle/>
           <a:p>
-            <a:r>
-              <a:rPr lang="en-US" altLang="zh-CN" sz="1200" dirty="0" smtClean="0"/>
-              <a:t>some subcortical areas: hippocampus and caudate putamen</a:t>
-            </a:r>
-            <a:endParaRPr lang="zh-CN" altLang="en-US" dirty="0"/>
+            <a:pPr marL="0" marR="0" indent="0" algn="l" defTabSz="914400" rtl="0" eaLnBrk="1" fontAlgn="auto" latinLnBrk="0" hangingPunct="1">
+              <a:lnSpc>
+                <a:spcPct val="100000"/>
+              </a:lnSpc>
+              <a:spcBef>
+                <a:spcPts val="0"/>
+              </a:spcBef>
+              <a:spcAft>
+                <a:spcPts val="0"/>
+              </a:spcAft>
+              <a:buClrTx/>
+              <a:buSzTx/>
+              <a:buFontTx/>
+              <a:buNone/>
+              <a:tabLst/>
+              <a:defRPr/>
+            </a:pPr>
+            <a:endParaRPr lang="en-US" altLang="zh-CN" sz="1200" dirty="0" smtClean="0">
+              <a:latin typeface="Meiryo" panose="020B0604030504040204" pitchFamily="34" charset="-128"/>
+              <a:ea typeface="Meiryo" panose="020B0604030504040204" pitchFamily="34" charset="-128"/>
+              <a:cs typeface="Meiryo" panose="020B0604030504040204" pitchFamily="34" charset="-128"/>
+            </a:endParaRPr>
           </a:p>
         </p:txBody>
       </p:sp>
@@ -900,7 +901,7 @@
           <a:p>
             <a:fld id="{DD202784-B46A-4EF4-B218-4316F9133D14}" type="slidenum">
               <a:rPr lang="zh-CN" altLang="en-US" smtClean="0"/>
-              <a:t>15</a:t>
+              <a:t>16</a:t>
             </a:fld>
             <a:endParaRPr lang="zh-CN" altLang="en-US"/>
           </a:p>
@@ -909,7 +910,7 @@
     </p:spTree>
     <p:extLst>
       <p:ext uri="{BB962C8B-B14F-4D97-AF65-F5344CB8AC3E}">
-        <p14:creationId xmlns:p14="http://schemas.microsoft.com/office/powerpoint/2010/main" val="3763311556"/>
+        <p14:creationId xmlns:p14="http://schemas.microsoft.com/office/powerpoint/2010/main" val="3950054587"/>
       </p:ext>
     </p:extLst>
   </p:cSld>
@@ -963,25 +964,6 @@
           <a:bodyPr/>
           <a:lstStyle/>
           <a:p>
-            <a:r>
-              <a:rPr lang="en-US" altLang="zh-CN" sz="1200" b="0" i="0" kern="1200" dirty="0" smtClean="0">
-                <a:solidFill>
-                  <a:schemeClr val="tx1"/>
-                </a:solidFill>
-                <a:effectLst/>
-                <a:latin typeface="+mn-lt"/>
-                <a:ea typeface="+mn-ea"/>
-                <a:cs typeface="+mn-cs"/>
-              </a:rPr>
-              <a:t>vascular effect with broad and slow hemodynamic oscillation </a:t>
-            </a:r>
-            <a:r>
-              <a:rPr lang="en-US" altLang="zh-CN" dirty="0" smtClean="0"/>
-              <a:t/>
-            </a:r>
-            <a:br>
-              <a:rPr lang="en-US" altLang="zh-CN" dirty="0" smtClean="0"/>
-            </a:br>
             <a:endParaRPr lang="zh-CN" altLang="en-US" dirty="0"/>
           </a:p>
         </p:txBody>
@@ -1003,7 +985,7 @@
           <a:p>
             <a:fld id="{DD202784-B46A-4EF4-B218-4316F9133D14}" type="slidenum">
               <a:rPr lang="zh-CN" altLang="en-US" smtClean="0"/>
-              <a:t>16</a:t>
+              <a:t>17</a:t>
             </a:fld>
             <a:endParaRPr lang="zh-CN" altLang="en-US"/>
           </a:p>
@@ -1012,7 +994,7 @@
     </p:spTree>
     <p:extLst>
       <p:ext uri="{BB962C8B-B14F-4D97-AF65-F5344CB8AC3E}">
-        <p14:creationId xmlns:p14="http://schemas.microsoft.com/office/powerpoint/2010/main" val="3763311556"/>
+        <p14:creationId xmlns:p14="http://schemas.microsoft.com/office/powerpoint/2010/main" val="3776015239"/>
       </p:ext>
     </p:extLst>
   </p:cSld>
@@ -1087,7 +1069,7 @@
           <a:p>
             <a:fld id="{DD202784-B46A-4EF4-B218-4316F9133D14}" type="slidenum">
               <a:rPr lang="zh-CN" altLang="en-US" smtClean="0"/>
-              <a:t>18</a:t>
+              <a:t>19</a:t>
             </a:fld>
             <a:endParaRPr lang="zh-CN" altLang="en-US"/>
           </a:p>
@@ -1096,7 +1078,7 @@
     </p:spTree>
     <p:extLst>
       <p:ext uri="{BB962C8B-B14F-4D97-AF65-F5344CB8AC3E}">
-        <p14:creationId xmlns:p14="http://schemas.microsoft.com/office/powerpoint/2010/main" val="2146267446"/>
+        <p14:creationId xmlns:p14="http://schemas.microsoft.com/office/powerpoint/2010/main" val="3776015239"/>
       </p:ext>
     </p:extLst>
   </p:cSld>
@@ -1150,6 +1132,122 @@
           <a:bodyPr/>
           <a:lstStyle/>
           <a:p>
+            <a:r>
+              <a:rPr lang="en-US" altLang="zh-CN" sz="1200" b="0" i="0" kern="1200" dirty="0" smtClean="0">
+                <a:solidFill>
+                  <a:schemeClr val="tx1"/>
+                </a:solidFill>
+                <a:effectLst/>
+                <a:latin typeface="+mn-lt"/>
+                <a:ea typeface="+mn-ea"/>
+                <a:cs typeface="+mn-cs"/>
+              </a:rPr>
+              <a:t>500:escaping local</a:t>
+            </a:r>
+            <a:r>
+              <a:rPr lang="en-US" altLang="zh-CN" sz="1200" b="0" i="0" kern="1200" baseline="0" dirty="0" smtClean="0">
+                <a:solidFill>
+                  <a:schemeClr val="tx1"/>
+                </a:solidFill>
+                <a:effectLst/>
+                <a:latin typeface="+mn-lt"/>
+                <a:ea typeface="+mn-ea"/>
+                <a:cs typeface="+mn-cs"/>
+              </a:rPr>
+              <a:t> </a:t>
+            </a:r>
+            <a:r>
+              <a:rPr lang="en-US" altLang="zh-CN" sz="1200" b="0" i="0" kern="1200" dirty="0" smtClean="0">
+                <a:solidFill>
+                  <a:schemeClr val="tx1"/>
+                </a:solidFill>
+                <a:effectLst/>
+                <a:latin typeface="+mn-lt"/>
+                <a:ea typeface="+mn-ea"/>
+                <a:cs typeface="+mn-cs"/>
+              </a:rPr>
+              <a:t>minima</a:t>
+            </a:r>
+            <a:r>
+              <a:rPr lang="en-US" altLang="zh-CN" dirty="0" smtClean="0"/>
+              <a:t> </a:t>
+            </a:r>
+            <a:endParaRPr lang="en-US" altLang="zh-CN" sz="1200" b="0" i="0" kern="1200" dirty="0" smtClean="0">
+              <a:solidFill>
+                <a:schemeClr val="tx1"/>
+              </a:solidFill>
+              <a:effectLst/>
+              <a:latin typeface="+mn-lt"/>
+              <a:ea typeface="+mn-ea"/>
+              <a:cs typeface="+mn-cs"/>
+            </a:endParaRPr>
+          </a:p>
+          <a:p>
+            <a:r>
+              <a:rPr lang="en-US" altLang="zh-CN" sz="1200" b="0" i="0" kern="1200" dirty="0" smtClean="0">
+                <a:solidFill>
+                  <a:schemeClr val="tx1"/>
+                </a:solidFill>
+                <a:effectLst/>
+                <a:latin typeface="+mn-lt"/>
+                <a:ea typeface="+mn-ea"/>
+                <a:cs typeface="+mn-cs"/>
+              </a:rPr>
+              <a:t>Subsampling was performed to reduce redundancy between windows. </a:t>
+            </a:r>
+          </a:p>
+          <a:p>
+            <a:r>
+              <a:rPr lang="en-US" altLang="zh-CN" sz="1200" b="0" i="0" kern="1200" dirty="0" smtClean="0">
+                <a:solidFill>
+                  <a:schemeClr val="tx1"/>
+                </a:solidFill>
+                <a:effectLst/>
+                <a:latin typeface="+mn-lt"/>
+                <a:ea typeface="+mn-ea"/>
+                <a:cs typeface="+mn-cs"/>
+              </a:rPr>
+              <a:t>The sampled connectivity matrices (Zexamplesc,s) were chosen as those windows with local maxima in functional connectivity variance.</a:t>
+            </a:r>
+          </a:p>
+          <a:p>
+            <a:endParaRPr lang="en-US" altLang="zh-CN" sz="1200" b="0" i="0" kern="1200" dirty="0" smtClean="0">
+              <a:solidFill>
+                <a:schemeClr val="tx1"/>
+              </a:solidFill>
+              <a:effectLst/>
+              <a:latin typeface="+mn-lt"/>
+              <a:ea typeface="+mn-ea"/>
+              <a:cs typeface="+mn-cs"/>
+            </a:endParaRPr>
+          </a:p>
+          <a:p>
+            <a:r>
+              <a:rPr lang="en-US" altLang="zh-CN" sz="1200" b="0" i="0" kern="1200" dirty="0" smtClean="0">
+                <a:solidFill>
+                  <a:schemeClr val="tx1"/>
+                </a:solidFill>
+                <a:effectLst/>
+                <a:latin typeface="+mn-lt"/>
+                <a:ea typeface="+mn-ea"/>
+                <a:cs typeface="+mn-cs"/>
+              </a:rPr>
+              <a:t>probability distributions (column D) do not significantly change with k.</a:t>
+            </a:r>
+            <a:r>
+              <a:rPr lang="en-US" altLang="zh-CN" dirty="0" smtClean="0"/>
+              <a:t> </a:t>
+            </a:r>
+            <a:br>
+              <a:rPr lang="en-US" altLang="zh-CN" dirty="0" smtClean="0"/>
+            </a:br>
+            <a:r>
+              <a:rPr lang="en-US" altLang="zh-CN" dirty="0" smtClean="0"/>
+              <a:t/>
+            </a:r>
+            <a:br>
+              <a:rPr lang="en-US" altLang="zh-CN" dirty="0" smtClean="0"/>
+            </a:br>
             <a:endParaRPr lang="zh-CN" altLang="en-US" dirty="0"/>
           </a:p>
         </p:txBody>
@@ -1171,7 +1269,7 @@
           <a:p>
             <a:fld id="{DD202784-B46A-4EF4-B218-4316F9133D14}" type="slidenum">
               <a:rPr lang="zh-CN" altLang="en-US" smtClean="0"/>
-              <a:t>19</a:t>
+              <a:t>20</a:t>
             </a:fld>
             <a:endParaRPr lang="zh-CN" altLang="en-US"/>
           </a:p>
@@ -1180,7 +1278,7 @@
     </p:spTree>
     <p:extLst>
       <p:ext uri="{BB962C8B-B14F-4D97-AF65-F5344CB8AC3E}">
-        <p14:creationId xmlns:p14="http://schemas.microsoft.com/office/powerpoint/2010/main" val="941322828"/>
+        <p14:creationId xmlns:p14="http://schemas.microsoft.com/office/powerpoint/2010/main" val="3776015239"/>
       </p:ext>
     </p:extLst>
   </p:cSld>
@@ -1234,7 +1332,26 @@
           <a:bodyPr/>
           <a:lstStyle/>
           <a:p>
-            <a:endParaRPr lang="en-US" altLang="zh-CN" dirty="0" smtClean="0"/>
+            <a:r>
+              <a:rPr lang="en-US" altLang="zh-CN" sz="1200" b="0" i="0" kern="1200" dirty="0" smtClean="0">
+                <a:solidFill>
+                  <a:schemeClr val="tx1"/>
+                </a:solidFill>
+                <a:effectLst/>
+                <a:latin typeface="+mn-lt"/>
+                <a:ea typeface="+mn-ea"/>
+                <a:cs typeface="+mn-cs"/>
+              </a:rPr>
+              <a:t>Euclidean distance instead of correlation or only positive values of the brain states to calculate the correlation</a:t>
+            </a:r>
+            <a:r>
+              <a:rPr lang="en-US" altLang="zh-CN" dirty="0" smtClean="0"/>
+              <a:t> </a:t>
+            </a:r>
+            <a:br>
+              <a:rPr lang="en-US" altLang="zh-CN" dirty="0" smtClean="0"/>
+            </a:br>
+            <a:endParaRPr lang="zh-CN" altLang="en-US" dirty="0"/>
           </a:p>
         </p:txBody>
       </p:sp>
@@ -1255,7 +1372,7 @@
           <a:p>
             <a:fld id="{DD202784-B46A-4EF4-B218-4316F9133D14}" type="slidenum">
               <a:rPr lang="zh-CN" altLang="en-US" smtClean="0"/>
-              <a:t>20</a:t>
+              <a:t>21</a:t>
             </a:fld>
             <a:endParaRPr lang="zh-CN" altLang="en-US"/>
           </a:p>
@@ -1264,7 +1381,282 @@
     </p:spTree>
     <p:extLst>
       <p:ext uri="{BB962C8B-B14F-4D97-AF65-F5344CB8AC3E}">
-        <p14:creationId xmlns:p14="http://schemas.microsoft.com/office/powerpoint/2010/main" val="1065528590"/>
+        <p14:creationId xmlns:p14="http://schemas.microsoft.com/office/powerpoint/2010/main" val="3776015239"/>
+      </p:ext>
+    </p:extLst>
+  </p:cSld>
+  <p:clrMapOvr>
+    <a:masterClrMapping/>
+  </p:clrMapOvr>
+</p:notes>
+</file>
+
+<file path=ppt/notesSlides/notesSlide17.xml><?xml version="1.0" encoding="utf-8"?>
+<p:notes xmlns:a="http://schemas.openxmlformats.org/drawingml/2006/main" xmlns:r="http://schemas.openxmlformats.org/officeDocument/2006/relationships" xmlns:p="http://schemas.openxmlformats.org/presentationml/2006/main">
+  <p:cSld>
+    <p:spTree>
+      <p:nvGrpSpPr>
+        <p:cNvPr id="1" name=""/>
+        <p:cNvGrpSpPr/>
+        <p:nvPr/>
+      </p:nvGrpSpPr>
+      <p:grpSpPr>
+        <a:xfrm>
+          <a:off x="0" y="0"/>
+          <a:ext cx="0" cy="0"/>
+          <a:chOff x="0" y="0"/>
+          <a:chExt cx="0" cy="0"/>
+        </a:xfrm>
+      </p:grpSpPr>
+      <p:sp>
+        <p:nvSpPr>
+          <p:cNvPr id="2" name="幻灯片图像占位符 1"/>
+          <p:cNvSpPr>
+            <a:spLocks noGrp="1" noRot="1" noChangeAspect="1"/>
+          </p:cNvSpPr>
+          <p:nvPr>
+            <p:ph type="sldImg"/>
+          </p:nvPr>
+        </p:nvSpPr>
+        <p:spPr/>
+      </p:sp>
+      <p:sp>
+        <p:nvSpPr>
+          <p:cNvPr id="3" name="备注占位符 2"/>
+          <p:cNvSpPr>
+            <a:spLocks noGrp="1"/>
+          </p:cNvSpPr>
+          <p:nvPr>
+            <p:ph type="body" idx="1"/>
+          </p:nvPr>
+        </p:nvSpPr>
+        <p:spPr/>
+        <p:txBody>
+          <a:bodyPr/>
+          <a:lstStyle/>
+          <a:p>
+            <a:r>
+              <a:rPr lang="en-US" altLang="zh-CN" sz="1200" dirty="0" smtClean="0"/>
+              <a:t>some subcortical areas: hippocampus and caudate putamen</a:t>
+            </a:r>
+            <a:endParaRPr lang="zh-CN" altLang="en-US" dirty="0"/>
+          </a:p>
+        </p:txBody>
+      </p:sp>
+      <p:sp>
+        <p:nvSpPr>
+          <p:cNvPr id="4" name="灯片编号占位符 3"/>
+          <p:cNvSpPr>
+            <a:spLocks noGrp="1"/>
+          </p:cNvSpPr>
+          <p:nvPr>
+            <p:ph type="sldNum" sz="quarter" idx="10"/>
+          </p:nvPr>
+        </p:nvSpPr>
+        <p:spPr/>
+        <p:txBody>
+          <a:bodyPr/>
+          <a:lstStyle/>
+          <a:p>
+            <a:fld id="{DD202784-B46A-4EF4-B218-4316F9133D14}" type="slidenum">
+              <a:rPr lang="zh-CN" altLang="en-US" smtClean="0"/>
+              <a:t>23</a:t>
+            </a:fld>
+            <a:endParaRPr lang="zh-CN" altLang="en-US"/>
+          </a:p>
+        </p:txBody>
+      </p:sp>
+    </p:spTree>
+    <p:extLst>
+      <p:ext uri="{BB962C8B-B14F-4D97-AF65-F5344CB8AC3E}">
+        <p14:creationId xmlns:p14="http://schemas.microsoft.com/office/powerpoint/2010/main" val="3763311556"/>
+      </p:ext>
+    </p:extLst>
+  </p:cSld>
+  <p:clrMapOvr>
+    <a:masterClrMapping/>
+  </p:clrMapOvr>
+</p:notes>
+</file>
+
+<file path=ppt/notesSlides/notesSlide18.xml><?xml version="1.0" encoding="utf-8"?>
+<p:notes xmlns:a="http://schemas.openxmlformats.org/drawingml/2006/main" xmlns:r="http://schemas.openxmlformats.org/officeDocument/2006/relationships" xmlns:p="http://schemas.openxmlformats.org/presentationml/2006/main">
+  <p:cSld>
+    <p:spTree>
+      <p:nvGrpSpPr>
+        <p:cNvPr id="1" name=""/>
+        <p:cNvGrpSpPr/>
+        <p:nvPr/>
+      </p:nvGrpSpPr>
+      <p:grpSpPr>
+        <a:xfrm>
+          <a:off x="0" y="0"/>
+          <a:ext cx="0" cy="0"/>
+          <a:chOff x="0" y="0"/>
+          <a:chExt cx="0" cy="0"/>
+        </a:xfrm>
+      </p:grpSpPr>
+      <p:sp>
+        <p:nvSpPr>
+          <p:cNvPr id="2" name="幻灯片图像占位符 1"/>
+          <p:cNvSpPr>
+            <a:spLocks noGrp="1" noRot="1" noChangeAspect="1"/>
+          </p:cNvSpPr>
+          <p:nvPr>
+            <p:ph type="sldImg"/>
+          </p:nvPr>
+        </p:nvSpPr>
+        <p:spPr/>
+      </p:sp>
+      <p:sp>
+        <p:nvSpPr>
+          <p:cNvPr id="3" name="备注占位符 2"/>
+          <p:cNvSpPr>
+            <a:spLocks noGrp="1"/>
+          </p:cNvSpPr>
+          <p:nvPr>
+            <p:ph type="body" idx="1"/>
+          </p:nvPr>
+        </p:nvSpPr>
+        <p:spPr/>
+        <p:txBody>
+          <a:bodyPr/>
+          <a:lstStyle/>
+          <a:p>
+            <a:r>
+              <a:rPr lang="en-US" altLang="zh-CN" sz="1200" b="0" i="0" kern="1200" dirty="0" smtClean="0">
+                <a:solidFill>
+                  <a:schemeClr val="tx1"/>
+                </a:solidFill>
+                <a:effectLst/>
+                <a:latin typeface="+mn-lt"/>
+                <a:ea typeface="+mn-ea"/>
+                <a:cs typeface="+mn-cs"/>
+              </a:rPr>
+              <a:t>vascular effect with broad and slow hemodynamic oscillation </a:t>
+            </a:r>
+            <a:r>
+              <a:rPr lang="en-US" altLang="zh-CN" dirty="0" smtClean="0"/>
+              <a:t/>
+            </a:r>
+            <a:br>
+              <a:rPr lang="en-US" altLang="zh-CN" dirty="0" smtClean="0"/>
+            </a:br>
+            <a:endParaRPr lang="zh-CN" altLang="en-US" dirty="0"/>
+          </a:p>
+        </p:txBody>
+      </p:sp>
+      <p:sp>
+        <p:nvSpPr>
+          <p:cNvPr id="4" name="灯片编号占位符 3"/>
+          <p:cNvSpPr>
+            <a:spLocks noGrp="1"/>
+          </p:cNvSpPr>
+          <p:nvPr>
+            <p:ph type="sldNum" sz="quarter" idx="10"/>
+          </p:nvPr>
+        </p:nvSpPr>
+        <p:spPr/>
+        <p:txBody>
+          <a:bodyPr/>
+          <a:lstStyle/>
+          <a:p>
+            <a:fld id="{DD202784-B46A-4EF4-B218-4316F9133D14}" type="slidenum">
+              <a:rPr lang="zh-CN" altLang="en-US" smtClean="0"/>
+              <a:t>24</a:t>
+            </a:fld>
+            <a:endParaRPr lang="zh-CN" altLang="en-US"/>
+          </a:p>
+        </p:txBody>
+      </p:sp>
+    </p:spTree>
+    <p:extLst>
+      <p:ext uri="{BB962C8B-B14F-4D97-AF65-F5344CB8AC3E}">
+        <p14:creationId xmlns:p14="http://schemas.microsoft.com/office/powerpoint/2010/main" val="3763311556"/>
+      </p:ext>
+    </p:extLst>
+  </p:cSld>
+  <p:clrMapOvr>
+    <a:masterClrMapping/>
+  </p:clrMapOvr>
+</p:notes>
+</file>
+
+<file path=ppt/notesSlides/notesSlide19.xml><?xml version="1.0" encoding="utf-8"?>
+<p:notes xmlns:a="http://schemas.openxmlformats.org/drawingml/2006/main" xmlns:r="http://schemas.openxmlformats.org/officeDocument/2006/relationships" xmlns:p="http://schemas.openxmlformats.org/presentationml/2006/main">
+  <p:cSld>
+    <p:spTree>
+      <p:nvGrpSpPr>
+        <p:cNvPr id="1" name=""/>
+        <p:cNvGrpSpPr/>
+        <p:nvPr/>
+      </p:nvGrpSpPr>
+      <p:grpSpPr>
+        <a:xfrm>
+          <a:off x="0" y="0"/>
+          <a:ext cx="0" cy="0"/>
+          <a:chOff x="0" y="0"/>
+          <a:chExt cx="0" cy="0"/>
+        </a:xfrm>
+      </p:grpSpPr>
+      <p:sp>
+        <p:nvSpPr>
+          <p:cNvPr id="2" name="幻灯片图像占位符 1"/>
+          <p:cNvSpPr>
+            <a:spLocks noGrp="1" noRot="1" noChangeAspect="1"/>
+          </p:cNvSpPr>
+          <p:nvPr>
+            <p:ph type="sldImg"/>
+          </p:nvPr>
+        </p:nvSpPr>
+        <p:spPr/>
+      </p:sp>
+      <p:sp>
+        <p:nvSpPr>
+          <p:cNvPr id="3" name="备注占位符 2"/>
+          <p:cNvSpPr>
+            <a:spLocks noGrp="1"/>
+          </p:cNvSpPr>
+          <p:nvPr>
+            <p:ph type="body" idx="1"/>
+          </p:nvPr>
+        </p:nvSpPr>
+        <p:spPr/>
+        <p:txBody>
+          <a:bodyPr/>
+          <a:lstStyle/>
+          <a:p>
+            <a:endParaRPr lang="zh-CN" altLang="en-US" dirty="0"/>
+          </a:p>
+        </p:txBody>
+      </p:sp>
+      <p:sp>
+        <p:nvSpPr>
+          <p:cNvPr id="4" name="灯片编号占位符 3"/>
+          <p:cNvSpPr>
+            <a:spLocks noGrp="1"/>
+          </p:cNvSpPr>
+          <p:nvPr>
+            <p:ph type="sldNum" sz="quarter" idx="10"/>
+          </p:nvPr>
+        </p:nvSpPr>
+        <p:spPr/>
+        <p:txBody>
+          <a:bodyPr/>
+          <a:lstStyle/>
+          <a:p>
+            <a:fld id="{DD202784-B46A-4EF4-B218-4316F9133D14}" type="slidenum">
+              <a:rPr lang="zh-CN" altLang="en-US" smtClean="0"/>
+              <a:t>28</a:t>
+            </a:fld>
+            <a:endParaRPr lang="zh-CN" altLang="en-US"/>
+          </a:p>
+        </p:txBody>
+      </p:sp>
+    </p:spTree>
+    <p:extLst>
+      <p:ext uri="{BB962C8B-B14F-4D97-AF65-F5344CB8AC3E}">
+        <p14:creationId xmlns:p14="http://schemas.microsoft.com/office/powerpoint/2010/main" val="2146267446"/>
       </p:ext>
     </p:extLst>
   </p:cSld>
@@ -1404,7 +1796,7 @@
           <a:p>
             <a:fld id="{DD202784-B46A-4EF4-B218-4316F9133D14}" type="slidenum">
               <a:rPr lang="zh-CN" altLang="en-US" smtClean="0"/>
-              <a:t>5</a:t>
+              <a:t>4</a:t>
             </a:fld>
             <a:endParaRPr lang="zh-CN" altLang="en-US"/>
           </a:p>
@@ -1488,7 +1880,7 @@
           <a:p>
             <a:fld id="{DD202784-B46A-4EF4-B218-4316F9133D14}" type="slidenum">
               <a:rPr lang="zh-CN" altLang="en-US" smtClean="0"/>
-              <a:t>6</a:t>
+              <a:t>5</a:t>
             </a:fld>
             <a:endParaRPr lang="zh-CN" altLang="en-US"/>
           </a:p>
@@ -1593,7 +1985,7 @@
           <a:p>
             <a:fld id="{DD202784-B46A-4EF4-B218-4316F9133D14}" type="slidenum">
               <a:rPr lang="zh-CN" altLang="en-US" smtClean="0"/>
-              <a:t>7</a:t>
+              <a:t>6</a:t>
             </a:fld>
             <a:endParaRPr lang="zh-CN" altLang="en-US"/>
           </a:p>
@@ -1677,7 +2069,7 @@
           <a:p>
             <a:fld id="{DD202784-B46A-4EF4-B218-4316F9133D14}" type="slidenum">
               <a:rPr lang="zh-CN" altLang="en-US" smtClean="0"/>
-              <a:t>8</a:t>
+              <a:t>7</a:t>
             </a:fld>
             <a:endParaRPr lang="zh-CN" altLang="en-US"/>
           </a:p>
@@ -1761,7 +2153,7 @@
           <a:p>
             <a:fld id="{DD202784-B46A-4EF4-B218-4316F9133D14}" type="slidenum">
               <a:rPr lang="zh-CN" altLang="en-US" smtClean="0"/>
-              <a:t>9</a:t>
+              <a:t>8</a:t>
             </a:fld>
             <a:endParaRPr lang="zh-CN" altLang="en-US"/>
           </a:p>
@@ -4923,7 +5315,7 @@
         <p:spPr>
           <a:xfrm>
             <a:off x="1676400" y="1761508"/>
-            <a:ext cx="8080652" cy="2308324"/>
+            <a:ext cx="8080652" cy="830997"/>
           </a:xfrm>
           <a:prstGeom prst="rect">
             <a:avLst/>
@@ -4936,6 +5328,7 @@
           </a:bodyPr>
           <a:lstStyle/>
           <a:p>
+            <a:pPr algn="ctr"/>
             <a:r>
               <a:rPr lang="en-US" altLang="zh-CN" sz="4800" b="1" dirty="0" smtClean="0">
                 <a:solidFill>
@@ -4953,60 +5346,6 @@
               </a:rPr>
               <a:t>Multiple Anesthesias </a:t>
             </a:r>
-          </a:p>
-          <a:p>
-            <a:pPr algn="ctr"/>
-            <a:r>
-              <a:rPr lang="en-US" altLang="zh-CN" sz="4800" b="1" dirty="0" smtClean="0">
-                <a:solidFill>
-                  <a:srgbClr val="00ABB4"/>
-                </a:solidFill>
-                <a:effectLst>
-                  <a:outerShdw blurRad="38100" dist="38100" dir="2700000" algn="tl">
-                    <a:srgbClr val="000000">
-                      <a:alpha val="43137"/>
-                    </a:srgbClr>
-                  </a:outerShdw>
-                </a:effectLst>
-                <a:latin typeface="微软雅黑" panose="020B0503020204020204" pitchFamily="34" charset="-122"/>
-                <a:ea typeface="微软雅黑" panose="020B0503020204020204" pitchFamily="34" charset="-122"/>
-              </a:rPr>
-              <a:t>&amp;</a:t>
-            </a:r>
-          </a:p>
-          <a:p>
-            <a:pPr algn="ctr"/>
-            <a:r>
-              <a:rPr lang="en-US" altLang="zh-CN" sz="4800" b="1" dirty="0" smtClean="0">
-                <a:solidFill>
-                  <a:srgbClr val="00ABB4"/>
-                </a:solidFill>
-                <a:effectLst>
-                  <a:outerShdw blurRad="38100" dist="38100" dir="2700000" algn="tl">
-                    <a:srgbClr val="000000">
-                      <a:alpha val="43137"/>
-                    </a:srgbClr>
-                  </a:outerShdw>
-                </a:effectLst>
-                <a:latin typeface="微软雅黑" panose="020B0503020204020204" pitchFamily="34" charset="-122"/>
-                <a:ea typeface="微软雅黑" panose="020B0503020204020204" pitchFamily="34" charset="-122"/>
-              </a:rPr>
-              <a:t>			neural systems</a:t>
-            </a:r>
-            <a:endParaRPr lang="en-US" altLang="zh-CN" sz="4800" b="1" dirty="0">
-              <a:solidFill>
-                <a:srgbClr val="00ABB4"/>
-              </a:solidFill>
-              <a:effectLst>
-                <a:outerShdw blurRad="38100" dist="38100" dir="2700000" algn="tl">
-                  <a:srgbClr val="000000">
-                    <a:alpha val="43137"/>
-                  </a:srgbClr>
-                </a:outerShdw>
-              </a:effectLst>
-              <a:latin typeface="微软雅黑" panose="020B0503020204020204" pitchFamily="34" charset="-122"/>
-              <a:ea typeface="微软雅黑" panose="020B0503020204020204" pitchFamily="34" charset="-122"/>
-            </a:endParaRPr>
           </a:p>
         </p:txBody>
       </p:sp>
@@ -5874,6 +6213,335 @@
       </p:grpSpPr>
       <p:sp>
         <p:nvSpPr>
+          <p:cNvPr id="3" name="矩形 2"/>
+          <p:cNvSpPr/>
+          <p:nvPr/>
+        </p:nvSpPr>
+        <p:spPr>
+          <a:xfrm>
+            <a:off x="4077446" y="1815450"/>
+            <a:ext cx="4305299" cy="2998177"/>
+          </a:xfrm>
+          <a:prstGeom prst="rect">
+            <a:avLst/>
+          </a:prstGeom>
+          <a:solidFill>
+            <a:schemeClr val="accent2">
+              <a:alpha val="81000"/>
+            </a:schemeClr>
+          </a:solidFill>
+          <a:ln>
+            <a:noFill/>
+          </a:ln>
+        </p:spPr>
+        <p:style>
+          <a:lnRef idx="2">
+            <a:schemeClr val="accent1">
+              <a:shade val="50000"/>
+            </a:schemeClr>
+          </a:lnRef>
+          <a:fillRef idx="1">
+            <a:schemeClr val="accent1"/>
+          </a:fillRef>
+          <a:effectRef idx="0">
+            <a:schemeClr val="accent1"/>
+          </a:effectRef>
+          <a:fontRef idx="minor">
+            <a:schemeClr val="lt1"/>
+          </a:fontRef>
+        </p:style>
+        <p:txBody>
+          <a:bodyPr rtlCol="0" anchor="ctr"/>
+          <a:lstStyle/>
+          <a:p>
+            <a:pPr algn="ctr"/>
+            <a:endParaRPr lang="zh-CN" altLang="en-US"/>
+          </a:p>
+        </p:txBody>
+      </p:sp>
+      <p:sp>
+        <p:nvSpPr>
+          <p:cNvPr id="9" name="矩形 8"/>
+          <p:cNvSpPr/>
+          <p:nvPr/>
+        </p:nvSpPr>
+        <p:spPr>
+          <a:xfrm>
+            <a:off x="249145" y="-1448167"/>
+            <a:ext cx="2636930" cy="1767254"/>
+          </a:xfrm>
+          <a:prstGeom prst="rect">
+            <a:avLst/>
+          </a:prstGeom>
+          <a:solidFill>
+            <a:schemeClr val="accent2">
+              <a:alpha val="81000"/>
+            </a:schemeClr>
+          </a:solidFill>
+          <a:ln>
+            <a:noFill/>
+          </a:ln>
+        </p:spPr>
+        <p:style>
+          <a:lnRef idx="2">
+            <a:schemeClr val="accent1">
+              <a:shade val="50000"/>
+            </a:schemeClr>
+          </a:lnRef>
+          <a:fillRef idx="1">
+            <a:schemeClr val="accent1"/>
+          </a:fillRef>
+          <a:effectRef idx="0">
+            <a:schemeClr val="accent1"/>
+          </a:effectRef>
+          <a:fontRef idx="minor">
+            <a:schemeClr val="lt1"/>
+          </a:fontRef>
+        </p:style>
+        <p:txBody>
+          <a:bodyPr rtlCol="0" anchor="ctr"/>
+          <a:lstStyle/>
+          <a:p>
+            <a:pPr algn="ctr"/>
+            <a:endParaRPr lang="zh-CN" altLang="en-US"/>
+          </a:p>
+        </p:txBody>
+      </p:sp>
+      <p:sp>
+        <p:nvSpPr>
+          <p:cNvPr id="10" name="矩形 9"/>
+          <p:cNvSpPr/>
+          <p:nvPr/>
+        </p:nvSpPr>
+        <p:spPr>
+          <a:xfrm>
+            <a:off x="7690152" y="4881806"/>
+            <a:ext cx="3141784" cy="1767254"/>
+          </a:xfrm>
+          <a:prstGeom prst="rect">
+            <a:avLst/>
+          </a:prstGeom>
+          <a:solidFill>
+            <a:schemeClr val="accent2">
+              <a:alpha val="81000"/>
+            </a:schemeClr>
+          </a:solidFill>
+          <a:ln>
+            <a:noFill/>
+          </a:ln>
+        </p:spPr>
+        <p:style>
+          <a:lnRef idx="2">
+            <a:schemeClr val="accent1">
+              <a:shade val="50000"/>
+            </a:schemeClr>
+          </a:lnRef>
+          <a:fillRef idx="1">
+            <a:schemeClr val="accent1"/>
+          </a:fillRef>
+          <a:effectRef idx="0">
+            <a:schemeClr val="accent1"/>
+          </a:effectRef>
+          <a:fontRef idx="minor">
+            <a:schemeClr val="lt1"/>
+          </a:fontRef>
+        </p:style>
+        <p:txBody>
+          <a:bodyPr rtlCol="0" anchor="ctr"/>
+          <a:lstStyle/>
+          <a:p>
+            <a:pPr algn="ctr"/>
+            <a:endParaRPr lang="zh-CN" altLang="en-US"/>
+          </a:p>
+        </p:txBody>
+      </p:sp>
+      <p:sp>
+        <p:nvSpPr>
+          <p:cNvPr id="11" name="矩形 10"/>
+          <p:cNvSpPr/>
+          <p:nvPr/>
+        </p:nvSpPr>
+        <p:spPr>
+          <a:xfrm>
+            <a:off x="1506389" y="1663922"/>
+            <a:ext cx="1349496" cy="104775"/>
+          </a:xfrm>
+          <a:prstGeom prst="rect">
+            <a:avLst/>
+          </a:prstGeom>
+          <a:solidFill>
+            <a:schemeClr val="accent2"/>
+          </a:solidFill>
+          <a:ln>
+            <a:noFill/>
+          </a:ln>
+        </p:spPr>
+        <p:style>
+          <a:lnRef idx="2">
+            <a:schemeClr val="accent1">
+              <a:shade val="50000"/>
+            </a:schemeClr>
+          </a:lnRef>
+          <a:fillRef idx="1">
+            <a:schemeClr val="accent1"/>
+          </a:fillRef>
+          <a:effectRef idx="0">
+            <a:schemeClr val="accent1"/>
+          </a:effectRef>
+          <a:fontRef idx="minor">
+            <a:schemeClr val="lt1"/>
+          </a:fontRef>
+        </p:style>
+        <p:txBody>
+          <a:bodyPr rtlCol="0" anchor="ctr"/>
+          <a:lstStyle/>
+          <a:p>
+            <a:pPr algn="ctr"/>
+            <a:endParaRPr lang="zh-CN" altLang="en-US"/>
+          </a:p>
+        </p:txBody>
+      </p:sp>
+      <p:sp>
+        <p:nvSpPr>
+          <p:cNvPr id="12" name="矩形 11"/>
+          <p:cNvSpPr/>
+          <p:nvPr/>
+        </p:nvSpPr>
+        <p:spPr>
+          <a:xfrm>
+            <a:off x="10588867" y="2977768"/>
+            <a:ext cx="1603132" cy="1767254"/>
+          </a:xfrm>
+          <a:prstGeom prst="rect">
+            <a:avLst/>
+          </a:prstGeom>
+          <a:solidFill>
+            <a:schemeClr val="accent2">
+              <a:alpha val="81000"/>
+            </a:schemeClr>
+          </a:solidFill>
+          <a:ln>
+            <a:noFill/>
+          </a:ln>
+        </p:spPr>
+        <p:style>
+          <a:lnRef idx="2">
+            <a:schemeClr val="accent1">
+              <a:shade val="50000"/>
+            </a:schemeClr>
+          </a:lnRef>
+          <a:fillRef idx="1">
+            <a:schemeClr val="accent1"/>
+          </a:fillRef>
+          <a:effectRef idx="0">
+            <a:schemeClr val="accent1"/>
+          </a:effectRef>
+          <a:fontRef idx="minor">
+            <a:schemeClr val="lt1"/>
+          </a:fontRef>
+        </p:style>
+        <p:txBody>
+          <a:bodyPr rtlCol="0" anchor="ctr"/>
+          <a:lstStyle/>
+          <a:p>
+            <a:pPr algn="ctr"/>
+            <a:endParaRPr lang="zh-CN" altLang="en-US"/>
+          </a:p>
+        </p:txBody>
+      </p:sp>
+      <p:pic>
+        <p:nvPicPr>
+          <p:cNvPr id="2050" name="Picture 2"/>
+          <p:cNvPicPr>
+            <a:picLocks noChangeAspect="1" noChangeArrowheads="1"/>
+          </p:cNvPicPr>
+          <p:nvPr/>
+        </p:nvPicPr>
+        <p:blipFill>
+          <a:blip r:embed="rId2">
+            <a:extLst>
+              <a:ext uri="{28A0092B-C50C-407E-A947-70E740481C1C}">
+                <a14:useLocalDpi xmlns:a14="http://schemas.microsoft.com/office/drawing/2010/main" val="0"/>
+              </a:ext>
+            </a:extLst>
+          </a:blip>
+          <a:srcRect/>
+          <a:stretch>
+            <a:fillRect/>
+          </a:stretch>
+        </p:blipFill>
+        <p:spPr bwMode="auto">
+          <a:xfrm>
+            <a:off x="0" y="717571"/>
+            <a:ext cx="11979556" cy="5193933"/>
+          </a:xfrm>
+          <a:prstGeom prst="rect">
+            <a:avLst/>
+          </a:prstGeom>
+          <a:noFill/>
+          <a:ln>
+            <a:noFill/>
+          </a:ln>
+          <a:extLst>
+            <a:ext uri="{909E8E84-426E-40DD-AFC4-6F175D3DCCD1}">
+              <a14:hiddenFill xmlns:a14="http://schemas.microsoft.com/office/drawing/2010/main">
+                <a:solidFill>
+                  <a:schemeClr val="accent1"/>
+                </a:solidFill>
+              </a14:hiddenFill>
+            </a:ext>
+            <a:ext uri="{91240B29-F687-4F45-9708-019B960494DF}">
+              <a14:hiddenLine xmlns:a14="http://schemas.microsoft.com/office/drawing/2010/main" w="9525">
+                <a:solidFill>
+                  <a:schemeClr val="tx1"/>
+                </a:solidFill>
+                <a:miter lim="800000"/>
+                <a:headEnd/>
+                <a:tailEnd/>
+              </a14:hiddenLine>
+            </a:ext>
+          </a:extLst>
+        </p:spPr>
+      </p:pic>
+    </p:spTree>
+    <p:extLst>
+      <p:ext uri="{BB962C8B-B14F-4D97-AF65-F5344CB8AC3E}">
+        <p14:creationId xmlns:p14="http://schemas.microsoft.com/office/powerpoint/2010/main" val="3935278457"/>
+      </p:ext>
+    </p:extLst>
+  </p:cSld>
+  <p:clrMapOvr>
+    <a:masterClrMapping/>
+  </p:clrMapOvr>
+  <p:timing>
+    <p:tnLst>
+      <p:par>
+        <p:cTn id="1" dur="indefinite" restart="never" nodeType="tmRoot"/>
+      </p:par>
+    </p:tnLst>
+  </p:timing>
+</p:sld>
+</file>
+
+<file path=ppt/slides/slide14.xml><?xml version="1.0" encoding="utf-8"?>
+<p:sld xmlns:a="http://schemas.openxmlformats.org/drawingml/2006/main" xmlns:r="http://schemas.openxmlformats.org/officeDocument/2006/relationships" xmlns:p="http://schemas.openxmlformats.org/presentationml/2006/main">
+  <p:cSld>
+    <p:spTree>
+      <p:nvGrpSpPr>
+        <p:cNvPr id="1" name=""/>
+        <p:cNvGrpSpPr/>
+        <p:nvPr/>
+      </p:nvGrpSpPr>
+      <p:grpSpPr>
+        <a:xfrm>
+          <a:off x="0" y="0"/>
+          <a:ext cx="0" cy="0"/>
+          <a:chOff x="0" y="0"/>
+          <a:chExt cx="0" cy="0"/>
+        </a:xfrm>
+      </p:grpSpPr>
+      <p:sp>
+        <p:nvSpPr>
           <p:cNvPr id="5" name="矩形 4"/>
           <p:cNvSpPr/>
           <p:nvPr/>
@@ -6011,8 +6679,8 @@
         </p:nvSpPr>
         <p:spPr>
           <a:xfrm>
-            <a:off x="896518" y="1989648"/>
-            <a:ext cx="10245297" cy="3539430"/>
+            <a:off x="896518" y="1608648"/>
+            <a:ext cx="10245297" cy="4401205"/>
           </a:xfrm>
           <a:prstGeom prst="rect">
             <a:avLst/>
@@ -6111,13 +6779,48 @@
             </a:r>
           </a:p>
           <a:p>
-            <a:pPr marL="1371600" lvl="2" indent="-457200">
+            <a:pPr marL="914400" lvl="1" indent="-457200">
               <a:lnSpc>
                 <a:spcPct val="200000"/>
               </a:lnSpc>
               <a:buFont typeface="Arial" panose="020B0604020202020204" pitchFamily="34" charset="0"/>
               <a:buChar char="•"/>
             </a:pPr>
+            <a:r>
+              <a:rPr lang="en-US" altLang="zh-CN" sz="2800" dirty="0" smtClean="0"/>
+              <a:t>FDR(multiple </a:t>
+            </a:r>
+            <a:r>
+              <a:rPr lang="en-US" altLang="zh-CN" sz="2800" dirty="0"/>
+              <a:t>comparisons with false discovery </a:t>
+            </a:r>
+            <a:r>
+              <a:rPr lang="en-US" altLang="zh-CN" sz="2800" dirty="0" smtClean="0"/>
+              <a:t>rate) using</a:t>
+            </a:r>
+            <a:r>
+              <a:rPr lang="en-US" altLang="zh-CN" sz="2800" dirty="0"/>
+              <a:t/>
+            </a:r>
+            <a:br>
+              <a:rPr lang="en-US" altLang="zh-CN" sz="2800" dirty="0"/>
+            </a:br>
+            <a:r>
+              <a:rPr lang="en-US" altLang="zh-CN" sz="2800" dirty="0"/>
+              <a:t>the same unpaired </a:t>
+            </a:r>
+            <a:r>
+              <a:rPr lang="en-US" altLang="zh-CN" sz="2800" i="1" dirty="0"/>
+              <a:t>t</a:t>
+            </a:r>
+            <a:r>
+              <a:rPr lang="en-US" altLang="zh-CN" sz="2800" dirty="0"/>
+              <a:t>-test design matrix</a:t>
+            </a:r>
+            <a:r>
+              <a:rPr lang="en-US" altLang="zh-CN" sz="2800" dirty="0"/>
+              <a:t> </a:t>
+            </a:r>
             <a:endParaRPr lang="en-US" altLang="zh-CN" sz="2800" dirty="0" smtClean="0"/>
           </a:p>
         </p:txBody>
@@ -6125,7 +6828,7 @@
     </p:spTree>
     <p:extLst>
       <p:ext uri="{BB962C8B-B14F-4D97-AF65-F5344CB8AC3E}">
-        <p14:creationId xmlns:p14="http://schemas.microsoft.com/office/powerpoint/2010/main" val="1769757465"/>
+        <p14:creationId xmlns:p14="http://schemas.microsoft.com/office/powerpoint/2010/main" val="589686290"/>
       </p:ext>
     </p:extLst>
   </p:cSld>
@@ -6142,7 +6845,7 @@
 </p:sld>
 </file>
 
-<file path=ppt/slides/slide14.xml><?xml version="1.0" encoding="utf-8"?>
+<file path=ppt/slides/slide15.xml><?xml version="1.0" encoding="utf-8"?>
 <p:sld xmlns:a="http://schemas.openxmlformats.org/drawingml/2006/main" xmlns:r="http://schemas.openxmlformats.org/officeDocument/2006/relationships" xmlns:p="http://schemas.openxmlformats.org/presentationml/2006/main">
   <p:cSld>
     <p:spTree>
@@ -6459,7 +7162,1508 @@
 </p:sld>
 </file>
 
-<file path=ppt/slides/slide15.xml><?xml version="1.0" encoding="utf-8"?>
+<file path=ppt/slides/slide16.xml><?xml version="1.0" encoding="utf-8"?>
+<p:sld xmlns:a="http://schemas.openxmlformats.org/drawingml/2006/main" xmlns:r="http://schemas.openxmlformats.org/officeDocument/2006/relationships" xmlns:p="http://schemas.openxmlformats.org/presentationml/2006/main">
+  <p:cSld>
+    <p:spTree>
+      <p:nvGrpSpPr>
+        <p:cNvPr id="1" name=""/>
+        <p:cNvGrpSpPr/>
+        <p:nvPr/>
+      </p:nvGrpSpPr>
+      <p:grpSpPr>
+        <a:xfrm>
+          <a:off x="0" y="0"/>
+          <a:ext cx="0" cy="0"/>
+          <a:chOff x="0" y="0"/>
+          <a:chExt cx="0" cy="0"/>
+        </a:xfrm>
+      </p:grpSpPr>
+      <p:pic>
+        <p:nvPicPr>
+          <p:cNvPr id="2" name="图片 1"/>
+          <p:cNvPicPr>
+            <a:picLocks noChangeAspect="1"/>
+          </p:cNvPicPr>
+          <p:nvPr/>
+        </p:nvPicPr>
+        <p:blipFill rotWithShape="1">
+          <a:blip r:embed="rId3" cstate="print">
+            <a:extLst>
+              <a:ext uri="{28A0092B-C50C-407E-A947-70E740481C1C}">
+                <a14:useLocalDpi xmlns:a14="http://schemas.microsoft.com/office/drawing/2010/main" val="0"/>
+              </a:ext>
+            </a:extLst>
+          </a:blip>
+          <a:srcRect t="19936" b="38073"/>
+          <a:stretch/>
+        </p:blipFill>
+        <p:spPr>
+          <a:xfrm>
+            <a:off x="0" y="-1"/>
+            <a:ext cx="12192000" cy="3390901"/>
+          </a:xfrm>
+          <a:prstGeom prst="rect">
+            <a:avLst/>
+          </a:prstGeom>
+        </p:spPr>
+      </p:pic>
+      <p:sp>
+        <p:nvSpPr>
+          <p:cNvPr id="8" name="矩形 7"/>
+          <p:cNvSpPr/>
+          <p:nvPr/>
+        </p:nvSpPr>
+        <p:spPr>
+          <a:xfrm>
+            <a:off x="0" y="0"/>
+            <a:ext cx="12192000" cy="3390900"/>
+          </a:xfrm>
+          <a:prstGeom prst="rect">
+            <a:avLst/>
+          </a:prstGeom>
+          <a:solidFill>
+            <a:schemeClr val="tx1">
+              <a:alpha val="64000"/>
+            </a:schemeClr>
+          </a:solidFill>
+          <a:ln>
+            <a:noFill/>
+          </a:ln>
+        </p:spPr>
+        <p:style>
+          <a:lnRef idx="2">
+            <a:schemeClr val="accent1">
+              <a:shade val="50000"/>
+            </a:schemeClr>
+          </a:lnRef>
+          <a:fillRef idx="1">
+            <a:schemeClr val="accent1"/>
+          </a:fillRef>
+          <a:effectRef idx="0">
+            <a:schemeClr val="accent1"/>
+          </a:effectRef>
+          <a:fontRef idx="minor">
+            <a:schemeClr val="lt1"/>
+          </a:fontRef>
+        </p:style>
+        <p:txBody>
+          <a:bodyPr rtlCol="0" anchor="ctr"/>
+          <a:lstStyle/>
+          <a:p>
+            <a:pPr algn="ctr"/>
+            <a:endParaRPr lang="zh-CN" altLang="en-US"/>
+          </a:p>
+        </p:txBody>
+      </p:sp>
+      <p:sp>
+        <p:nvSpPr>
+          <p:cNvPr id="4" name="文本框 3"/>
+          <p:cNvSpPr txBox="1"/>
+          <p:nvPr/>
+        </p:nvSpPr>
+        <p:spPr>
+          <a:xfrm>
+            <a:off x="886817" y="929034"/>
+            <a:ext cx="10683181" cy="2308324"/>
+          </a:xfrm>
+          <a:prstGeom prst="rect">
+            <a:avLst/>
+          </a:prstGeom>
+          <a:noFill/>
+        </p:spPr>
+        <p:txBody>
+          <a:bodyPr wrap="none" rtlCol="0">
+            <a:spAutoFit/>
+          </a:bodyPr>
+          <a:lstStyle/>
+          <a:p>
+            <a:r>
+              <a:rPr lang="en-US" altLang="zh-CN" sz="7200" b="1" dirty="0" smtClean="0">
+                <a:solidFill>
+                  <a:srgbClr val="00ABB4"/>
+                </a:solidFill>
+                <a:latin typeface="微软雅黑" panose="020B0503020204020204" pitchFamily="34" charset="-122"/>
+                <a:ea typeface="微软雅黑" panose="020B0503020204020204" pitchFamily="34" charset="-122"/>
+              </a:rPr>
+              <a:t>	PNAS</a:t>
+            </a:r>
+            <a:endParaRPr lang="en-US" altLang="zh-CN" sz="7200" b="1" dirty="0" smtClean="0">
+              <a:solidFill>
+                <a:srgbClr val="00ABB4"/>
+              </a:solidFill>
+              <a:latin typeface="微软雅黑" panose="020B0503020204020204" pitchFamily="34" charset="-122"/>
+              <a:ea typeface="微软雅黑" panose="020B0503020204020204" pitchFamily="34" charset="-122"/>
+            </a:endParaRPr>
+          </a:p>
+          <a:p>
+            <a:r>
+              <a:rPr lang="en-US" altLang="zh-CN" sz="7200" b="1" dirty="0">
+                <a:solidFill>
+                  <a:srgbClr val="00ABB4"/>
+                </a:solidFill>
+                <a:latin typeface="微软雅黑" panose="020B0503020204020204" pitchFamily="34" charset="-122"/>
+                <a:ea typeface="微软雅黑" panose="020B0503020204020204" pitchFamily="34" charset="-122"/>
+              </a:rPr>
+              <a:t>	</a:t>
+            </a:r>
+            <a:r>
+              <a:rPr lang="en-US" altLang="zh-CN" sz="7200" b="1" dirty="0" smtClean="0">
+                <a:solidFill>
+                  <a:srgbClr val="00ABB4"/>
+                </a:solidFill>
+                <a:latin typeface="微软雅黑" panose="020B0503020204020204" pitchFamily="34" charset="-122"/>
+                <a:ea typeface="微软雅黑" panose="020B0503020204020204" pitchFamily="34" charset="-122"/>
+              </a:rPr>
+              <a:t>			</a:t>
+            </a:r>
+            <a:r>
+              <a:rPr lang="en-US" altLang="zh-CN" sz="7200" b="1" dirty="0" smtClean="0">
+                <a:solidFill>
+                  <a:srgbClr val="00ABB4"/>
+                </a:solidFill>
+                <a:latin typeface="微软雅黑" panose="020B0503020204020204" pitchFamily="34" charset="-122"/>
+                <a:ea typeface="微软雅黑" panose="020B0503020204020204" pitchFamily="34" charset="-122"/>
+              </a:rPr>
+              <a:t>     </a:t>
+            </a:r>
+            <a:r>
+              <a:rPr lang="en-US" altLang="zh-CN" sz="5400" b="1" dirty="0" smtClean="0">
+                <a:solidFill>
+                  <a:srgbClr val="00ABB4"/>
+                </a:solidFill>
+                <a:latin typeface="微软雅黑" panose="020B0503020204020204" pitchFamily="34" charset="-122"/>
+                <a:ea typeface="微软雅黑" panose="020B0503020204020204" pitchFamily="34" charset="-122"/>
+              </a:rPr>
+              <a:t>Barttfeld</a:t>
+            </a:r>
+            <a:r>
+              <a:rPr lang="en-US" altLang="zh-CN" sz="5400" b="1" dirty="0" smtClean="0">
+                <a:solidFill>
+                  <a:srgbClr val="00ABB4"/>
+                </a:solidFill>
+                <a:latin typeface="微软雅黑" panose="020B0503020204020204" pitchFamily="34" charset="-122"/>
+                <a:ea typeface="微软雅黑" panose="020B0503020204020204" pitchFamily="34" charset="-122"/>
+              </a:rPr>
+              <a:t> , 2015</a:t>
+            </a:r>
+            <a:endParaRPr lang="zh-CN" altLang="en-US" sz="5400" dirty="0">
+              <a:solidFill>
+                <a:srgbClr val="00ABB4"/>
+              </a:solidFill>
+              <a:latin typeface="+mj-ea"/>
+              <a:ea typeface="+mj-ea"/>
+            </a:endParaRPr>
+          </a:p>
+        </p:txBody>
+      </p:sp>
+      <p:cxnSp>
+        <p:nvCxnSpPr>
+          <p:cNvPr id="18" name="直接连接符 17"/>
+          <p:cNvCxnSpPr/>
+          <p:nvPr/>
+        </p:nvCxnSpPr>
+        <p:spPr>
+          <a:xfrm>
+            <a:off x="3794758" y="3824441"/>
+            <a:ext cx="0" cy="2464837"/>
+          </a:xfrm>
+          <a:prstGeom prst="line">
+            <a:avLst/>
+          </a:prstGeom>
+          <a:ln>
+            <a:solidFill>
+              <a:schemeClr val="bg1">
+                <a:lumMod val="50000"/>
+              </a:schemeClr>
+            </a:solidFill>
+          </a:ln>
+        </p:spPr>
+        <p:style>
+          <a:lnRef idx="1">
+            <a:schemeClr val="accent1"/>
+          </a:lnRef>
+          <a:fillRef idx="0">
+            <a:schemeClr val="accent1"/>
+          </a:fillRef>
+          <a:effectRef idx="0">
+            <a:schemeClr val="accent1"/>
+          </a:effectRef>
+          <a:fontRef idx="minor">
+            <a:schemeClr val="tx1"/>
+          </a:fontRef>
+        </p:style>
+      </p:cxnSp>
+      <p:sp>
+        <p:nvSpPr>
+          <p:cNvPr id="19" name="文本框 18"/>
+          <p:cNvSpPr txBox="1"/>
+          <p:nvPr/>
+        </p:nvSpPr>
+        <p:spPr>
+          <a:xfrm>
+            <a:off x="3944383" y="3595841"/>
+            <a:ext cx="3852950" cy="3170099"/>
+          </a:xfrm>
+          <a:prstGeom prst="rect">
+            <a:avLst/>
+          </a:prstGeom>
+          <a:noFill/>
+        </p:spPr>
+        <p:txBody>
+          <a:bodyPr wrap="square" rtlCol="0">
+            <a:spAutoFit/>
+          </a:bodyPr>
+          <a:lstStyle/>
+          <a:p>
+            <a:pPr marL="342900" indent="-342900">
+              <a:lnSpc>
+                <a:spcPct val="200000"/>
+              </a:lnSpc>
+              <a:buFont typeface="Arial" panose="020B0604020202020204" pitchFamily="34" charset="0"/>
+              <a:buChar char="•"/>
+            </a:pPr>
+            <a:r>
+              <a:rPr lang="en-US" altLang="zh-CN" sz="2000" dirty="0" smtClean="0">
+                <a:latin typeface="Meiryo" panose="020B0604030504040204" pitchFamily="34" charset="-128"/>
+                <a:ea typeface="Meiryo" panose="020B0604030504040204" pitchFamily="34" charset="-128"/>
+                <a:cs typeface="Meiryo" panose="020B0604030504040204" pitchFamily="34" charset="-128"/>
+              </a:rPr>
+              <a:t>Stationary Connectivity Analysis </a:t>
+            </a:r>
+            <a:endParaRPr lang="en-US" altLang="zh-CN" sz="2000" dirty="0">
+              <a:latin typeface="Meiryo" panose="020B0604030504040204" pitchFamily="34" charset="-128"/>
+              <a:ea typeface="Meiryo" panose="020B0604030504040204" pitchFamily="34" charset="-128"/>
+              <a:cs typeface="Meiryo" panose="020B0604030504040204" pitchFamily="34" charset="-128"/>
+            </a:endParaRPr>
+          </a:p>
+          <a:p>
+            <a:pPr marL="342900" indent="-342900">
+              <a:lnSpc>
+                <a:spcPct val="200000"/>
+              </a:lnSpc>
+              <a:buFont typeface="Arial" panose="020B0604020202020204" pitchFamily="34" charset="0"/>
+              <a:buChar char="•"/>
+            </a:pPr>
+            <a:r>
+              <a:rPr lang="en-US" altLang="zh-CN" sz="2000" dirty="0" smtClean="0">
+                <a:latin typeface="Meiryo" panose="020B0604030504040204" pitchFamily="34" charset="-128"/>
+                <a:ea typeface="Meiryo" panose="020B0604030504040204" pitchFamily="34" charset="-128"/>
+                <a:cs typeface="Meiryo" panose="020B0604030504040204" pitchFamily="34" charset="-128"/>
+              </a:rPr>
+              <a:t>Dynamical </a:t>
+            </a:r>
+            <a:r>
+              <a:rPr lang="en-US" altLang="zh-CN" sz="2000" dirty="0">
+                <a:latin typeface="Meiryo" panose="020B0604030504040204" pitchFamily="34" charset="-128"/>
+                <a:ea typeface="Meiryo" panose="020B0604030504040204" pitchFamily="34" charset="-128"/>
+                <a:cs typeface="Meiryo" panose="020B0604030504040204" pitchFamily="34" charset="-128"/>
+              </a:rPr>
+              <a:t>Connectivity Analysis </a:t>
+            </a:r>
+          </a:p>
+          <a:p>
+            <a:pPr marL="342900" indent="-342900">
+              <a:lnSpc>
+                <a:spcPct val="200000"/>
+              </a:lnSpc>
+              <a:buFont typeface="Arial" panose="020B0604020202020204" pitchFamily="34" charset="0"/>
+              <a:buChar char="•"/>
+            </a:pPr>
+            <a:r>
+              <a:rPr lang="en-US" altLang="zh-CN" sz="2000" dirty="0" smtClean="0">
+                <a:latin typeface="Meiryo" panose="020B0604030504040204" pitchFamily="34" charset="-128"/>
+                <a:ea typeface="Meiryo" panose="020B0604030504040204" pitchFamily="34" charset="-128"/>
+                <a:cs typeface="Meiryo" panose="020B0604030504040204" pitchFamily="34" charset="-128"/>
+              </a:rPr>
+              <a:t>Unsupervised clustering</a:t>
+            </a:r>
+            <a:endParaRPr lang="en-US" altLang="zh-CN" sz="2000" dirty="0">
+              <a:latin typeface="Meiryo" panose="020B0604030504040204" pitchFamily="34" charset="-128"/>
+              <a:ea typeface="Meiryo" panose="020B0604030504040204" pitchFamily="34" charset="-128"/>
+              <a:cs typeface="Meiryo" panose="020B0604030504040204" pitchFamily="34" charset="-128"/>
+            </a:endParaRPr>
+          </a:p>
+        </p:txBody>
+      </p:sp>
+      <p:sp>
+        <p:nvSpPr>
+          <p:cNvPr id="17" name="文本框 16"/>
+          <p:cNvSpPr txBox="1"/>
+          <p:nvPr/>
+        </p:nvSpPr>
+        <p:spPr>
+          <a:xfrm>
+            <a:off x="405600" y="3597050"/>
+            <a:ext cx="3251999" cy="2554545"/>
+          </a:xfrm>
+          <a:prstGeom prst="rect">
+            <a:avLst/>
+          </a:prstGeom>
+          <a:noFill/>
+        </p:spPr>
+        <p:txBody>
+          <a:bodyPr wrap="square" rtlCol="0">
+            <a:spAutoFit/>
+          </a:bodyPr>
+          <a:lstStyle/>
+          <a:p>
+            <a:pPr marL="342900" indent="-342900">
+              <a:lnSpc>
+                <a:spcPct val="200000"/>
+              </a:lnSpc>
+              <a:buFont typeface="Arial" panose="020B0604020202020204" pitchFamily="34" charset="0"/>
+              <a:buChar char="•"/>
+            </a:pPr>
+            <a:r>
+              <a:rPr lang="en-US" altLang="zh-CN" sz="2000" dirty="0" smtClean="0">
+                <a:latin typeface="Meiryo" panose="020B0604030504040204" pitchFamily="34" charset="-128"/>
+                <a:ea typeface="Meiryo" panose="020B0604030504040204" pitchFamily="34" charset="-128"/>
+                <a:cs typeface="Meiryo" panose="020B0604030504040204" pitchFamily="34" charset="-128"/>
+              </a:rPr>
+              <a:t>Propofol</a:t>
+            </a:r>
+          </a:p>
+          <a:p>
+            <a:pPr marL="342900" indent="-342900">
+              <a:lnSpc>
+                <a:spcPct val="200000"/>
+              </a:lnSpc>
+              <a:buFont typeface="Arial" panose="020B0604020202020204" pitchFamily="34" charset="0"/>
+              <a:buChar char="•"/>
+            </a:pPr>
+            <a:r>
+              <a:rPr lang="en-US" altLang="zh-CN" sz="2000" dirty="0" smtClean="0">
+                <a:latin typeface="Meiryo" panose="020B0604030504040204" pitchFamily="34" charset="-128"/>
+                <a:ea typeface="Meiryo" panose="020B0604030504040204" pitchFamily="34" charset="-128"/>
+                <a:cs typeface="Meiryo" panose="020B0604030504040204" pitchFamily="34" charset="-128"/>
+              </a:rPr>
+              <a:t>Spontaneous activity</a:t>
+            </a:r>
+          </a:p>
+          <a:p>
+            <a:pPr marL="342900" indent="-342900">
+              <a:lnSpc>
+                <a:spcPct val="200000"/>
+              </a:lnSpc>
+              <a:buFont typeface="Arial" panose="020B0604020202020204" pitchFamily="34" charset="0"/>
+              <a:buChar char="•"/>
+            </a:pPr>
+            <a:r>
+              <a:rPr lang="en-US" altLang="zh-CN" sz="2000" dirty="0">
+                <a:latin typeface="Meiryo" panose="020B0604030504040204" pitchFamily="34" charset="-128"/>
+                <a:ea typeface="Meiryo" panose="020B0604030504040204" pitchFamily="34" charset="-128"/>
+                <a:cs typeface="Meiryo" panose="020B0604030504040204" pitchFamily="34" charset="-128"/>
+              </a:rPr>
+              <a:t>Signature of </a:t>
+            </a:r>
+            <a:r>
+              <a:rPr lang="en-US" altLang="zh-CN" sz="2000" dirty="0" smtClean="0">
+                <a:latin typeface="Meiryo" panose="020B0604030504040204" pitchFamily="34" charset="-128"/>
+                <a:ea typeface="Meiryo" panose="020B0604030504040204" pitchFamily="34" charset="-128"/>
+                <a:cs typeface="Meiryo" panose="020B0604030504040204" pitchFamily="34" charset="-128"/>
+              </a:rPr>
+              <a:t>consciousness</a:t>
+            </a:r>
+            <a:endParaRPr lang="en-US" altLang="zh-CN" sz="2000" dirty="0">
+              <a:latin typeface="Meiryo" panose="020B0604030504040204" pitchFamily="34" charset="-128"/>
+              <a:ea typeface="Meiryo" panose="020B0604030504040204" pitchFamily="34" charset="-128"/>
+              <a:cs typeface="Meiryo" panose="020B0604030504040204" pitchFamily="34" charset="-128"/>
+            </a:endParaRPr>
+          </a:p>
+        </p:txBody>
+      </p:sp>
+      <p:cxnSp>
+        <p:nvCxnSpPr>
+          <p:cNvPr id="22" name="直接连接符 21"/>
+          <p:cNvCxnSpPr/>
+          <p:nvPr/>
+        </p:nvCxnSpPr>
+        <p:spPr>
+          <a:xfrm>
+            <a:off x="7949009" y="3820584"/>
+            <a:ext cx="0" cy="2464837"/>
+          </a:xfrm>
+          <a:prstGeom prst="line">
+            <a:avLst/>
+          </a:prstGeom>
+          <a:ln>
+            <a:solidFill>
+              <a:schemeClr val="bg1">
+                <a:lumMod val="50000"/>
+              </a:schemeClr>
+            </a:solidFill>
+          </a:ln>
+        </p:spPr>
+        <p:style>
+          <a:lnRef idx="1">
+            <a:schemeClr val="accent1"/>
+          </a:lnRef>
+          <a:fillRef idx="0">
+            <a:schemeClr val="accent1"/>
+          </a:fillRef>
+          <a:effectRef idx="0">
+            <a:schemeClr val="accent1"/>
+          </a:effectRef>
+          <a:fontRef idx="minor">
+            <a:schemeClr val="tx1"/>
+          </a:fontRef>
+        </p:style>
+      </p:cxnSp>
+      <p:sp>
+        <p:nvSpPr>
+          <p:cNvPr id="23" name="文本框 22"/>
+          <p:cNvSpPr txBox="1"/>
+          <p:nvPr/>
+        </p:nvSpPr>
+        <p:spPr>
+          <a:xfrm>
+            <a:off x="8141996" y="3555586"/>
+            <a:ext cx="3926598" cy="1938992"/>
+          </a:xfrm>
+          <a:prstGeom prst="rect">
+            <a:avLst/>
+          </a:prstGeom>
+          <a:noFill/>
+        </p:spPr>
+        <p:txBody>
+          <a:bodyPr wrap="square" rtlCol="0">
+            <a:spAutoFit/>
+          </a:bodyPr>
+          <a:lstStyle/>
+          <a:p>
+            <a:pPr marL="342900" indent="-342900">
+              <a:lnSpc>
+                <a:spcPct val="200000"/>
+              </a:lnSpc>
+              <a:buFont typeface="Arial" panose="020B0604020202020204" pitchFamily="34" charset="0"/>
+              <a:buChar char="•"/>
+            </a:pPr>
+            <a:r>
+              <a:rPr lang="en-US" altLang="zh-CN" sz="2000" dirty="0" smtClean="0">
+                <a:latin typeface="Meiryo" panose="020B0604030504040204" pitchFamily="34" charset="-128"/>
+                <a:ea typeface="Meiryo" panose="020B0604030504040204" pitchFamily="34" charset="-128"/>
+                <a:cs typeface="Meiryo" panose="020B0604030504040204" pitchFamily="34" charset="-128"/>
+              </a:rPr>
+              <a:t>Monkeys</a:t>
+            </a:r>
+            <a:endParaRPr lang="en-US" altLang="zh-CN" sz="2000" dirty="0" smtClean="0">
+              <a:latin typeface="Meiryo" panose="020B0604030504040204" pitchFamily="34" charset="-128"/>
+              <a:ea typeface="Meiryo" panose="020B0604030504040204" pitchFamily="34" charset="-128"/>
+              <a:cs typeface="Meiryo" panose="020B0604030504040204" pitchFamily="34" charset="-128"/>
+            </a:endParaRPr>
+          </a:p>
+          <a:p>
+            <a:pPr marL="342900" indent="-342900">
+              <a:lnSpc>
+                <a:spcPct val="200000"/>
+              </a:lnSpc>
+              <a:buFont typeface="Arial" panose="020B0604020202020204" pitchFamily="34" charset="0"/>
+              <a:buChar char="•"/>
+            </a:pPr>
+            <a:r>
+              <a:rPr lang="en-US" altLang="zh-CN" sz="2000" dirty="0" smtClean="0">
+                <a:latin typeface="Meiryo" panose="020B0604030504040204" pitchFamily="34" charset="-128"/>
+                <a:ea typeface="Meiryo" panose="020B0604030504040204" pitchFamily="34" charset="-128"/>
+                <a:cs typeface="Meiryo" panose="020B0604030504040204" pitchFamily="34" charset="-128"/>
+              </a:rPr>
+              <a:t>RsfMRI</a:t>
+            </a:r>
+          </a:p>
+          <a:p>
+            <a:pPr marL="342900" indent="-342900">
+              <a:lnSpc>
+                <a:spcPct val="200000"/>
+              </a:lnSpc>
+              <a:buFont typeface="Arial" panose="020B0604020202020204" pitchFamily="34" charset="0"/>
+              <a:buChar char="•"/>
+            </a:pPr>
+            <a:r>
+              <a:rPr lang="en-US" altLang="zh-CN" sz="2000" dirty="0" smtClean="0">
+                <a:latin typeface="Meiryo" panose="020B0604030504040204" pitchFamily="34" charset="-128"/>
+                <a:ea typeface="Meiryo" panose="020B0604030504040204" pitchFamily="34" charset="-128"/>
+                <a:cs typeface="Meiryo" panose="020B0604030504040204" pitchFamily="34" charset="-128"/>
+              </a:rPr>
+              <a:t>CoCoMac database</a:t>
+            </a:r>
+            <a:endParaRPr lang="en-US" altLang="zh-CN" sz="2000" dirty="0" smtClean="0">
+              <a:latin typeface="Meiryo" panose="020B0604030504040204" pitchFamily="34" charset="-128"/>
+              <a:ea typeface="Meiryo" panose="020B0604030504040204" pitchFamily="34" charset="-128"/>
+              <a:cs typeface="Meiryo" panose="020B0604030504040204" pitchFamily="34" charset="-128"/>
+            </a:endParaRPr>
+          </a:p>
+        </p:txBody>
+      </p:sp>
+    </p:spTree>
+    <p:extLst>
+      <p:ext uri="{BB962C8B-B14F-4D97-AF65-F5344CB8AC3E}">
+        <p14:creationId xmlns:p14="http://schemas.microsoft.com/office/powerpoint/2010/main" val="3518536330"/>
+      </p:ext>
+    </p:extLst>
+  </p:cSld>
+  <p:clrMapOvr>
+    <a:masterClrMapping/>
+  </p:clrMapOvr>
+  <p:timing>
+    <p:tnLst>
+      <p:par>
+        <p:cTn id="1" dur="indefinite" restart="never" nodeType="tmRoot"/>
+      </p:par>
+    </p:tnLst>
+  </p:timing>
+</p:sld>
+</file>
+
+<file path=ppt/slides/slide17.xml><?xml version="1.0" encoding="utf-8"?>
+<p:sld xmlns:a="http://schemas.openxmlformats.org/drawingml/2006/main" xmlns:r="http://schemas.openxmlformats.org/officeDocument/2006/relationships" xmlns:p="http://schemas.openxmlformats.org/presentationml/2006/main">
+  <p:cSld>
+    <p:spTree>
+      <p:nvGrpSpPr>
+        <p:cNvPr id="1" name=""/>
+        <p:cNvGrpSpPr/>
+        <p:nvPr/>
+      </p:nvGrpSpPr>
+      <p:grpSpPr>
+        <a:xfrm>
+          <a:off x="0" y="0"/>
+          <a:ext cx="0" cy="0"/>
+          <a:chOff x="0" y="0"/>
+          <a:chExt cx="0" cy="0"/>
+        </a:xfrm>
+      </p:grpSpPr>
+      <p:sp>
+        <p:nvSpPr>
+          <p:cNvPr id="5" name="矩形 4"/>
+          <p:cNvSpPr/>
+          <p:nvPr/>
+        </p:nvSpPr>
+        <p:spPr>
+          <a:xfrm>
+            <a:off x="6005399" y="3447534"/>
+            <a:ext cx="6172200" cy="3410465"/>
+          </a:xfrm>
+          <a:prstGeom prst="rect">
+            <a:avLst/>
+          </a:prstGeom>
+          <a:solidFill>
+            <a:schemeClr val="bg1">
+              <a:lumMod val="95000"/>
+            </a:schemeClr>
+          </a:solidFill>
+          <a:ln>
+            <a:noFill/>
+          </a:ln>
+        </p:spPr>
+        <p:style>
+          <a:lnRef idx="2">
+            <a:schemeClr val="accent1">
+              <a:shade val="50000"/>
+            </a:schemeClr>
+          </a:lnRef>
+          <a:fillRef idx="1">
+            <a:schemeClr val="accent1"/>
+          </a:fillRef>
+          <a:effectRef idx="0">
+            <a:schemeClr val="accent1"/>
+          </a:effectRef>
+          <a:fontRef idx="minor">
+            <a:schemeClr val="lt1"/>
+          </a:fontRef>
+        </p:style>
+        <p:txBody>
+          <a:bodyPr rtlCol="0" anchor="ctr"/>
+          <a:lstStyle/>
+          <a:p>
+            <a:pPr algn="ctr"/>
+            <a:endParaRPr lang="zh-CN" altLang="en-US"/>
+          </a:p>
+        </p:txBody>
+      </p:sp>
+      <p:sp>
+        <p:nvSpPr>
+          <p:cNvPr id="29" name="矩形 28"/>
+          <p:cNvSpPr/>
+          <p:nvPr/>
+        </p:nvSpPr>
+        <p:spPr>
+          <a:xfrm>
+            <a:off x="12346" y="1"/>
+            <a:ext cx="6006821" cy="3447534"/>
+          </a:xfrm>
+          <a:prstGeom prst="rect">
+            <a:avLst/>
+          </a:prstGeom>
+          <a:solidFill>
+            <a:schemeClr val="bg1">
+              <a:lumMod val="95000"/>
+            </a:schemeClr>
+          </a:solidFill>
+          <a:ln>
+            <a:noFill/>
+          </a:ln>
+        </p:spPr>
+        <p:style>
+          <a:lnRef idx="2">
+            <a:schemeClr val="accent1">
+              <a:shade val="50000"/>
+            </a:schemeClr>
+          </a:lnRef>
+          <a:fillRef idx="1">
+            <a:schemeClr val="accent1"/>
+          </a:fillRef>
+          <a:effectRef idx="0">
+            <a:schemeClr val="accent1"/>
+          </a:effectRef>
+          <a:fontRef idx="minor">
+            <a:schemeClr val="lt1"/>
+          </a:fontRef>
+        </p:style>
+        <p:txBody>
+          <a:bodyPr rtlCol="0" anchor="ctr"/>
+          <a:lstStyle/>
+          <a:p>
+            <a:pPr algn="ctr"/>
+            <a:endParaRPr lang="zh-CN" altLang="en-US"/>
+          </a:p>
+        </p:txBody>
+      </p:sp>
+      <p:sp>
+        <p:nvSpPr>
+          <p:cNvPr id="30" name="文本框 29"/>
+          <p:cNvSpPr txBox="1"/>
+          <p:nvPr/>
+        </p:nvSpPr>
+        <p:spPr>
+          <a:xfrm>
+            <a:off x="662539" y="294935"/>
+            <a:ext cx="9738761" cy="769441"/>
+          </a:xfrm>
+          <a:prstGeom prst="rect">
+            <a:avLst/>
+          </a:prstGeom>
+          <a:noFill/>
+        </p:spPr>
+        <p:txBody>
+          <a:bodyPr wrap="square" rtlCol="0">
+            <a:spAutoFit/>
+          </a:bodyPr>
+          <a:lstStyle/>
+          <a:p>
+            <a:r>
+              <a:rPr lang="en-US" altLang="zh-CN" sz="4400" b="1" dirty="0" smtClean="0">
+                <a:solidFill>
+                  <a:srgbClr val="00ABB4"/>
+                </a:solidFill>
+                <a:latin typeface="微软雅黑" panose="020B0503020204020204" pitchFamily="34" charset="-122"/>
+                <a:ea typeface="微软雅黑" panose="020B0503020204020204" pitchFamily="34" charset="-122"/>
+              </a:rPr>
+              <a:t>Stationary </a:t>
+            </a:r>
+            <a:r>
+              <a:rPr lang="en-US" altLang="zh-CN" sz="4400" b="1" dirty="0">
+                <a:solidFill>
+                  <a:srgbClr val="00ABB4"/>
+                </a:solidFill>
+                <a:latin typeface="微软雅黑" panose="020B0503020204020204" pitchFamily="34" charset="-122"/>
+                <a:ea typeface="微软雅黑" panose="020B0503020204020204" pitchFamily="34" charset="-122"/>
+              </a:rPr>
+              <a:t>Connectivity </a:t>
+            </a:r>
+            <a:r>
+              <a:rPr lang="en-US" altLang="zh-CN" sz="4400" b="1" dirty="0" smtClean="0">
+                <a:solidFill>
+                  <a:srgbClr val="00ABB4"/>
+                </a:solidFill>
+                <a:latin typeface="微软雅黑" panose="020B0503020204020204" pitchFamily="34" charset="-122"/>
+                <a:ea typeface="微软雅黑" panose="020B0503020204020204" pitchFamily="34" charset="-122"/>
+              </a:rPr>
+              <a:t>Analysis</a:t>
+            </a:r>
+            <a:endParaRPr lang="en-US" altLang="zh-CN" sz="4400" b="1" dirty="0">
+              <a:solidFill>
+                <a:srgbClr val="00ABB4"/>
+              </a:solidFill>
+              <a:latin typeface="微软雅黑" panose="020B0503020204020204" pitchFamily="34" charset="-122"/>
+              <a:ea typeface="微软雅黑" panose="020B0503020204020204" pitchFamily="34" charset="-122"/>
+            </a:endParaRPr>
+          </a:p>
+        </p:txBody>
+      </p:sp>
+      <p:sp>
+        <p:nvSpPr>
+          <p:cNvPr id="31" name="Rectangle 96"/>
+          <p:cNvSpPr/>
+          <p:nvPr/>
+        </p:nvSpPr>
+        <p:spPr>
+          <a:xfrm>
+            <a:off x="896518" y="1170498"/>
+            <a:ext cx="10245297" cy="5262979"/>
+          </a:xfrm>
+          <a:prstGeom prst="rect">
+            <a:avLst/>
+          </a:prstGeom>
+        </p:spPr>
+        <p:txBody>
+          <a:bodyPr wrap="square">
+            <a:spAutoFit/>
+          </a:bodyPr>
+          <a:lstStyle/>
+          <a:p>
+            <a:pPr marL="342900" indent="-342900">
+              <a:lnSpc>
+                <a:spcPct val="200000"/>
+              </a:lnSpc>
+              <a:buFont typeface="Arial" panose="020B0604020202020204" pitchFamily="34" charset="0"/>
+              <a:buChar char="•"/>
+            </a:pPr>
+            <a:r>
+              <a:rPr lang="en-US" altLang="zh-CN" sz="2800" b="1" dirty="0" smtClean="0"/>
+              <a:t>Time-averaged</a:t>
+            </a:r>
+            <a:r>
+              <a:rPr lang="en-US" altLang="zh-CN" sz="2800" dirty="0" smtClean="0"/>
+              <a:t> stationary </a:t>
+            </a:r>
+            <a:r>
+              <a:rPr lang="en-US" altLang="zh-CN" sz="2800" dirty="0"/>
+              <a:t>pattern of functional correlations</a:t>
+            </a:r>
+            <a:r>
+              <a:rPr lang="en-US" altLang="zh-CN" sz="2800" dirty="0"/>
+              <a:t> </a:t>
+            </a:r>
+            <a:endParaRPr lang="en-US" altLang="zh-CN" sz="2800" dirty="0" smtClean="0"/>
+          </a:p>
+          <a:p>
+            <a:pPr marL="342900" indent="-342900">
+              <a:lnSpc>
+                <a:spcPct val="200000"/>
+              </a:lnSpc>
+              <a:buFont typeface="Arial" panose="020B0604020202020204" pitchFamily="34" charset="0"/>
+              <a:buChar char="•"/>
+            </a:pPr>
+            <a:r>
+              <a:rPr lang="en-US" altLang="zh-CN" sz="2800" b="1" dirty="0"/>
+              <a:t>Zc,s </a:t>
+            </a:r>
+            <a:r>
+              <a:rPr lang="en-US" altLang="zh-CN" sz="2800" b="1" dirty="0" smtClean="0"/>
+              <a:t>: </a:t>
+            </a:r>
+          </a:p>
+          <a:p>
+            <a:pPr marL="800100" lvl="1" indent="-342900">
+              <a:lnSpc>
+                <a:spcPct val="200000"/>
+              </a:lnSpc>
+              <a:buFont typeface="Arial" panose="020B0604020202020204" pitchFamily="34" charset="0"/>
+              <a:buChar char="•"/>
+            </a:pPr>
+            <a:r>
+              <a:rPr lang="en-US" altLang="zh-CN" sz="2800" dirty="0" smtClean="0"/>
+              <a:t>Fisher-transformed </a:t>
+            </a:r>
+            <a:r>
+              <a:rPr lang="en-US" altLang="zh-CN" sz="2800" dirty="0"/>
+              <a:t>covariance matrix </a:t>
+            </a:r>
+            <a:r>
+              <a:rPr lang="en-US" altLang="zh-CN" sz="2800" dirty="0" smtClean="0"/>
+              <a:t>for each vigilance </a:t>
+            </a:r>
+            <a:r>
+              <a:rPr lang="en-US" altLang="zh-CN" sz="2800" dirty="0"/>
+              <a:t>condition c and session </a:t>
+            </a:r>
+            <a:r>
+              <a:rPr lang="en-US" altLang="zh-CN" sz="2800" dirty="0" smtClean="0"/>
+              <a:t>s</a:t>
+            </a:r>
+          </a:p>
+          <a:p>
+            <a:pPr marL="800100" lvl="1" indent="-342900">
+              <a:lnSpc>
+                <a:spcPct val="200000"/>
+              </a:lnSpc>
+              <a:buFont typeface="Arial" panose="020B0604020202020204" pitchFamily="34" charset="0"/>
+              <a:buChar char="•"/>
+            </a:pPr>
+            <a:r>
+              <a:rPr lang="en-US" altLang="zh-CN" sz="2800" dirty="0"/>
+              <a:t>Zc,s(i,j</a:t>
+            </a:r>
+            <a:r>
+              <a:rPr lang="en-US" altLang="zh-CN" sz="2800" dirty="0" smtClean="0"/>
+              <a:t>): temporal </a:t>
+            </a:r>
+            <a:r>
+              <a:rPr lang="en-US" altLang="zh-CN" sz="2800" dirty="0"/>
+              <a:t>covariance of the average fMRI signal </a:t>
+            </a:r>
+            <a:r>
+              <a:rPr lang="en-US" altLang="zh-CN" sz="2800" dirty="0" smtClean="0"/>
+              <a:t>of ROIs </a:t>
+            </a:r>
+            <a:r>
+              <a:rPr lang="en-US" altLang="zh-CN" sz="2800" dirty="0"/>
+              <a:t>i and j throughout an entire fMRI session (20 min</a:t>
+            </a:r>
+            <a:r>
+              <a:rPr lang="en-US" altLang="zh-CN" sz="2800" dirty="0" smtClean="0"/>
+              <a:t>)</a:t>
+            </a:r>
+          </a:p>
+        </p:txBody>
+      </p:sp>
+    </p:spTree>
+    <p:extLst>
+      <p:ext uri="{BB962C8B-B14F-4D97-AF65-F5344CB8AC3E}">
+        <p14:creationId xmlns:p14="http://schemas.microsoft.com/office/powerpoint/2010/main" val="1945660579"/>
+      </p:ext>
+    </p:extLst>
+  </p:cSld>
+  <p:clrMapOvr>
+    <a:masterClrMapping/>
+  </p:clrMapOvr>
+  <p:timing>
+    <p:tnLst>
+      <p:par>
+        <p:cTn id="1" dur="indefinite" restart="never" nodeType="tmRoot"/>
+      </p:par>
+    </p:tnLst>
+  </p:timing>
+</p:sld>
+</file>
+
+<file path=ppt/slides/slide18.xml><?xml version="1.0" encoding="utf-8"?>
+<p:sld xmlns:a="http://schemas.openxmlformats.org/drawingml/2006/main" xmlns:r="http://schemas.openxmlformats.org/officeDocument/2006/relationships" xmlns:p="http://schemas.openxmlformats.org/presentationml/2006/main">
+  <p:cSld>
+    <p:spTree>
+      <p:nvGrpSpPr>
+        <p:cNvPr id="1" name=""/>
+        <p:cNvGrpSpPr/>
+        <p:nvPr/>
+      </p:nvGrpSpPr>
+      <p:grpSpPr>
+        <a:xfrm>
+          <a:off x="0" y="0"/>
+          <a:ext cx="0" cy="0"/>
+          <a:chOff x="0" y="0"/>
+          <a:chExt cx="0" cy="0"/>
+        </a:xfrm>
+      </p:grpSpPr>
+      <p:sp>
+        <p:nvSpPr>
+          <p:cNvPr id="3" name="矩形 2"/>
+          <p:cNvSpPr/>
+          <p:nvPr/>
+        </p:nvSpPr>
+        <p:spPr>
+          <a:xfrm>
+            <a:off x="4077446" y="1815450"/>
+            <a:ext cx="4305299" cy="2998177"/>
+          </a:xfrm>
+          <a:prstGeom prst="rect">
+            <a:avLst/>
+          </a:prstGeom>
+          <a:solidFill>
+            <a:schemeClr val="accent2">
+              <a:alpha val="81000"/>
+            </a:schemeClr>
+          </a:solidFill>
+          <a:ln>
+            <a:noFill/>
+          </a:ln>
+        </p:spPr>
+        <p:style>
+          <a:lnRef idx="2">
+            <a:schemeClr val="accent1">
+              <a:shade val="50000"/>
+            </a:schemeClr>
+          </a:lnRef>
+          <a:fillRef idx="1">
+            <a:schemeClr val="accent1"/>
+          </a:fillRef>
+          <a:effectRef idx="0">
+            <a:schemeClr val="accent1"/>
+          </a:effectRef>
+          <a:fontRef idx="minor">
+            <a:schemeClr val="lt1"/>
+          </a:fontRef>
+        </p:style>
+        <p:txBody>
+          <a:bodyPr rtlCol="0" anchor="ctr"/>
+          <a:lstStyle/>
+          <a:p>
+            <a:pPr algn="ctr"/>
+            <a:endParaRPr lang="zh-CN" altLang="en-US"/>
+          </a:p>
+        </p:txBody>
+      </p:sp>
+      <p:sp>
+        <p:nvSpPr>
+          <p:cNvPr id="9" name="矩形 8"/>
+          <p:cNvSpPr/>
+          <p:nvPr/>
+        </p:nvSpPr>
+        <p:spPr>
+          <a:xfrm>
+            <a:off x="249145" y="-1448167"/>
+            <a:ext cx="2636930" cy="1767254"/>
+          </a:xfrm>
+          <a:prstGeom prst="rect">
+            <a:avLst/>
+          </a:prstGeom>
+          <a:solidFill>
+            <a:schemeClr val="accent2">
+              <a:alpha val="81000"/>
+            </a:schemeClr>
+          </a:solidFill>
+          <a:ln>
+            <a:noFill/>
+          </a:ln>
+        </p:spPr>
+        <p:style>
+          <a:lnRef idx="2">
+            <a:schemeClr val="accent1">
+              <a:shade val="50000"/>
+            </a:schemeClr>
+          </a:lnRef>
+          <a:fillRef idx="1">
+            <a:schemeClr val="accent1"/>
+          </a:fillRef>
+          <a:effectRef idx="0">
+            <a:schemeClr val="accent1"/>
+          </a:effectRef>
+          <a:fontRef idx="minor">
+            <a:schemeClr val="lt1"/>
+          </a:fontRef>
+        </p:style>
+        <p:txBody>
+          <a:bodyPr rtlCol="0" anchor="ctr"/>
+          <a:lstStyle/>
+          <a:p>
+            <a:pPr algn="ctr"/>
+            <a:endParaRPr lang="zh-CN" altLang="en-US"/>
+          </a:p>
+        </p:txBody>
+      </p:sp>
+      <p:sp>
+        <p:nvSpPr>
+          <p:cNvPr id="10" name="矩形 9"/>
+          <p:cNvSpPr/>
+          <p:nvPr/>
+        </p:nvSpPr>
+        <p:spPr>
+          <a:xfrm>
+            <a:off x="7690152" y="4881806"/>
+            <a:ext cx="3141784" cy="1767254"/>
+          </a:xfrm>
+          <a:prstGeom prst="rect">
+            <a:avLst/>
+          </a:prstGeom>
+          <a:solidFill>
+            <a:schemeClr val="accent2">
+              <a:alpha val="81000"/>
+            </a:schemeClr>
+          </a:solidFill>
+          <a:ln>
+            <a:noFill/>
+          </a:ln>
+        </p:spPr>
+        <p:style>
+          <a:lnRef idx="2">
+            <a:schemeClr val="accent1">
+              <a:shade val="50000"/>
+            </a:schemeClr>
+          </a:lnRef>
+          <a:fillRef idx="1">
+            <a:schemeClr val="accent1"/>
+          </a:fillRef>
+          <a:effectRef idx="0">
+            <a:schemeClr val="accent1"/>
+          </a:effectRef>
+          <a:fontRef idx="minor">
+            <a:schemeClr val="lt1"/>
+          </a:fontRef>
+        </p:style>
+        <p:txBody>
+          <a:bodyPr rtlCol="0" anchor="ctr"/>
+          <a:lstStyle/>
+          <a:p>
+            <a:pPr algn="ctr"/>
+            <a:endParaRPr lang="zh-CN" altLang="en-US"/>
+          </a:p>
+        </p:txBody>
+      </p:sp>
+      <p:sp>
+        <p:nvSpPr>
+          <p:cNvPr id="11" name="矩形 10"/>
+          <p:cNvSpPr/>
+          <p:nvPr/>
+        </p:nvSpPr>
+        <p:spPr>
+          <a:xfrm>
+            <a:off x="1506389" y="1663922"/>
+            <a:ext cx="1349496" cy="104775"/>
+          </a:xfrm>
+          <a:prstGeom prst="rect">
+            <a:avLst/>
+          </a:prstGeom>
+          <a:solidFill>
+            <a:schemeClr val="accent2"/>
+          </a:solidFill>
+          <a:ln>
+            <a:noFill/>
+          </a:ln>
+        </p:spPr>
+        <p:style>
+          <a:lnRef idx="2">
+            <a:schemeClr val="accent1">
+              <a:shade val="50000"/>
+            </a:schemeClr>
+          </a:lnRef>
+          <a:fillRef idx="1">
+            <a:schemeClr val="accent1"/>
+          </a:fillRef>
+          <a:effectRef idx="0">
+            <a:schemeClr val="accent1"/>
+          </a:effectRef>
+          <a:fontRef idx="minor">
+            <a:schemeClr val="lt1"/>
+          </a:fontRef>
+        </p:style>
+        <p:txBody>
+          <a:bodyPr rtlCol="0" anchor="ctr"/>
+          <a:lstStyle/>
+          <a:p>
+            <a:pPr algn="ctr"/>
+            <a:endParaRPr lang="zh-CN" altLang="en-US"/>
+          </a:p>
+        </p:txBody>
+      </p:sp>
+      <p:sp>
+        <p:nvSpPr>
+          <p:cNvPr id="12" name="矩形 11"/>
+          <p:cNvSpPr/>
+          <p:nvPr/>
+        </p:nvSpPr>
+        <p:spPr>
+          <a:xfrm>
+            <a:off x="10588867" y="2977768"/>
+            <a:ext cx="1603132" cy="1767254"/>
+          </a:xfrm>
+          <a:prstGeom prst="rect">
+            <a:avLst/>
+          </a:prstGeom>
+          <a:solidFill>
+            <a:schemeClr val="accent2">
+              <a:alpha val="81000"/>
+            </a:schemeClr>
+          </a:solidFill>
+          <a:ln>
+            <a:noFill/>
+          </a:ln>
+        </p:spPr>
+        <p:style>
+          <a:lnRef idx="2">
+            <a:schemeClr val="accent1">
+              <a:shade val="50000"/>
+            </a:schemeClr>
+          </a:lnRef>
+          <a:fillRef idx="1">
+            <a:schemeClr val="accent1"/>
+          </a:fillRef>
+          <a:effectRef idx="0">
+            <a:schemeClr val="accent1"/>
+          </a:effectRef>
+          <a:fontRef idx="minor">
+            <a:schemeClr val="lt1"/>
+          </a:fontRef>
+        </p:style>
+        <p:txBody>
+          <a:bodyPr rtlCol="0" anchor="ctr"/>
+          <a:lstStyle/>
+          <a:p>
+            <a:pPr algn="ctr"/>
+            <a:endParaRPr lang="zh-CN" altLang="en-US"/>
+          </a:p>
+        </p:txBody>
+      </p:sp>
+      <p:pic>
+        <p:nvPicPr>
+          <p:cNvPr id="3074" name="Picture 2"/>
+          <p:cNvPicPr>
+            <a:picLocks noChangeAspect="1" noChangeArrowheads="1"/>
+          </p:cNvPicPr>
+          <p:nvPr/>
+        </p:nvPicPr>
+        <p:blipFill>
+          <a:blip r:embed="rId2">
+            <a:extLst>
+              <a:ext uri="{28A0092B-C50C-407E-A947-70E740481C1C}">
+                <a14:useLocalDpi xmlns:a14="http://schemas.microsoft.com/office/drawing/2010/main" val="0"/>
+              </a:ext>
+            </a:extLst>
+          </a:blip>
+          <a:srcRect/>
+          <a:stretch>
+            <a:fillRect/>
+          </a:stretch>
+        </p:blipFill>
+        <p:spPr bwMode="auto">
+          <a:xfrm>
+            <a:off x="1720010" y="274709"/>
+            <a:ext cx="8243140" cy="6079658"/>
+          </a:xfrm>
+          <a:prstGeom prst="rect">
+            <a:avLst/>
+          </a:prstGeom>
+          <a:noFill/>
+          <a:ln>
+            <a:noFill/>
+          </a:ln>
+          <a:extLst>
+            <a:ext uri="{909E8E84-426E-40DD-AFC4-6F175D3DCCD1}">
+              <a14:hiddenFill xmlns:a14="http://schemas.microsoft.com/office/drawing/2010/main">
+                <a:solidFill>
+                  <a:schemeClr val="accent1"/>
+                </a:solidFill>
+              </a14:hiddenFill>
+            </a:ext>
+            <a:ext uri="{91240B29-F687-4F45-9708-019B960494DF}">
+              <a14:hiddenLine xmlns:a14="http://schemas.microsoft.com/office/drawing/2010/main" w="9525">
+                <a:solidFill>
+                  <a:schemeClr val="tx1"/>
+                </a:solidFill>
+                <a:miter lim="800000"/>
+                <a:headEnd/>
+                <a:tailEnd/>
+              </a14:hiddenLine>
+            </a:ext>
+          </a:extLst>
+        </p:spPr>
+      </p:pic>
+    </p:spTree>
+    <p:extLst>
+      <p:ext uri="{BB962C8B-B14F-4D97-AF65-F5344CB8AC3E}">
+        <p14:creationId xmlns:p14="http://schemas.microsoft.com/office/powerpoint/2010/main" val="2993673468"/>
+      </p:ext>
+    </p:extLst>
+  </p:cSld>
+  <p:clrMapOvr>
+    <a:masterClrMapping/>
+  </p:clrMapOvr>
+  <p:timing>
+    <p:tnLst>
+      <p:par>
+        <p:cTn id="1" dur="indefinite" restart="never" nodeType="tmRoot"/>
+      </p:par>
+    </p:tnLst>
+  </p:timing>
+</p:sld>
+</file>
+
+<file path=ppt/slides/slide19.xml><?xml version="1.0" encoding="utf-8"?>
+<p:sld xmlns:a="http://schemas.openxmlformats.org/drawingml/2006/main" xmlns:r="http://schemas.openxmlformats.org/officeDocument/2006/relationships" xmlns:p="http://schemas.openxmlformats.org/presentationml/2006/main">
+  <p:cSld>
+    <p:spTree>
+      <p:nvGrpSpPr>
+        <p:cNvPr id="1" name=""/>
+        <p:cNvGrpSpPr/>
+        <p:nvPr/>
+      </p:nvGrpSpPr>
+      <p:grpSpPr>
+        <a:xfrm>
+          <a:off x="0" y="0"/>
+          <a:ext cx="0" cy="0"/>
+          <a:chOff x="0" y="0"/>
+          <a:chExt cx="0" cy="0"/>
+        </a:xfrm>
+      </p:grpSpPr>
+      <p:sp>
+        <p:nvSpPr>
+          <p:cNvPr id="5" name="矩形 4"/>
+          <p:cNvSpPr/>
+          <p:nvPr/>
+        </p:nvSpPr>
+        <p:spPr>
+          <a:xfrm>
+            <a:off x="6005399" y="3447534"/>
+            <a:ext cx="6172200" cy="3410465"/>
+          </a:xfrm>
+          <a:prstGeom prst="rect">
+            <a:avLst/>
+          </a:prstGeom>
+          <a:solidFill>
+            <a:schemeClr val="bg1">
+              <a:lumMod val="95000"/>
+            </a:schemeClr>
+          </a:solidFill>
+          <a:ln>
+            <a:noFill/>
+          </a:ln>
+        </p:spPr>
+        <p:style>
+          <a:lnRef idx="2">
+            <a:schemeClr val="accent1">
+              <a:shade val="50000"/>
+            </a:schemeClr>
+          </a:lnRef>
+          <a:fillRef idx="1">
+            <a:schemeClr val="accent1"/>
+          </a:fillRef>
+          <a:effectRef idx="0">
+            <a:schemeClr val="accent1"/>
+          </a:effectRef>
+          <a:fontRef idx="minor">
+            <a:schemeClr val="lt1"/>
+          </a:fontRef>
+        </p:style>
+        <p:txBody>
+          <a:bodyPr rtlCol="0" anchor="ctr"/>
+          <a:lstStyle/>
+          <a:p>
+            <a:pPr algn="ctr"/>
+            <a:endParaRPr lang="zh-CN" altLang="en-US"/>
+          </a:p>
+        </p:txBody>
+      </p:sp>
+      <p:sp>
+        <p:nvSpPr>
+          <p:cNvPr id="29" name="矩形 28"/>
+          <p:cNvSpPr/>
+          <p:nvPr/>
+        </p:nvSpPr>
+        <p:spPr>
+          <a:xfrm>
+            <a:off x="12346" y="1"/>
+            <a:ext cx="6006821" cy="3447534"/>
+          </a:xfrm>
+          <a:prstGeom prst="rect">
+            <a:avLst/>
+          </a:prstGeom>
+          <a:solidFill>
+            <a:schemeClr val="bg1">
+              <a:lumMod val="95000"/>
+            </a:schemeClr>
+          </a:solidFill>
+          <a:ln>
+            <a:noFill/>
+          </a:ln>
+        </p:spPr>
+        <p:style>
+          <a:lnRef idx="2">
+            <a:schemeClr val="accent1">
+              <a:shade val="50000"/>
+            </a:schemeClr>
+          </a:lnRef>
+          <a:fillRef idx="1">
+            <a:schemeClr val="accent1"/>
+          </a:fillRef>
+          <a:effectRef idx="0">
+            <a:schemeClr val="accent1"/>
+          </a:effectRef>
+          <a:fontRef idx="minor">
+            <a:schemeClr val="lt1"/>
+          </a:fontRef>
+        </p:style>
+        <p:txBody>
+          <a:bodyPr rtlCol="0" anchor="ctr"/>
+          <a:lstStyle/>
+          <a:p>
+            <a:pPr algn="ctr"/>
+            <a:endParaRPr lang="zh-CN" altLang="en-US"/>
+          </a:p>
+        </p:txBody>
+      </p:sp>
+      <p:sp>
+        <p:nvSpPr>
+          <p:cNvPr id="30" name="文本框 29"/>
+          <p:cNvSpPr txBox="1"/>
+          <p:nvPr/>
+        </p:nvSpPr>
+        <p:spPr>
+          <a:xfrm>
+            <a:off x="662539" y="294935"/>
+            <a:ext cx="9738761" cy="769441"/>
+          </a:xfrm>
+          <a:prstGeom prst="rect">
+            <a:avLst/>
+          </a:prstGeom>
+          <a:noFill/>
+        </p:spPr>
+        <p:txBody>
+          <a:bodyPr wrap="square" rtlCol="0">
+            <a:spAutoFit/>
+          </a:bodyPr>
+          <a:lstStyle/>
+          <a:p>
+            <a:r>
+              <a:rPr lang="en-US" altLang="zh-CN" sz="4400" b="1" dirty="0" smtClean="0">
+                <a:solidFill>
+                  <a:srgbClr val="00ABB4"/>
+                </a:solidFill>
+                <a:latin typeface="微软雅黑" panose="020B0503020204020204" pitchFamily="34" charset="-122"/>
+                <a:ea typeface="微软雅黑" panose="020B0503020204020204" pitchFamily="34" charset="-122"/>
+              </a:rPr>
+              <a:t>Dynamics </a:t>
+            </a:r>
+            <a:r>
+              <a:rPr lang="en-US" altLang="zh-CN" sz="4400" b="1" dirty="0">
+                <a:solidFill>
+                  <a:srgbClr val="00ABB4"/>
+                </a:solidFill>
+                <a:latin typeface="微软雅黑" panose="020B0503020204020204" pitchFamily="34" charset="-122"/>
+                <a:ea typeface="微软雅黑" panose="020B0503020204020204" pitchFamily="34" charset="-122"/>
+              </a:rPr>
+              <a:t>Connectivity </a:t>
+            </a:r>
+            <a:r>
+              <a:rPr lang="en-US" altLang="zh-CN" sz="4400" b="1" dirty="0" smtClean="0">
+                <a:solidFill>
+                  <a:srgbClr val="00ABB4"/>
+                </a:solidFill>
+                <a:latin typeface="微软雅黑" panose="020B0503020204020204" pitchFamily="34" charset="-122"/>
+                <a:ea typeface="微软雅黑" panose="020B0503020204020204" pitchFamily="34" charset="-122"/>
+              </a:rPr>
+              <a:t>Analysis</a:t>
+            </a:r>
+            <a:endParaRPr lang="en-US" altLang="zh-CN" sz="4400" b="1" dirty="0">
+              <a:solidFill>
+                <a:srgbClr val="00ABB4"/>
+              </a:solidFill>
+              <a:latin typeface="微软雅黑" panose="020B0503020204020204" pitchFamily="34" charset="-122"/>
+              <a:ea typeface="微软雅黑" panose="020B0503020204020204" pitchFamily="34" charset="-122"/>
+            </a:endParaRPr>
+          </a:p>
+        </p:txBody>
+      </p:sp>
+      <p:sp>
+        <p:nvSpPr>
+          <p:cNvPr id="31" name="Rectangle 96"/>
+          <p:cNvSpPr/>
+          <p:nvPr/>
+        </p:nvSpPr>
+        <p:spPr>
+          <a:xfrm>
+            <a:off x="896518" y="1360998"/>
+            <a:ext cx="10245297" cy="4401205"/>
+          </a:xfrm>
+          <a:prstGeom prst="rect">
+            <a:avLst/>
+          </a:prstGeom>
+        </p:spPr>
+        <p:txBody>
+          <a:bodyPr wrap="square">
+            <a:spAutoFit/>
+          </a:bodyPr>
+          <a:lstStyle/>
+          <a:p>
+            <a:pPr marL="342900" indent="-342900">
+              <a:lnSpc>
+                <a:spcPct val="200000"/>
+              </a:lnSpc>
+              <a:buFont typeface="Arial" panose="020B0604020202020204" pitchFamily="34" charset="0"/>
+              <a:buChar char="•"/>
+            </a:pPr>
+            <a:r>
+              <a:rPr lang="en-US" altLang="zh-CN" sz="2800" b="1" dirty="0" smtClean="0"/>
+              <a:t>Zc,s ,w: </a:t>
+            </a:r>
+          </a:p>
+          <a:p>
+            <a:pPr marL="800100" lvl="1" indent="-342900">
+              <a:lnSpc>
+                <a:spcPct val="200000"/>
+              </a:lnSpc>
+              <a:buFont typeface="Arial" panose="020B0604020202020204" pitchFamily="34" charset="0"/>
+              <a:buChar char="•"/>
+            </a:pPr>
+            <a:r>
+              <a:rPr lang="en-US" altLang="zh-CN" sz="2800" dirty="0" smtClean="0"/>
+              <a:t>Sliding </a:t>
+            </a:r>
+            <a:r>
+              <a:rPr lang="en-US" altLang="zh-CN" sz="2800" dirty="0"/>
+              <a:t>window Fisher-transformed </a:t>
+            </a:r>
+            <a:r>
+              <a:rPr lang="en-US" altLang="zh-CN" sz="2800" dirty="0" smtClean="0"/>
+              <a:t>covariance matrices  </a:t>
+            </a:r>
+            <a:r>
+              <a:rPr lang="en-US" altLang="zh-CN" sz="2800" dirty="0"/>
+              <a:t>for each fMRI vigilance condition c, session s</a:t>
+            </a:r>
+            <a:r>
+              <a:rPr lang="en-US" altLang="zh-CN" sz="2800" dirty="0" smtClean="0"/>
+              <a:t>, and </a:t>
+            </a:r>
+            <a:r>
+              <a:rPr lang="en-US" altLang="zh-CN" sz="2800" dirty="0"/>
+              <a:t>time window w </a:t>
+            </a:r>
+            <a:endParaRPr lang="en-US" altLang="zh-CN" sz="2800" dirty="0" smtClean="0"/>
+          </a:p>
+          <a:p>
+            <a:pPr marL="800100" lvl="1" indent="-342900">
+              <a:lnSpc>
+                <a:spcPct val="200000"/>
+              </a:lnSpc>
+              <a:buFont typeface="Arial" panose="020B0604020202020204" pitchFamily="34" charset="0"/>
+              <a:buChar char="•"/>
+            </a:pPr>
+            <a:r>
+              <a:rPr lang="en-US" altLang="zh-CN" sz="2800" dirty="0" smtClean="0"/>
+              <a:t>The </a:t>
+            </a:r>
+            <a:r>
+              <a:rPr lang="en-US" altLang="zh-CN" sz="2800" dirty="0"/>
+              <a:t>covariance between specific </a:t>
+            </a:r>
+            <a:r>
+              <a:rPr lang="en-US" altLang="zh-CN" sz="2800" dirty="0" smtClean="0"/>
+              <a:t>ROI pairs</a:t>
+            </a:r>
+            <a:r>
+              <a:rPr lang="en-US" altLang="zh-CN" sz="2800" dirty="0"/>
+              <a:t>, as well as the whole-brain average of the covariance</a:t>
+            </a:r>
+            <a:r>
+              <a:rPr lang="en-US" altLang="zh-CN" sz="2800" dirty="0" smtClean="0"/>
+              <a:t>, constantly </a:t>
+            </a:r>
+            <a:r>
+              <a:rPr lang="en-US" altLang="zh-CN" sz="2800" dirty="0"/>
+              <a:t>varied over time </a:t>
+            </a:r>
+            <a:endParaRPr lang="en-US" altLang="zh-CN" sz="2800" dirty="0" smtClean="0"/>
+          </a:p>
+        </p:txBody>
+      </p:sp>
+    </p:spTree>
+    <p:extLst>
+      <p:ext uri="{BB962C8B-B14F-4D97-AF65-F5344CB8AC3E}">
+        <p14:creationId xmlns:p14="http://schemas.microsoft.com/office/powerpoint/2010/main" val="1053359815"/>
+      </p:ext>
+    </p:extLst>
+  </p:cSld>
+  <p:clrMapOvr>
+    <a:masterClrMapping/>
+  </p:clrMapOvr>
+  <p:timing>
+    <p:tnLst>
+      <p:par>
+        <p:cTn id="1" dur="indefinite" restart="never" nodeType="tmRoot"/>
+      </p:par>
+    </p:tnLst>
+  </p:timing>
+</p:sld>
+</file>
+
+<file path=ppt/slides/slide2.xml><?xml version="1.0" encoding="utf-8"?>
 <p:sld xmlns:a="http://schemas.openxmlformats.org/drawingml/2006/main" xmlns:r="http://schemas.openxmlformats.org/officeDocument/2006/relationships" xmlns:p="http://schemas.openxmlformats.org/presentationml/2006/main">
   <p:cSld>
     <p:spTree>
@@ -6532,8 +8736,8 @@
         </p:nvSpPr>
         <p:spPr>
           <a:xfrm>
-            <a:off x="0" y="396776"/>
-            <a:ext cx="6194286" cy="5909310"/>
+            <a:off x="567953" y="299146"/>
+            <a:ext cx="5350945" cy="5842497"/>
           </a:xfrm>
           <a:prstGeom prst="rect">
             <a:avLst/>
@@ -6553,11 +8757,18 @@
               <a:buChar char="•"/>
             </a:pPr>
             <a:r>
+              <a:rPr lang="el-GR" altLang="zh-CN" sz="2800" b="1" dirty="0">
+                <a:ea typeface="Roboto Cn" pitchFamily="2" charset="0"/>
+                <a:cs typeface="Arial" panose="020B0604020202020204" pitchFamily="34" charset="0"/>
+              </a:rPr>
+              <a:t>α-</a:t>
+            </a:r>
+            <a:r>
               <a:rPr lang="en-US" altLang="zh-CN" sz="2800" b="1" dirty="0" smtClean="0">
                 <a:ea typeface="Roboto Cn" pitchFamily="2" charset="0"/>
                 <a:cs typeface="Arial" panose="020B0604020202020204" pitchFamily="34" charset="0"/>
               </a:rPr>
-              <a:t> Propofol :</a:t>
+              <a:t>chloralose:</a:t>
             </a:r>
           </a:p>
           <a:p>
@@ -6569,13 +8780,61 @@
               <a:buChar char="•"/>
             </a:pPr>
             <a:r>
-              <a:rPr lang="en-US" altLang="zh-CN" sz="2800" dirty="0"/>
-              <a:t>With increased </a:t>
-            </a:r>
-            <a:r>
               <a:rPr lang="en-US" altLang="zh-CN" sz="2800" dirty="0" smtClean="0"/>
-              <a:t>dose:</a:t>
-            </a:r>
+              <a:t>Minimal impact </a:t>
+            </a:r>
+            <a:r>
+              <a:rPr lang="en-US" altLang="zh-CN" sz="2800" dirty="0"/>
+              <a:t>on neuro-metabolic coupling </a:t>
+            </a:r>
+            <a:endParaRPr lang="en-US" altLang="zh-CN" sz="2800" dirty="0" smtClean="0"/>
+          </a:p>
+          <a:p>
+            <a:pPr marL="742950" lvl="1" indent="-285750">
+              <a:lnSpc>
+                <a:spcPct val="150000"/>
+              </a:lnSpc>
+              <a:buFont typeface="Arial" panose="020B0604020202020204" pitchFamily="34" charset="0"/>
+              <a:buChar char="•"/>
+            </a:pPr>
+            <a:r>
+              <a:rPr lang="en-US" altLang="zh-CN" sz="2800" dirty="0" smtClean="0"/>
+              <a:t>Potentiate GABAergic transmission</a:t>
+            </a:r>
+          </a:p>
+          <a:p>
+            <a:pPr marL="742950" lvl="1" indent="-285750">
+              <a:lnSpc>
+                <a:spcPct val="150000"/>
+              </a:lnSpc>
+              <a:buFont typeface="Arial" panose="020B0604020202020204" pitchFamily="34" charset="0"/>
+              <a:buChar char="•"/>
+            </a:pPr>
+            <a:r>
+              <a:rPr lang="en-US" altLang="zh-CN" sz="2800" dirty="0"/>
+              <a:t>A</a:t>
+            </a:r>
+            <a:r>
+              <a:rPr lang="en-US" altLang="zh-CN" sz="2800" dirty="0" smtClean="0"/>
+              <a:t>llows </a:t>
+            </a:r>
+            <a:r>
+              <a:rPr lang="en-US" altLang="zh-CN" sz="2800" dirty="0"/>
+              <a:t>measurement of FC </a:t>
+            </a:r>
+            <a:r>
+              <a:rPr lang="en-US" altLang="zh-CN" sz="2800" dirty="0" smtClean="0"/>
+              <a:t>with strong </a:t>
+            </a:r>
+            <a:r>
+              <a:rPr lang="en-US" altLang="zh-CN" sz="2800" dirty="0"/>
+              <a:t>strength and good localization</a:t>
+            </a:r>
+            <a:r>
+              <a:rPr lang="en-US" altLang="zh-CN" sz="2800" dirty="0"/>
+              <a:t> </a:t>
+            </a:r>
+            <a:endParaRPr lang="en-US" altLang="zh-CN" sz="2800" dirty="0" smtClean="0"/>
           </a:p>
           <a:p>
             <a:pPr marL="1200150" lvl="2" indent="-285750">
@@ -6586,16 +8845,51 @@
               <a:buChar char="•"/>
             </a:pPr>
             <a:r>
+              <a:rPr lang="en-US" altLang="zh-CN" sz="2800" dirty="0"/>
+              <a:t>C</a:t>
+            </a:r>
+            <a:r>
               <a:rPr lang="en-US" altLang="zh-CN" sz="2800" dirty="0" smtClean="0"/>
-              <a:t>cortical </a:t>
-            </a:r>
-            <a:r>
-              <a:rPr lang="en-US" altLang="zh-CN" sz="2800" dirty="0"/>
-              <a:t>connectivity in the motor cortex and DMN decreases</a:t>
-            </a:r>
-            <a:r>
-              <a:rPr lang="en-US" altLang="zh-CN" sz="2800" dirty="0"/>
-              <a:t> </a:t>
+              <a:t>audate putamen</a:t>
+            </a:r>
+          </a:p>
+        </p:txBody>
+      </p:sp>
+      <p:sp>
+        <p:nvSpPr>
+          <p:cNvPr id="8" name="Rectangle 96"/>
+          <p:cNvSpPr/>
+          <p:nvPr/>
+        </p:nvSpPr>
+        <p:spPr>
+          <a:xfrm>
+            <a:off x="6373486" y="366623"/>
+            <a:ext cx="5350945" cy="3257174"/>
+          </a:xfrm>
+          <a:prstGeom prst="rect">
+            <a:avLst/>
+          </a:prstGeom>
+        </p:spPr>
+        <p:txBody>
+          <a:bodyPr wrap="square">
+            <a:spAutoFit/>
+          </a:bodyPr>
+          <a:lstStyle/>
+          <a:p>
+            <a:pPr marL="742950" lvl="1" indent="-285750">
+              <a:lnSpc>
+                <a:spcPct val="150000"/>
+              </a:lnSpc>
+              <a:buFont typeface="Arial" panose="020B0604020202020204" pitchFamily="34" charset="0"/>
+              <a:buChar char="•"/>
+            </a:pPr>
+            <a:r>
+              <a:rPr lang="en-US" altLang="zh-CN" sz="2800" dirty="0" smtClean="0"/>
+              <a:t>Dosage-dependent </a:t>
+            </a:r>
+            <a:r>
+              <a:rPr lang="en-US" altLang="zh-CN" sz="2800" dirty="0"/>
+              <a:t>effects </a:t>
             </a:r>
             <a:endParaRPr lang="en-US" altLang="zh-CN" sz="2800" dirty="0" smtClean="0"/>
           </a:p>
@@ -6608,20 +8902,12 @@
               <a:buChar char="•"/>
             </a:pPr>
             <a:r>
-              <a:rPr lang="en-US" altLang="zh-CN" sz="2800" dirty="0"/>
-              <a:t>thalamic and hypothalamic </a:t>
-            </a:r>
-            <a:r>
               <a:rPr lang="en-US" altLang="zh-CN" sz="2800" dirty="0" smtClean="0"/>
-              <a:t>connectivity </a:t>
-            </a:r>
-            <a:r>
-              <a:rPr lang="en-US" altLang="zh-CN" sz="2800" dirty="0"/>
-              <a:t>remains stable</a:t>
-            </a:r>
-            <a:r>
-              <a:rPr lang="en-US" altLang="zh-CN" sz="2800" dirty="0"/>
-              <a:t> </a:t>
+              <a:t>Evoked </a:t>
+            </a:r>
+            <a:r>
+              <a:rPr lang="en-US" altLang="zh-CN" sz="2800" dirty="0"/>
+              <a:t>activation </a:t>
             </a:r>
             <a:endParaRPr lang="en-US" altLang="zh-CN" sz="2800" dirty="0" smtClean="0"/>
           </a:p>
@@ -6635,46 +8921,15 @@
             </a:pPr>
             <a:r>
               <a:rPr lang="en-US" altLang="zh-CN" sz="2800" dirty="0"/>
-              <a:t>in some subcortical areas, </a:t>
+              <a:t>I</a:t>
             </a:r>
             <a:r>
               <a:rPr lang="en-US" altLang="zh-CN" sz="2800" dirty="0" smtClean="0"/>
-              <a:t>connectivity </a:t>
-            </a:r>
-            <a:r>
-              <a:rPr lang="en-US" altLang="zh-CN" sz="2800" dirty="0"/>
-              <a:t>is reduced but rebounds at a higher </a:t>
-            </a:r>
-            <a:r>
-              <a:rPr lang="en-US" altLang="zh-CN" sz="2800" dirty="0" smtClean="0"/>
-              <a:t>dose</a:t>
-            </a:r>
-            <a:endParaRPr lang="en-US" altLang="zh-CN" sz="2800" dirty="0"/>
-          </a:p>
-        </p:txBody>
-      </p:sp>
-      <p:sp>
-        <p:nvSpPr>
-          <p:cNvPr id="5" name="Rectangle 96"/>
-          <p:cNvSpPr/>
-          <p:nvPr/>
-        </p:nvSpPr>
-        <p:spPr>
-          <a:xfrm>
-            <a:off x="6194286" y="396776"/>
-            <a:ext cx="5709348" cy="5262979"/>
-          </a:xfrm>
-          <a:prstGeom prst="rect">
-            <a:avLst/>
-          </a:prstGeom>
-        </p:spPr>
-        <p:txBody>
-          <a:bodyPr wrap="square">
-            <a:spAutoFit/>
-          </a:bodyPr>
-          <a:lstStyle/>
-          <a:p>
-            <a:pPr marL="742950" lvl="1" indent="-285750">
+              <a:t>nterhemispheric coherence</a:t>
+            </a:r>
+          </a:p>
+          <a:p>
+            <a:pPr marL="1200150" lvl="2" indent="-285750">
               <a:lnSpc>
                 <a:spcPct val="150000"/>
               </a:lnSpc>
@@ -6683,91 +8938,31 @@
             </a:pPr>
             <a:r>
               <a:rPr lang="en-US" altLang="zh-CN" sz="2800" dirty="0"/>
-              <a:t>Similar to isoflurane and </a:t>
-            </a:r>
-            <a:r>
-              <a:rPr lang="el-GR" altLang="zh-CN" sz="2800" dirty="0"/>
-              <a:t>α-</a:t>
-            </a:r>
-            <a:r>
-              <a:rPr lang="en-US" altLang="zh-CN" sz="2800" dirty="0"/>
-              <a:t>chloralose</a:t>
-            </a:r>
-            <a:r>
-              <a:rPr lang="en-US" altLang="zh-CN" sz="2800" dirty="0"/>
-              <a:t> </a:t>
+              <a:t>A</a:t>
             </a:r>
             <a:r>
               <a:rPr lang="en-US" altLang="zh-CN" sz="2800" dirty="0" smtClean="0"/>
-              <a:t>:</a:t>
-            </a:r>
-            <a:r>
-              <a:rPr lang="en-US" altLang="zh-CN" sz="2800" dirty="0"/>
-              <a:t> </a:t>
+              <a:t>ttenuated </a:t>
+            </a:r>
+            <a:r>
+              <a:rPr lang="en-US" altLang="zh-CN" sz="2800" dirty="0"/>
+              <a:t>at high </a:t>
             </a:r>
             <a:r>
               <a:rPr lang="en-US" altLang="zh-CN" sz="2800" dirty="0" smtClean="0"/>
-              <a:t>,the </a:t>
-            </a:r>
-            <a:r>
-              <a:rPr lang="en-US" altLang="zh-CN" sz="2800" dirty="0"/>
-              <a:t>thalamic connectivity is </a:t>
-            </a:r>
-            <a:r>
-              <a:rPr lang="en-US" altLang="zh-CN" sz="2800" dirty="0" smtClean="0"/>
-              <a:t>weak even </a:t>
-            </a:r>
-            <a:r>
-              <a:rPr lang="en-US" altLang="zh-CN" sz="2800" dirty="0"/>
-              <a:t>at very low doses</a:t>
-            </a:r>
-            <a:r>
-              <a:rPr lang="en-US" altLang="zh-CN" sz="2800" dirty="0"/>
-              <a:t> </a:t>
-            </a:r>
-            <a:endParaRPr lang="en-US" altLang="zh-CN" sz="2800" dirty="0" smtClean="0"/>
-          </a:p>
-          <a:p>
-            <a:pPr marL="742950" lvl="1" indent="-285750">
-              <a:lnSpc>
-                <a:spcPct val="150000"/>
-              </a:lnSpc>
-              <a:buFont typeface="Arial" panose="020B0604020202020204" pitchFamily="34" charset="0"/>
-              <a:buChar char="•"/>
-            </a:pPr>
-            <a:r>
-              <a:rPr lang="en-US" altLang="zh-CN" sz="2800" dirty="0"/>
-              <a:t>Greater anti-correlation</a:t>
-            </a:r>
-            <a:r>
-              <a:rPr lang="en-US" altLang="zh-CN" sz="2800" dirty="0"/>
-              <a:t> </a:t>
-            </a:r>
-            <a:br>
-              <a:rPr lang="en-US" altLang="zh-CN" sz="2800" dirty="0"/>
-            </a:br>
-            <a:r>
-              <a:rPr lang="en-US" altLang="zh-CN" sz="2800" dirty="0"/>
-              <a:t/>
-            </a:r>
-            <a:br>
-              <a:rPr lang="en-US" altLang="zh-CN" sz="2800" dirty="0"/>
-            </a:br>
-            <a:r>
-              <a:rPr lang="en-US" altLang="zh-CN" sz="2800" dirty="0"/>
-              <a:t/>
-            </a:r>
-            <a:br>
-              <a:rPr lang="en-US" altLang="zh-CN" sz="2800" dirty="0"/>
-            </a:br>
-            <a:endParaRPr lang="en-US" altLang="zh-CN" sz="2800" dirty="0" smtClean="0"/>
+              <a:t>dose</a:t>
+            </a:r>
+            <a:endParaRPr lang="en-US" altLang="zh-CN" sz="2800" b="1" dirty="0">
+              <a:ea typeface="Roboto Cn" pitchFamily="2" charset="0"/>
+              <a:cs typeface="Arial" panose="020B0604020202020204" pitchFamily="34" charset="0"/>
+            </a:endParaRPr>
           </a:p>
         </p:txBody>
       </p:sp>
     </p:spTree>
     <p:extLst>
       <p:ext uri="{BB962C8B-B14F-4D97-AF65-F5344CB8AC3E}">
-        <p14:creationId xmlns:p14="http://schemas.microsoft.com/office/powerpoint/2010/main" val="562276642"/>
+        <p14:creationId xmlns:p14="http://schemas.microsoft.com/office/powerpoint/2010/main" val="2624469208"/>
       </p:ext>
     </p:extLst>
   </p:cSld>
@@ -6784,7 +8979,1099 @@
 </p:sld>
 </file>
 
-<file path=ppt/slides/slide16.xml><?xml version="1.0" encoding="utf-8"?>
+<file path=ppt/slides/slide20.xml><?xml version="1.0" encoding="utf-8"?>
+<p:sld xmlns:a="http://schemas.openxmlformats.org/drawingml/2006/main" xmlns:r="http://schemas.openxmlformats.org/officeDocument/2006/relationships" xmlns:p="http://schemas.openxmlformats.org/presentationml/2006/main">
+  <p:cSld>
+    <p:spTree>
+      <p:nvGrpSpPr>
+        <p:cNvPr id="1" name=""/>
+        <p:cNvGrpSpPr/>
+        <p:nvPr/>
+      </p:nvGrpSpPr>
+      <p:grpSpPr>
+        <a:xfrm>
+          <a:off x="0" y="0"/>
+          <a:ext cx="0" cy="0"/>
+          <a:chOff x="0" y="0"/>
+          <a:chExt cx="0" cy="0"/>
+        </a:xfrm>
+      </p:grpSpPr>
+      <p:sp>
+        <p:nvSpPr>
+          <p:cNvPr id="5" name="矩形 4"/>
+          <p:cNvSpPr/>
+          <p:nvPr/>
+        </p:nvSpPr>
+        <p:spPr>
+          <a:xfrm>
+            <a:off x="6005399" y="3447534"/>
+            <a:ext cx="6172200" cy="3410465"/>
+          </a:xfrm>
+          <a:prstGeom prst="rect">
+            <a:avLst/>
+          </a:prstGeom>
+          <a:solidFill>
+            <a:schemeClr val="bg1">
+              <a:lumMod val="95000"/>
+            </a:schemeClr>
+          </a:solidFill>
+          <a:ln>
+            <a:noFill/>
+          </a:ln>
+        </p:spPr>
+        <p:style>
+          <a:lnRef idx="2">
+            <a:schemeClr val="accent1">
+              <a:shade val="50000"/>
+            </a:schemeClr>
+          </a:lnRef>
+          <a:fillRef idx="1">
+            <a:schemeClr val="accent1"/>
+          </a:fillRef>
+          <a:effectRef idx="0">
+            <a:schemeClr val="accent1"/>
+          </a:effectRef>
+          <a:fontRef idx="minor">
+            <a:schemeClr val="lt1"/>
+          </a:fontRef>
+        </p:style>
+        <p:txBody>
+          <a:bodyPr rtlCol="0" anchor="ctr"/>
+          <a:lstStyle/>
+          <a:p>
+            <a:pPr algn="ctr"/>
+            <a:endParaRPr lang="zh-CN" altLang="en-US"/>
+          </a:p>
+        </p:txBody>
+      </p:sp>
+      <p:sp>
+        <p:nvSpPr>
+          <p:cNvPr id="29" name="矩形 28"/>
+          <p:cNvSpPr/>
+          <p:nvPr/>
+        </p:nvSpPr>
+        <p:spPr>
+          <a:xfrm>
+            <a:off x="12346" y="1"/>
+            <a:ext cx="6006821" cy="3447534"/>
+          </a:xfrm>
+          <a:prstGeom prst="rect">
+            <a:avLst/>
+          </a:prstGeom>
+          <a:solidFill>
+            <a:schemeClr val="bg1">
+              <a:lumMod val="95000"/>
+            </a:schemeClr>
+          </a:solidFill>
+          <a:ln>
+            <a:noFill/>
+          </a:ln>
+        </p:spPr>
+        <p:style>
+          <a:lnRef idx="2">
+            <a:schemeClr val="accent1">
+              <a:shade val="50000"/>
+            </a:schemeClr>
+          </a:lnRef>
+          <a:fillRef idx="1">
+            <a:schemeClr val="accent1"/>
+          </a:fillRef>
+          <a:effectRef idx="0">
+            <a:schemeClr val="accent1"/>
+          </a:effectRef>
+          <a:fontRef idx="minor">
+            <a:schemeClr val="lt1"/>
+          </a:fontRef>
+        </p:style>
+        <p:txBody>
+          <a:bodyPr rtlCol="0" anchor="ctr"/>
+          <a:lstStyle/>
+          <a:p>
+            <a:pPr algn="ctr"/>
+            <a:endParaRPr lang="zh-CN" altLang="en-US"/>
+          </a:p>
+        </p:txBody>
+      </p:sp>
+      <p:sp>
+        <p:nvSpPr>
+          <p:cNvPr id="30" name="文本框 29"/>
+          <p:cNvSpPr txBox="1"/>
+          <p:nvPr/>
+        </p:nvSpPr>
+        <p:spPr>
+          <a:xfrm>
+            <a:off x="323851" y="294935"/>
+            <a:ext cx="11227204" cy="2123658"/>
+          </a:xfrm>
+          <a:prstGeom prst="rect">
+            <a:avLst/>
+          </a:prstGeom>
+          <a:noFill/>
+        </p:spPr>
+        <p:txBody>
+          <a:bodyPr wrap="square" rtlCol="0">
+            <a:spAutoFit/>
+          </a:bodyPr>
+          <a:lstStyle/>
+          <a:p>
+            <a:r>
+              <a:rPr lang="en-US" altLang="zh-CN" sz="4400" b="1" dirty="0" smtClean="0">
+                <a:solidFill>
+                  <a:srgbClr val="00ABB4"/>
+                </a:solidFill>
+                <a:latin typeface="微软雅黑" panose="020B0503020204020204" pitchFamily="34" charset="-122"/>
+                <a:ea typeface="微软雅黑" panose="020B0503020204020204" pitchFamily="34" charset="-122"/>
+              </a:rPr>
+              <a:t>Unsupervised clustering</a:t>
+            </a:r>
+          </a:p>
+          <a:p>
+            <a:r>
+              <a:rPr lang="en-US" altLang="zh-CN" sz="4400" b="1" dirty="0">
+                <a:solidFill>
+                  <a:srgbClr val="00ABB4"/>
+                </a:solidFill>
+                <a:latin typeface="微软雅黑" panose="020B0503020204020204" pitchFamily="34" charset="-122"/>
+                <a:ea typeface="微软雅黑" panose="020B0503020204020204" pitchFamily="34" charset="-122"/>
+              </a:rPr>
+              <a:t>	</a:t>
+            </a:r>
+            <a:r>
+              <a:rPr lang="en-US" altLang="zh-CN" sz="4400" b="1" dirty="0" smtClean="0">
+                <a:solidFill>
+                  <a:srgbClr val="00ABB4"/>
+                </a:solidFill>
+                <a:latin typeface="微软雅黑" panose="020B0503020204020204" pitchFamily="34" charset="-122"/>
+                <a:ea typeface="微软雅黑" panose="020B0503020204020204" pitchFamily="34" charset="-122"/>
+              </a:rPr>
+              <a:t>				 &amp; </a:t>
+            </a:r>
+            <a:r>
+              <a:rPr lang="en-US" altLang="zh-CN" sz="4400" b="1" dirty="0">
+                <a:solidFill>
+                  <a:srgbClr val="00ABB4"/>
+                </a:solidFill>
+                <a:latin typeface="微软雅黑" panose="020B0503020204020204" pitchFamily="34" charset="-122"/>
+                <a:ea typeface="微软雅黑" panose="020B0503020204020204" pitchFamily="34" charset="-122"/>
+              </a:rPr>
+              <a:t>brain </a:t>
+            </a:r>
+            <a:r>
+              <a:rPr lang="en-US" altLang="zh-CN" sz="4400" b="1" dirty="0" smtClean="0">
+                <a:solidFill>
+                  <a:srgbClr val="00ABB4"/>
+                </a:solidFill>
+                <a:latin typeface="微软雅黑" panose="020B0503020204020204" pitchFamily="34" charset="-122"/>
+                <a:ea typeface="微软雅黑" panose="020B0503020204020204" pitchFamily="34" charset="-122"/>
+              </a:rPr>
+              <a:t>States </a:t>
+            </a:r>
+            <a:r>
+              <a:rPr lang="en-US" altLang="zh-CN" sz="4400" dirty="0"/>
+              <a:t/>
+            </a:r>
+            <a:br>
+              <a:rPr lang="en-US" altLang="zh-CN" sz="4400" dirty="0"/>
+            </a:br>
+            <a:endParaRPr lang="en-US" altLang="zh-CN" sz="4400" b="1" dirty="0">
+              <a:solidFill>
+                <a:srgbClr val="00ABB4"/>
+              </a:solidFill>
+              <a:latin typeface="微软雅黑" panose="020B0503020204020204" pitchFamily="34" charset="-122"/>
+              <a:ea typeface="微软雅黑" panose="020B0503020204020204" pitchFamily="34" charset="-122"/>
+            </a:endParaRPr>
+          </a:p>
+        </p:txBody>
+      </p:sp>
+      <p:sp>
+        <p:nvSpPr>
+          <p:cNvPr id="31" name="Rectangle 96"/>
+          <p:cNvSpPr/>
+          <p:nvPr/>
+        </p:nvSpPr>
+        <p:spPr>
+          <a:xfrm>
+            <a:off x="896518" y="1360998"/>
+            <a:ext cx="10245297" cy="5262979"/>
+          </a:xfrm>
+          <a:prstGeom prst="rect">
+            <a:avLst/>
+          </a:prstGeom>
+        </p:spPr>
+        <p:txBody>
+          <a:bodyPr wrap="square">
+            <a:spAutoFit/>
+          </a:bodyPr>
+          <a:lstStyle/>
+          <a:p>
+            <a:pPr marL="342900" indent="-342900">
+              <a:lnSpc>
+                <a:spcPct val="200000"/>
+              </a:lnSpc>
+              <a:buFont typeface="Arial" panose="020B0604020202020204" pitchFamily="34" charset="0"/>
+              <a:buChar char="•"/>
+            </a:pPr>
+            <a:r>
+              <a:rPr lang="en-US" altLang="zh-CN" sz="2800" b="1" dirty="0"/>
+              <a:t>k-means clustering algorithm</a:t>
+            </a:r>
+            <a:r>
+              <a:rPr lang="en-US" altLang="zh-CN" sz="2800" b="1" dirty="0"/>
+              <a:t> </a:t>
+            </a:r>
+            <a:endParaRPr lang="en-US" altLang="zh-CN" sz="2800" b="1" dirty="0" smtClean="0"/>
+          </a:p>
+          <a:p>
+            <a:pPr marL="800100" lvl="1" indent="-342900">
+              <a:lnSpc>
+                <a:spcPct val="200000"/>
+              </a:lnSpc>
+              <a:buFont typeface="Arial" panose="020B0604020202020204" pitchFamily="34" charset="0"/>
+              <a:buChar char="•"/>
+            </a:pPr>
+            <a:r>
+              <a:rPr lang="en-US" altLang="zh-CN" sz="2800" dirty="0"/>
+              <a:t>L1 </a:t>
+            </a:r>
+            <a:r>
+              <a:rPr lang="en-US" altLang="zh-CN" sz="2800" dirty="0" smtClean="0"/>
+              <a:t>distance function </a:t>
+            </a:r>
+          </a:p>
+          <a:p>
+            <a:pPr marL="800100" lvl="1" indent="-342900">
+              <a:lnSpc>
+                <a:spcPct val="200000"/>
+              </a:lnSpc>
+              <a:buFont typeface="Arial" panose="020B0604020202020204" pitchFamily="34" charset="0"/>
+              <a:buChar char="•"/>
+            </a:pPr>
+            <a:r>
+              <a:rPr lang="en-US" altLang="zh-CN" sz="2800" dirty="0" smtClean="0"/>
+              <a:t>500 times</a:t>
+            </a:r>
+          </a:p>
+          <a:p>
+            <a:pPr marL="800100" lvl="1" indent="-342900">
+              <a:lnSpc>
+                <a:spcPct val="200000"/>
+              </a:lnSpc>
+              <a:buFont typeface="Arial" panose="020B0604020202020204" pitchFamily="34" charset="0"/>
+              <a:buChar char="•"/>
+            </a:pPr>
+            <a:r>
+              <a:rPr lang="en-US" altLang="zh-CN" sz="2800" dirty="0"/>
+              <a:t>Zexamplesc,s</a:t>
+            </a:r>
+            <a:r>
+              <a:rPr lang="en-US" altLang="zh-CN" sz="2800" dirty="0"/>
+              <a:t> </a:t>
+            </a:r>
+            <a:r>
+              <a:rPr lang="en-US" altLang="zh-CN" sz="2800" dirty="0" smtClean="0"/>
+              <a:t>(Subsampled </a:t>
+            </a:r>
+            <a:r>
+              <a:rPr lang="en-US" altLang="zh-CN" sz="2800" dirty="0"/>
+              <a:t>Zc,s </a:t>
+            </a:r>
+            <a:r>
+              <a:rPr lang="en-US" altLang="zh-CN" sz="2800" dirty="0" smtClean="0"/>
+              <a:t>,w)</a:t>
+            </a:r>
+            <a:r>
+              <a:rPr lang="en-US" altLang="zh-CN" sz="2800" b="1" dirty="0" smtClean="0"/>
+              <a:t>  </a:t>
+            </a:r>
+            <a:r>
+              <a:rPr lang="en-US" altLang="zh-CN" sz="2800" b="1" dirty="0" smtClean="0">
+                <a:sym typeface="Wingdings" panose="05000000000000000000" pitchFamily="2" charset="2"/>
+              </a:rPr>
+              <a:t>  </a:t>
+            </a:r>
+            <a:r>
+              <a:rPr lang="en-US" altLang="zh-CN" sz="2800" dirty="0"/>
+              <a:t>BSn </a:t>
+            </a:r>
+            <a:r>
+              <a:rPr lang="en-US" altLang="zh-CN" sz="2800" dirty="0" smtClean="0"/>
+              <a:t> (n=1,2,...,7)  </a:t>
+            </a:r>
+            <a:r>
+              <a:rPr lang="en-US" altLang="zh-CN" sz="2800" dirty="0" smtClean="0">
+                <a:sym typeface="Wingdings" panose="05000000000000000000" pitchFamily="2" charset="2"/>
+              </a:rPr>
+              <a:t></a:t>
+            </a:r>
+          </a:p>
+          <a:p>
+            <a:pPr lvl="1">
+              <a:lnSpc>
+                <a:spcPct val="200000"/>
+              </a:lnSpc>
+            </a:pPr>
+            <a:r>
+              <a:rPr lang="en-US" altLang="zh-CN" sz="2800" b="1" dirty="0">
+                <a:sym typeface="Wingdings" panose="05000000000000000000" pitchFamily="2" charset="2"/>
+              </a:rPr>
+              <a:t>	</a:t>
+            </a:r>
+            <a:r>
+              <a:rPr lang="en-US" altLang="zh-CN" sz="2800" dirty="0"/>
+              <a:t>initialize a </a:t>
+            </a:r>
+            <a:r>
+              <a:rPr lang="en-US" altLang="zh-CN" sz="2800" dirty="0" smtClean="0"/>
+              <a:t>clustering of </a:t>
+            </a:r>
+            <a:r>
+              <a:rPr lang="en-US" altLang="zh-CN" sz="2800" dirty="0"/>
+              <a:t>all data</a:t>
+            </a:r>
+            <a:r>
+              <a:rPr lang="en-US" altLang="zh-CN" sz="2800" dirty="0"/>
+              <a:t> </a:t>
+            </a:r>
+            <a:r>
+              <a:rPr lang="en-US" altLang="zh-CN" sz="2800" dirty="0" smtClean="0"/>
+              <a:t>(</a:t>
+            </a:r>
+            <a:r>
+              <a:rPr lang="en-US" altLang="zh-CN" sz="2800" dirty="0"/>
+              <a:t>obtaining a matrix of brain </a:t>
+            </a:r>
+            <a:r>
+              <a:rPr lang="en-US" altLang="zh-CN" sz="2800" dirty="0" smtClean="0"/>
+              <a:t>	states </a:t>
+            </a:r>
+            <a:r>
+              <a:rPr lang="en-US" altLang="zh-CN" sz="2800" dirty="0"/>
+              <a:t>Bc,s,w</a:t>
+            </a:r>
+            <a:r>
+              <a:rPr lang="en-US" altLang="zh-CN" sz="2800" dirty="0"/>
+              <a:t> </a:t>
+            </a:r>
+            <a:r>
+              <a:rPr lang="en-US" altLang="zh-CN" sz="2800" dirty="0" smtClean="0"/>
+              <a:t>)</a:t>
+            </a:r>
+            <a:endParaRPr lang="en-US" altLang="zh-CN" sz="2800" b="1" dirty="0" smtClean="0"/>
+          </a:p>
+        </p:txBody>
+      </p:sp>
+    </p:spTree>
+    <p:extLst>
+      <p:ext uri="{BB962C8B-B14F-4D97-AF65-F5344CB8AC3E}">
+        <p14:creationId xmlns:p14="http://schemas.microsoft.com/office/powerpoint/2010/main" val="2356056561"/>
+      </p:ext>
+    </p:extLst>
+  </p:cSld>
+  <p:clrMapOvr>
+    <a:masterClrMapping/>
+  </p:clrMapOvr>
+  <p:timing>
+    <p:tnLst>
+      <p:par>
+        <p:cTn id="1" dur="indefinite" restart="never" nodeType="tmRoot"/>
+      </p:par>
+    </p:tnLst>
+  </p:timing>
+</p:sld>
+</file>
+
+<file path=ppt/slides/slide21.xml><?xml version="1.0" encoding="utf-8"?>
+<p:sld xmlns:a="http://schemas.openxmlformats.org/drawingml/2006/main" xmlns:r="http://schemas.openxmlformats.org/officeDocument/2006/relationships" xmlns:p="http://schemas.openxmlformats.org/presentationml/2006/main">
+  <p:cSld>
+    <p:spTree>
+      <p:nvGrpSpPr>
+        <p:cNvPr id="1" name=""/>
+        <p:cNvGrpSpPr/>
+        <p:nvPr/>
+      </p:nvGrpSpPr>
+      <p:grpSpPr>
+        <a:xfrm>
+          <a:off x="0" y="0"/>
+          <a:ext cx="0" cy="0"/>
+          <a:chOff x="0" y="0"/>
+          <a:chExt cx="0" cy="0"/>
+        </a:xfrm>
+      </p:grpSpPr>
+      <p:sp>
+        <p:nvSpPr>
+          <p:cNvPr id="5" name="矩形 4"/>
+          <p:cNvSpPr/>
+          <p:nvPr/>
+        </p:nvSpPr>
+        <p:spPr>
+          <a:xfrm>
+            <a:off x="6005399" y="3447534"/>
+            <a:ext cx="6172200" cy="3410465"/>
+          </a:xfrm>
+          <a:prstGeom prst="rect">
+            <a:avLst/>
+          </a:prstGeom>
+          <a:solidFill>
+            <a:schemeClr val="bg1">
+              <a:lumMod val="95000"/>
+            </a:schemeClr>
+          </a:solidFill>
+          <a:ln>
+            <a:noFill/>
+          </a:ln>
+        </p:spPr>
+        <p:style>
+          <a:lnRef idx="2">
+            <a:schemeClr val="accent1">
+              <a:shade val="50000"/>
+            </a:schemeClr>
+          </a:lnRef>
+          <a:fillRef idx="1">
+            <a:schemeClr val="accent1"/>
+          </a:fillRef>
+          <a:effectRef idx="0">
+            <a:schemeClr val="accent1"/>
+          </a:effectRef>
+          <a:fontRef idx="minor">
+            <a:schemeClr val="lt1"/>
+          </a:fontRef>
+        </p:style>
+        <p:txBody>
+          <a:bodyPr rtlCol="0" anchor="ctr"/>
+          <a:lstStyle/>
+          <a:p>
+            <a:pPr algn="ctr"/>
+            <a:endParaRPr lang="zh-CN" altLang="en-US"/>
+          </a:p>
+        </p:txBody>
+      </p:sp>
+      <p:sp>
+        <p:nvSpPr>
+          <p:cNvPr id="29" name="矩形 28"/>
+          <p:cNvSpPr/>
+          <p:nvPr/>
+        </p:nvSpPr>
+        <p:spPr>
+          <a:xfrm>
+            <a:off x="12346" y="1"/>
+            <a:ext cx="6006821" cy="3447534"/>
+          </a:xfrm>
+          <a:prstGeom prst="rect">
+            <a:avLst/>
+          </a:prstGeom>
+          <a:solidFill>
+            <a:schemeClr val="bg1">
+              <a:lumMod val="95000"/>
+            </a:schemeClr>
+          </a:solidFill>
+          <a:ln>
+            <a:noFill/>
+          </a:ln>
+        </p:spPr>
+        <p:style>
+          <a:lnRef idx="2">
+            <a:schemeClr val="accent1">
+              <a:shade val="50000"/>
+            </a:schemeClr>
+          </a:lnRef>
+          <a:fillRef idx="1">
+            <a:schemeClr val="accent1"/>
+          </a:fillRef>
+          <a:effectRef idx="0">
+            <a:schemeClr val="accent1"/>
+          </a:effectRef>
+          <a:fontRef idx="minor">
+            <a:schemeClr val="lt1"/>
+          </a:fontRef>
+        </p:style>
+        <p:txBody>
+          <a:bodyPr rtlCol="0" anchor="ctr"/>
+          <a:lstStyle/>
+          <a:p>
+            <a:pPr algn="ctr"/>
+            <a:endParaRPr lang="zh-CN" altLang="en-US"/>
+          </a:p>
+        </p:txBody>
+      </p:sp>
+      <p:sp>
+        <p:nvSpPr>
+          <p:cNvPr id="30" name="文本框 29"/>
+          <p:cNvSpPr txBox="1"/>
+          <p:nvPr/>
+        </p:nvSpPr>
+        <p:spPr>
+          <a:xfrm>
+            <a:off x="323851" y="294935"/>
+            <a:ext cx="11227204" cy="1446550"/>
+          </a:xfrm>
+          <a:prstGeom prst="rect">
+            <a:avLst/>
+          </a:prstGeom>
+          <a:noFill/>
+        </p:spPr>
+        <p:txBody>
+          <a:bodyPr wrap="square" rtlCol="0">
+            <a:spAutoFit/>
+          </a:bodyPr>
+          <a:lstStyle/>
+          <a:p>
+            <a:r>
+              <a:rPr lang="en-US" altLang="zh-CN" sz="4400" b="1" dirty="0" smtClean="0">
+                <a:solidFill>
+                  <a:srgbClr val="00ABB4"/>
+                </a:solidFill>
+                <a:latin typeface="微软雅黑" panose="020B0503020204020204" pitchFamily="34" charset="-122"/>
+                <a:ea typeface="微软雅黑" panose="020B0503020204020204" pitchFamily="34" charset="-122"/>
+              </a:rPr>
+              <a:t>Similarity </a:t>
+            </a:r>
+            <a:r>
+              <a:rPr lang="en-US" altLang="zh-CN" sz="4400" b="1" dirty="0">
+                <a:solidFill>
+                  <a:srgbClr val="00ABB4"/>
+                </a:solidFill>
+                <a:latin typeface="微软雅黑" panose="020B0503020204020204" pitchFamily="34" charset="-122"/>
+                <a:ea typeface="微软雅黑" panose="020B0503020204020204" pitchFamily="34" charset="-122"/>
+              </a:rPr>
+              <a:t>score </a:t>
+            </a:r>
+            <a:r>
+              <a:rPr lang="en-US" altLang="zh-CN" sz="4400" b="1" dirty="0" smtClean="0">
+                <a:solidFill>
+                  <a:srgbClr val="00ABB4"/>
+                </a:solidFill>
+                <a:latin typeface="微软雅黑" panose="020B0503020204020204" pitchFamily="34" charset="-122"/>
+                <a:ea typeface="微软雅黑" panose="020B0503020204020204" pitchFamily="34" charset="-122"/>
+              </a:rPr>
+              <a:t>&amp; </a:t>
+            </a:r>
+          </a:p>
+          <a:p>
+            <a:r>
+              <a:rPr lang="en-US" altLang="zh-CN" sz="4400" b="1" dirty="0">
+                <a:solidFill>
+                  <a:srgbClr val="00ABB4"/>
+                </a:solidFill>
+                <a:latin typeface="微软雅黑" panose="020B0503020204020204" pitchFamily="34" charset="-122"/>
+                <a:ea typeface="微软雅黑" panose="020B0503020204020204" pitchFamily="34" charset="-122"/>
+              </a:rPr>
+              <a:t>	</a:t>
+            </a:r>
+            <a:r>
+              <a:rPr lang="en-US" altLang="zh-CN" sz="4400" b="1" dirty="0" smtClean="0">
+                <a:solidFill>
+                  <a:srgbClr val="00ABB4"/>
+                </a:solidFill>
+                <a:latin typeface="微软雅黑" panose="020B0503020204020204" pitchFamily="34" charset="-122"/>
+                <a:ea typeface="微软雅黑" panose="020B0503020204020204" pitchFamily="34" charset="-122"/>
+              </a:rPr>
+              <a:t>		probability </a:t>
+            </a:r>
+            <a:r>
+              <a:rPr lang="en-US" altLang="zh-CN" sz="4400" b="1" dirty="0">
+                <a:solidFill>
+                  <a:srgbClr val="00ABB4"/>
+                </a:solidFill>
+                <a:latin typeface="微软雅黑" panose="020B0503020204020204" pitchFamily="34" charset="-122"/>
+                <a:ea typeface="微软雅黑" panose="020B0503020204020204" pitchFamily="34" charset="-122"/>
+              </a:rPr>
+              <a:t>of each </a:t>
+            </a:r>
+            <a:r>
+              <a:rPr lang="en-US" altLang="zh-CN" sz="4400" b="1" dirty="0" smtClean="0">
+                <a:solidFill>
+                  <a:srgbClr val="00ABB4"/>
+                </a:solidFill>
+                <a:latin typeface="微软雅黑" panose="020B0503020204020204" pitchFamily="34" charset="-122"/>
+                <a:ea typeface="微软雅黑" panose="020B0503020204020204" pitchFamily="34" charset="-122"/>
+              </a:rPr>
+              <a:t>state</a:t>
+            </a:r>
+            <a:endParaRPr lang="en-US" altLang="zh-CN" sz="4400" b="1" dirty="0">
+              <a:solidFill>
+                <a:srgbClr val="00ABB4"/>
+              </a:solidFill>
+              <a:latin typeface="微软雅黑" panose="020B0503020204020204" pitchFamily="34" charset="-122"/>
+              <a:ea typeface="微软雅黑" panose="020B0503020204020204" pitchFamily="34" charset="-122"/>
+            </a:endParaRPr>
+          </a:p>
+        </p:txBody>
+      </p:sp>
+      <p:sp>
+        <p:nvSpPr>
+          <p:cNvPr id="31" name="Rectangle 96"/>
+          <p:cNvSpPr/>
+          <p:nvPr/>
+        </p:nvSpPr>
+        <p:spPr>
+          <a:xfrm>
+            <a:off x="896518" y="1425568"/>
+            <a:ext cx="10245297" cy="5262979"/>
+          </a:xfrm>
+          <a:prstGeom prst="rect">
+            <a:avLst/>
+          </a:prstGeom>
+        </p:spPr>
+        <p:txBody>
+          <a:bodyPr wrap="square">
+            <a:spAutoFit/>
+          </a:bodyPr>
+          <a:lstStyle/>
+          <a:p>
+            <a:pPr marL="457200" indent="-457200">
+              <a:lnSpc>
+                <a:spcPct val="200000"/>
+              </a:lnSpc>
+              <a:buFont typeface="Arial" panose="020B0604020202020204" pitchFamily="34" charset="0"/>
+              <a:buChar char="•"/>
+            </a:pPr>
+            <a:r>
+              <a:rPr lang="en-US" altLang="zh-CN" sz="2800" b="1" dirty="0" smtClean="0"/>
+              <a:t>Similarity score :</a:t>
+            </a:r>
+          </a:p>
+          <a:p>
+            <a:pPr marL="914400" lvl="1" indent="-457200">
+              <a:lnSpc>
+                <a:spcPct val="200000"/>
+              </a:lnSpc>
+              <a:buFont typeface="Arial" panose="020B0604020202020204" pitchFamily="34" charset="0"/>
+              <a:buChar char="•"/>
+            </a:pPr>
+            <a:r>
+              <a:rPr lang="en-US" altLang="zh-CN" sz="2800" dirty="0"/>
+              <a:t>similarity between anatomical connectivity </a:t>
+            </a:r>
+            <a:r>
+              <a:rPr lang="en-US" altLang="zh-CN" sz="2800" dirty="0" smtClean="0"/>
+              <a:t>and </a:t>
+            </a:r>
+            <a:r>
+              <a:rPr lang="en-US" altLang="zh-CN" sz="2800" dirty="0"/>
+              <a:t>functional connectivity, to rank </a:t>
+            </a:r>
+            <a:r>
+              <a:rPr lang="en-US" altLang="zh-CN" sz="2800" dirty="0" smtClean="0"/>
+              <a:t>all brain </a:t>
+            </a:r>
+            <a:r>
+              <a:rPr lang="en-US" altLang="zh-CN" sz="2800" dirty="0"/>
+              <a:t>states along this </a:t>
+            </a:r>
+            <a:r>
+              <a:rPr lang="en-US" altLang="zh-CN" sz="2800" dirty="0" smtClean="0"/>
+              <a:t>dimension</a:t>
+            </a:r>
+          </a:p>
+          <a:p>
+            <a:pPr marL="914400" lvl="1" indent="-457200">
+              <a:lnSpc>
+                <a:spcPct val="200000"/>
+              </a:lnSpc>
+              <a:buFont typeface="Arial" panose="020B0604020202020204" pitchFamily="34" charset="0"/>
+              <a:buChar char="•"/>
+            </a:pPr>
+            <a:r>
+              <a:rPr lang="en-US" altLang="zh-CN" sz="2800" dirty="0"/>
+              <a:t>computed by measuring the correlation coefficient between </a:t>
+            </a:r>
+            <a:r>
+              <a:rPr lang="en-US" altLang="zh-CN" sz="2800" dirty="0" smtClean="0"/>
+              <a:t>the vectorized </a:t>
+            </a:r>
+            <a:r>
+              <a:rPr lang="en-US" altLang="zh-CN" sz="2800" dirty="0"/>
+              <a:t>structural matrix </a:t>
+            </a:r>
+            <a:r>
+              <a:rPr lang="en-US" altLang="zh-CN" sz="2800" dirty="0" smtClean="0"/>
+              <a:t> and </a:t>
+            </a:r>
+            <a:r>
+              <a:rPr lang="en-US" altLang="zh-CN" sz="2800" dirty="0"/>
+              <a:t>each </a:t>
+            </a:r>
+            <a:r>
+              <a:rPr lang="en-US" altLang="zh-CN" sz="2800" dirty="0" smtClean="0"/>
+              <a:t>vectorized </a:t>
+            </a:r>
+            <a:r>
+              <a:rPr lang="en-US" altLang="zh-CN" sz="2800" dirty="0"/>
+              <a:t/>
+            </a:r>
+            <a:br>
+              <a:rPr lang="en-US" altLang="zh-CN" sz="2800" dirty="0"/>
+            </a:br>
+            <a:r>
+              <a:rPr lang="en-US" altLang="zh-CN" sz="2800" dirty="0"/>
+              <a:t>brain </a:t>
+            </a:r>
+            <a:r>
+              <a:rPr lang="en-US" altLang="zh-CN" sz="2800" dirty="0" smtClean="0"/>
+              <a:t>from </a:t>
+            </a:r>
+            <a:r>
+              <a:rPr lang="en-US" altLang="zh-CN" sz="2800" dirty="0"/>
+              <a:t>the clustering analysis</a:t>
+            </a:r>
+            <a:r>
+              <a:rPr lang="en-US" altLang="zh-CN" sz="2800" dirty="0"/>
+              <a:t> </a:t>
+            </a:r>
+            <a:endParaRPr lang="en-US" altLang="zh-CN" sz="2800" b="1" dirty="0" smtClean="0"/>
+          </a:p>
+        </p:txBody>
+      </p:sp>
+    </p:spTree>
+    <p:extLst>
+      <p:ext uri="{BB962C8B-B14F-4D97-AF65-F5344CB8AC3E}">
+        <p14:creationId xmlns:p14="http://schemas.microsoft.com/office/powerpoint/2010/main" val="3219207123"/>
+      </p:ext>
+    </p:extLst>
+  </p:cSld>
+  <p:clrMapOvr>
+    <a:masterClrMapping/>
+  </p:clrMapOvr>
+  <p:timing>
+    <p:tnLst>
+      <p:par>
+        <p:cTn id="1" dur="indefinite" restart="never" nodeType="tmRoot"/>
+      </p:par>
+    </p:tnLst>
+  </p:timing>
+</p:sld>
+</file>
+
+<file path=ppt/slides/slide22.xml><?xml version="1.0" encoding="utf-8"?>
+<p:sld xmlns:a="http://schemas.openxmlformats.org/drawingml/2006/main" xmlns:r="http://schemas.openxmlformats.org/officeDocument/2006/relationships" xmlns:p="http://schemas.openxmlformats.org/presentationml/2006/main">
+  <p:cSld>
+    <p:spTree>
+      <p:nvGrpSpPr>
+        <p:cNvPr id="1" name=""/>
+        <p:cNvGrpSpPr/>
+        <p:nvPr/>
+      </p:nvGrpSpPr>
+      <p:grpSpPr>
+        <a:xfrm>
+          <a:off x="0" y="0"/>
+          <a:ext cx="0" cy="0"/>
+          <a:chOff x="0" y="0"/>
+          <a:chExt cx="0" cy="0"/>
+        </a:xfrm>
+      </p:grpSpPr>
+      <p:sp>
+        <p:nvSpPr>
+          <p:cNvPr id="3" name="矩形 2"/>
+          <p:cNvSpPr/>
+          <p:nvPr/>
+        </p:nvSpPr>
+        <p:spPr>
+          <a:xfrm>
+            <a:off x="4077446" y="1815450"/>
+            <a:ext cx="4305299" cy="2998177"/>
+          </a:xfrm>
+          <a:prstGeom prst="rect">
+            <a:avLst/>
+          </a:prstGeom>
+          <a:solidFill>
+            <a:schemeClr val="accent2">
+              <a:alpha val="81000"/>
+            </a:schemeClr>
+          </a:solidFill>
+          <a:ln>
+            <a:noFill/>
+          </a:ln>
+        </p:spPr>
+        <p:style>
+          <a:lnRef idx="2">
+            <a:schemeClr val="accent1">
+              <a:shade val="50000"/>
+            </a:schemeClr>
+          </a:lnRef>
+          <a:fillRef idx="1">
+            <a:schemeClr val="accent1"/>
+          </a:fillRef>
+          <a:effectRef idx="0">
+            <a:schemeClr val="accent1"/>
+          </a:effectRef>
+          <a:fontRef idx="minor">
+            <a:schemeClr val="lt1"/>
+          </a:fontRef>
+        </p:style>
+        <p:txBody>
+          <a:bodyPr rtlCol="0" anchor="ctr"/>
+          <a:lstStyle/>
+          <a:p>
+            <a:pPr algn="ctr"/>
+            <a:endParaRPr lang="zh-CN" altLang="en-US"/>
+          </a:p>
+        </p:txBody>
+      </p:sp>
+      <p:sp>
+        <p:nvSpPr>
+          <p:cNvPr id="9" name="矩形 8"/>
+          <p:cNvSpPr/>
+          <p:nvPr/>
+        </p:nvSpPr>
+        <p:spPr>
+          <a:xfrm>
+            <a:off x="249145" y="-1448167"/>
+            <a:ext cx="2636930" cy="1767254"/>
+          </a:xfrm>
+          <a:prstGeom prst="rect">
+            <a:avLst/>
+          </a:prstGeom>
+          <a:solidFill>
+            <a:schemeClr val="accent2">
+              <a:alpha val="81000"/>
+            </a:schemeClr>
+          </a:solidFill>
+          <a:ln>
+            <a:noFill/>
+          </a:ln>
+        </p:spPr>
+        <p:style>
+          <a:lnRef idx="2">
+            <a:schemeClr val="accent1">
+              <a:shade val="50000"/>
+            </a:schemeClr>
+          </a:lnRef>
+          <a:fillRef idx="1">
+            <a:schemeClr val="accent1"/>
+          </a:fillRef>
+          <a:effectRef idx="0">
+            <a:schemeClr val="accent1"/>
+          </a:effectRef>
+          <a:fontRef idx="minor">
+            <a:schemeClr val="lt1"/>
+          </a:fontRef>
+        </p:style>
+        <p:txBody>
+          <a:bodyPr rtlCol="0" anchor="ctr"/>
+          <a:lstStyle/>
+          <a:p>
+            <a:pPr algn="ctr"/>
+            <a:endParaRPr lang="zh-CN" altLang="en-US"/>
+          </a:p>
+        </p:txBody>
+      </p:sp>
+      <p:sp>
+        <p:nvSpPr>
+          <p:cNvPr id="10" name="矩形 9"/>
+          <p:cNvSpPr/>
+          <p:nvPr/>
+        </p:nvSpPr>
+        <p:spPr>
+          <a:xfrm>
+            <a:off x="7690152" y="4881806"/>
+            <a:ext cx="3141784" cy="1767254"/>
+          </a:xfrm>
+          <a:prstGeom prst="rect">
+            <a:avLst/>
+          </a:prstGeom>
+          <a:solidFill>
+            <a:schemeClr val="accent2">
+              <a:alpha val="81000"/>
+            </a:schemeClr>
+          </a:solidFill>
+          <a:ln>
+            <a:noFill/>
+          </a:ln>
+        </p:spPr>
+        <p:style>
+          <a:lnRef idx="2">
+            <a:schemeClr val="accent1">
+              <a:shade val="50000"/>
+            </a:schemeClr>
+          </a:lnRef>
+          <a:fillRef idx="1">
+            <a:schemeClr val="accent1"/>
+          </a:fillRef>
+          <a:effectRef idx="0">
+            <a:schemeClr val="accent1"/>
+          </a:effectRef>
+          <a:fontRef idx="minor">
+            <a:schemeClr val="lt1"/>
+          </a:fontRef>
+        </p:style>
+        <p:txBody>
+          <a:bodyPr rtlCol="0" anchor="ctr"/>
+          <a:lstStyle/>
+          <a:p>
+            <a:pPr algn="ctr"/>
+            <a:endParaRPr lang="zh-CN" altLang="en-US"/>
+          </a:p>
+        </p:txBody>
+      </p:sp>
+      <p:sp>
+        <p:nvSpPr>
+          <p:cNvPr id="11" name="矩形 10"/>
+          <p:cNvSpPr/>
+          <p:nvPr/>
+        </p:nvSpPr>
+        <p:spPr>
+          <a:xfrm>
+            <a:off x="1506389" y="1663922"/>
+            <a:ext cx="1349496" cy="104775"/>
+          </a:xfrm>
+          <a:prstGeom prst="rect">
+            <a:avLst/>
+          </a:prstGeom>
+          <a:solidFill>
+            <a:schemeClr val="accent2"/>
+          </a:solidFill>
+          <a:ln>
+            <a:noFill/>
+          </a:ln>
+        </p:spPr>
+        <p:style>
+          <a:lnRef idx="2">
+            <a:schemeClr val="accent1">
+              <a:shade val="50000"/>
+            </a:schemeClr>
+          </a:lnRef>
+          <a:fillRef idx="1">
+            <a:schemeClr val="accent1"/>
+          </a:fillRef>
+          <a:effectRef idx="0">
+            <a:schemeClr val="accent1"/>
+          </a:effectRef>
+          <a:fontRef idx="minor">
+            <a:schemeClr val="lt1"/>
+          </a:fontRef>
+        </p:style>
+        <p:txBody>
+          <a:bodyPr rtlCol="0" anchor="ctr"/>
+          <a:lstStyle/>
+          <a:p>
+            <a:pPr algn="ctr"/>
+            <a:endParaRPr lang="zh-CN" altLang="en-US"/>
+          </a:p>
+        </p:txBody>
+      </p:sp>
+      <p:sp>
+        <p:nvSpPr>
+          <p:cNvPr id="12" name="矩形 11"/>
+          <p:cNvSpPr/>
+          <p:nvPr/>
+        </p:nvSpPr>
+        <p:spPr>
+          <a:xfrm>
+            <a:off x="10588867" y="2977768"/>
+            <a:ext cx="1603132" cy="1767254"/>
+          </a:xfrm>
+          <a:prstGeom prst="rect">
+            <a:avLst/>
+          </a:prstGeom>
+          <a:solidFill>
+            <a:schemeClr val="accent2">
+              <a:alpha val="81000"/>
+            </a:schemeClr>
+          </a:solidFill>
+          <a:ln>
+            <a:noFill/>
+          </a:ln>
+        </p:spPr>
+        <p:style>
+          <a:lnRef idx="2">
+            <a:schemeClr val="accent1">
+              <a:shade val="50000"/>
+            </a:schemeClr>
+          </a:lnRef>
+          <a:fillRef idx="1">
+            <a:schemeClr val="accent1"/>
+          </a:fillRef>
+          <a:effectRef idx="0">
+            <a:schemeClr val="accent1"/>
+          </a:effectRef>
+          <a:fontRef idx="minor">
+            <a:schemeClr val="lt1"/>
+          </a:fontRef>
+        </p:style>
+        <p:txBody>
+          <a:bodyPr rtlCol="0" anchor="ctr"/>
+          <a:lstStyle/>
+          <a:p>
+            <a:pPr algn="ctr"/>
+            <a:endParaRPr lang="zh-CN" altLang="en-US"/>
+          </a:p>
+        </p:txBody>
+      </p:sp>
+      <p:pic>
+        <p:nvPicPr>
+          <p:cNvPr id="4098" name="Picture 2"/>
+          <p:cNvPicPr>
+            <a:picLocks noChangeAspect="1" noChangeArrowheads="1"/>
+          </p:cNvPicPr>
+          <p:nvPr/>
+        </p:nvPicPr>
+        <p:blipFill>
+          <a:blip r:embed="rId2">
+            <a:extLst>
+              <a:ext uri="{28A0092B-C50C-407E-A947-70E740481C1C}">
+                <a14:useLocalDpi xmlns:a14="http://schemas.microsoft.com/office/drawing/2010/main" val="0"/>
+              </a:ext>
+            </a:extLst>
+          </a:blip>
+          <a:srcRect/>
+          <a:stretch>
+            <a:fillRect/>
+          </a:stretch>
+        </p:blipFill>
+        <p:spPr bwMode="auto">
+          <a:xfrm>
+            <a:off x="249145" y="571500"/>
+            <a:ext cx="11333061" cy="5486400"/>
+          </a:xfrm>
+          <a:prstGeom prst="rect">
+            <a:avLst/>
+          </a:prstGeom>
+          <a:noFill/>
+          <a:ln>
+            <a:noFill/>
+          </a:ln>
+          <a:extLst>
+            <a:ext uri="{909E8E84-426E-40DD-AFC4-6F175D3DCCD1}">
+              <a14:hiddenFill xmlns:a14="http://schemas.microsoft.com/office/drawing/2010/main">
+                <a:solidFill>
+                  <a:schemeClr val="accent1"/>
+                </a:solidFill>
+              </a14:hiddenFill>
+            </a:ext>
+            <a:ext uri="{91240B29-F687-4F45-9708-019B960494DF}">
+              <a14:hiddenLine xmlns:a14="http://schemas.microsoft.com/office/drawing/2010/main" w="9525">
+                <a:solidFill>
+                  <a:schemeClr val="tx1"/>
+                </a:solidFill>
+                <a:miter lim="800000"/>
+                <a:headEnd/>
+                <a:tailEnd/>
+              </a14:hiddenLine>
+            </a:ext>
+          </a:extLst>
+        </p:spPr>
+      </p:pic>
+    </p:spTree>
+    <p:extLst>
+      <p:ext uri="{BB962C8B-B14F-4D97-AF65-F5344CB8AC3E}">
+        <p14:creationId xmlns:p14="http://schemas.microsoft.com/office/powerpoint/2010/main" val="2520185899"/>
+      </p:ext>
+    </p:extLst>
+  </p:cSld>
+  <p:clrMapOvr>
+    <a:masterClrMapping/>
+  </p:clrMapOvr>
+  <p:timing>
+    <p:tnLst>
+      <p:par>
+        <p:cTn id="1" dur="indefinite" restart="never" nodeType="tmRoot"/>
+      </p:par>
+    </p:tnLst>
+  </p:timing>
+</p:sld>
+</file>
+
+<file path=ppt/slides/slide23.xml><?xml version="1.0" encoding="utf-8"?>
 <p:sld xmlns:a="http://schemas.openxmlformats.org/drawingml/2006/main" xmlns:r="http://schemas.openxmlformats.org/officeDocument/2006/relationships" xmlns:p="http://schemas.openxmlformats.org/presentationml/2006/main">
   <p:cSld>
     <p:spTree>
@@ -6858,6 +10145,331 @@
         <p:spPr>
           <a:xfrm>
             <a:off x="0" y="396776"/>
+            <a:ext cx="6194286" cy="5909310"/>
+          </a:xfrm>
+          <a:prstGeom prst="rect">
+            <a:avLst/>
+          </a:prstGeom>
+        </p:spPr>
+        <p:txBody>
+          <a:bodyPr wrap="square">
+            <a:spAutoFit/>
+          </a:bodyPr>
+          <a:lstStyle/>
+          <a:p>
+            <a:pPr marL="285750" indent="-285750">
+              <a:lnSpc>
+                <a:spcPct val="150000"/>
+              </a:lnSpc>
+              <a:buFont typeface="Arial" panose="020B0604020202020204" pitchFamily="34" charset="0"/>
+              <a:buChar char="•"/>
+            </a:pPr>
+            <a:r>
+              <a:rPr lang="en-US" altLang="zh-CN" sz="2800" b="1" dirty="0" smtClean="0">
+                <a:ea typeface="Roboto Cn" pitchFamily="2" charset="0"/>
+                <a:cs typeface="Arial" panose="020B0604020202020204" pitchFamily="34" charset="0"/>
+              </a:rPr>
+              <a:t> Propofol :</a:t>
+            </a:r>
+          </a:p>
+          <a:p>
+            <a:pPr marL="742950" lvl="1" indent="-285750">
+              <a:lnSpc>
+                <a:spcPct val="150000"/>
+              </a:lnSpc>
+              <a:buFont typeface="Arial" panose="020B0604020202020204" pitchFamily="34" charset="0"/>
+              <a:buChar char="•"/>
+            </a:pPr>
+            <a:r>
+              <a:rPr lang="en-US" altLang="zh-CN" sz="2800" dirty="0"/>
+              <a:t>With increased </a:t>
+            </a:r>
+            <a:r>
+              <a:rPr lang="en-US" altLang="zh-CN" sz="2800" dirty="0" smtClean="0"/>
+              <a:t>dose:</a:t>
+            </a:r>
+          </a:p>
+          <a:p>
+            <a:pPr marL="1200150" lvl="2" indent="-285750">
+              <a:lnSpc>
+                <a:spcPct val="150000"/>
+              </a:lnSpc>
+              <a:buFont typeface="Arial" panose="020B0604020202020204" pitchFamily="34" charset="0"/>
+              <a:buChar char="•"/>
+            </a:pPr>
+            <a:r>
+              <a:rPr lang="en-US" altLang="zh-CN" sz="2800" dirty="0" smtClean="0"/>
+              <a:t>cortical </a:t>
+            </a:r>
+            <a:r>
+              <a:rPr lang="en-US" altLang="zh-CN" sz="2800" dirty="0"/>
+              <a:t>connectivity in the motor cortex and DMN decreases</a:t>
+            </a:r>
+            <a:r>
+              <a:rPr lang="en-US" altLang="zh-CN" sz="2800" dirty="0"/>
+              <a:t> </a:t>
+            </a:r>
+            <a:endParaRPr lang="en-US" altLang="zh-CN" sz="2800" dirty="0" smtClean="0"/>
+          </a:p>
+          <a:p>
+            <a:pPr marL="1200150" lvl="2" indent="-285750">
+              <a:lnSpc>
+                <a:spcPct val="150000"/>
+              </a:lnSpc>
+              <a:buFont typeface="Arial" panose="020B0604020202020204" pitchFamily="34" charset="0"/>
+              <a:buChar char="•"/>
+            </a:pPr>
+            <a:r>
+              <a:rPr lang="en-US" altLang="zh-CN" sz="2800" dirty="0"/>
+              <a:t>thalamic and hypothalamic </a:t>
+            </a:r>
+            <a:r>
+              <a:rPr lang="en-US" altLang="zh-CN" sz="2800" dirty="0" smtClean="0"/>
+              <a:t>connectivity </a:t>
+            </a:r>
+            <a:r>
+              <a:rPr lang="en-US" altLang="zh-CN" sz="2800" dirty="0"/>
+              <a:t>remains stable</a:t>
+            </a:r>
+            <a:r>
+              <a:rPr lang="en-US" altLang="zh-CN" sz="2800" dirty="0"/>
+              <a:t> </a:t>
+            </a:r>
+            <a:endParaRPr lang="en-US" altLang="zh-CN" sz="2800" dirty="0" smtClean="0"/>
+          </a:p>
+          <a:p>
+            <a:pPr marL="1200150" lvl="2" indent="-285750">
+              <a:lnSpc>
+                <a:spcPct val="150000"/>
+              </a:lnSpc>
+              <a:buFont typeface="Arial" panose="020B0604020202020204" pitchFamily="34" charset="0"/>
+              <a:buChar char="•"/>
+            </a:pPr>
+            <a:r>
+              <a:rPr lang="en-US" altLang="zh-CN" sz="2800" dirty="0"/>
+              <a:t>in some subcortical areas, </a:t>
+            </a:r>
+            <a:r>
+              <a:rPr lang="en-US" altLang="zh-CN" sz="2800" dirty="0" smtClean="0"/>
+              <a:t>connectivity </a:t>
+            </a:r>
+            <a:r>
+              <a:rPr lang="en-US" altLang="zh-CN" sz="2800" dirty="0"/>
+              <a:t>is reduced but rebounds at a higher </a:t>
+            </a:r>
+            <a:r>
+              <a:rPr lang="en-US" altLang="zh-CN" sz="2800" dirty="0" smtClean="0"/>
+              <a:t>dose</a:t>
+            </a:r>
+            <a:endParaRPr lang="en-US" altLang="zh-CN" sz="2800" dirty="0"/>
+          </a:p>
+        </p:txBody>
+      </p:sp>
+      <p:sp>
+        <p:nvSpPr>
+          <p:cNvPr id="5" name="Rectangle 96"/>
+          <p:cNvSpPr/>
+          <p:nvPr/>
+        </p:nvSpPr>
+        <p:spPr>
+          <a:xfrm>
+            <a:off x="6194286" y="396776"/>
+            <a:ext cx="5709348" cy="5262979"/>
+          </a:xfrm>
+          <a:prstGeom prst="rect">
+            <a:avLst/>
+          </a:prstGeom>
+        </p:spPr>
+        <p:txBody>
+          <a:bodyPr wrap="square">
+            <a:spAutoFit/>
+          </a:bodyPr>
+          <a:lstStyle/>
+          <a:p>
+            <a:pPr marL="742950" lvl="1" indent="-285750">
+              <a:lnSpc>
+                <a:spcPct val="150000"/>
+              </a:lnSpc>
+              <a:buFont typeface="Arial" panose="020B0604020202020204" pitchFamily="34" charset="0"/>
+              <a:buChar char="•"/>
+            </a:pPr>
+            <a:r>
+              <a:rPr lang="en-US" altLang="zh-CN" sz="2800" dirty="0"/>
+              <a:t>Similar to isoflurane and </a:t>
+            </a:r>
+            <a:r>
+              <a:rPr lang="el-GR" altLang="zh-CN" sz="2800" dirty="0"/>
+              <a:t>α-</a:t>
+            </a:r>
+            <a:r>
+              <a:rPr lang="en-US" altLang="zh-CN" sz="2800" dirty="0"/>
+              <a:t>chloralose</a:t>
+            </a:r>
+            <a:r>
+              <a:rPr lang="en-US" altLang="zh-CN" sz="2800" dirty="0"/>
+              <a:t> </a:t>
+            </a:r>
+            <a:r>
+              <a:rPr lang="en-US" altLang="zh-CN" sz="2800" dirty="0" smtClean="0"/>
+              <a:t>:</a:t>
+            </a:r>
+            <a:r>
+              <a:rPr lang="en-US" altLang="zh-CN" sz="2800" dirty="0"/>
+              <a:t> </a:t>
+            </a:r>
+            <a:r>
+              <a:rPr lang="en-US" altLang="zh-CN" sz="2800" dirty="0" smtClean="0"/>
+              <a:t>,the </a:t>
+            </a:r>
+            <a:r>
+              <a:rPr lang="en-US" altLang="zh-CN" sz="2800" dirty="0"/>
+              <a:t>thalamic connectivity is </a:t>
+            </a:r>
+            <a:r>
+              <a:rPr lang="en-US" altLang="zh-CN" sz="2800" dirty="0" smtClean="0"/>
+              <a:t>weak even </a:t>
+            </a:r>
+            <a:r>
+              <a:rPr lang="en-US" altLang="zh-CN" sz="2800" dirty="0"/>
+              <a:t>at very low doses</a:t>
+            </a:r>
+            <a:r>
+              <a:rPr lang="en-US" altLang="zh-CN" sz="2800" dirty="0"/>
+              <a:t> </a:t>
+            </a:r>
+            <a:endParaRPr lang="en-US" altLang="zh-CN" sz="2800" dirty="0" smtClean="0"/>
+          </a:p>
+          <a:p>
+            <a:pPr marL="742950" lvl="1" indent="-285750">
+              <a:lnSpc>
+                <a:spcPct val="150000"/>
+              </a:lnSpc>
+              <a:buFont typeface="Arial" panose="020B0604020202020204" pitchFamily="34" charset="0"/>
+              <a:buChar char="•"/>
+            </a:pPr>
+            <a:r>
+              <a:rPr lang="en-US" altLang="zh-CN" sz="2800" dirty="0"/>
+              <a:t>Greater anti-correlation</a:t>
+            </a:r>
+            <a:r>
+              <a:rPr lang="en-US" altLang="zh-CN" sz="2800" dirty="0"/>
+              <a:t> </a:t>
+            </a:r>
+            <a:br>
+              <a:rPr lang="en-US" altLang="zh-CN" sz="2800" dirty="0"/>
+            </a:br>
+            <a:r>
+              <a:rPr lang="en-US" altLang="zh-CN" sz="2800" dirty="0"/>
+              <a:t/>
+            </a:r>
+            <a:br>
+              <a:rPr lang="en-US" altLang="zh-CN" sz="2800" dirty="0"/>
+            </a:br>
+            <a:r>
+              <a:rPr lang="en-US" altLang="zh-CN" sz="2800" dirty="0"/>
+              <a:t/>
+            </a:r>
+            <a:br>
+              <a:rPr lang="en-US" altLang="zh-CN" sz="2800" dirty="0"/>
+            </a:br>
+            <a:endParaRPr lang="en-US" altLang="zh-CN" sz="2800" dirty="0" smtClean="0"/>
+          </a:p>
+        </p:txBody>
+      </p:sp>
+    </p:spTree>
+    <p:extLst>
+      <p:ext uri="{BB962C8B-B14F-4D97-AF65-F5344CB8AC3E}">
+        <p14:creationId xmlns:p14="http://schemas.microsoft.com/office/powerpoint/2010/main" val="562276642"/>
+      </p:ext>
+    </p:extLst>
+  </p:cSld>
+  <p:clrMapOvr>
+    <a:masterClrMapping/>
+  </p:clrMapOvr>
+  <p:timing>
+    <p:tnLst>
+      <p:par>
+        <p:cTn id="1" dur="indefinite" restart="never" nodeType="tmRoot"/>
+      </p:par>
+    </p:tnLst>
+  </p:timing>
+</p:sld>
+</file>
+
+<file path=ppt/slides/slide24.xml><?xml version="1.0" encoding="utf-8"?>
+<p:sld xmlns:a="http://schemas.openxmlformats.org/drawingml/2006/main" xmlns:r="http://schemas.openxmlformats.org/officeDocument/2006/relationships" xmlns:p="http://schemas.openxmlformats.org/presentationml/2006/main">
+  <p:cSld>
+    <p:spTree>
+      <p:nvGrpSpPr>
+        <p:cNvPr id="1" name=""/>
+        <p:cNvGrpSpPr/>
+        <p:nvPr/>
+      </p:nvGrpSpPr>
+      <p:grpSpPr>
+        <a:xfrm>
+          <a:off x="0" y="0"/>
+          <a:ext cx="0" cy="0"/>
+          <a:chOff x="0" y="0"/>
+          <a:chExt cx="0" cy="0"/>
+        </a:xfrm>
+      </p:grpSpPr>
+      <p:sp>
+        <p:nvSpPr>
+          <p:cNvPr id="29" name="矩形 28"/>
+          <p:cNvSpPr/>
+          <p:nvPr/>
+        </p:nvSpPr>
+        <p:spPr>
+          <a:xfrm>
+            <a:off x="5918899" y="0"/>
+            <a:ext cx="6260123" cy="6858000"/>
+          </a:xfrm>
+          <a:prstGeom prst="rect">
+            <a:avLst/>
+          </a:prstGeom>
+          <a:solidFill>
+            <a:schemeClr val="bg1">
+              <a:lumMod val="95000"/>
+            </a:schemeClr>
+          </a:solidFill>
+          <a:ln>
+            <a:noFill/>
+          </a:ln>
+        </p:spPr>
+        <p:style>
+          <a:lnRef idx="2">
+            <a:schemeClr val="accent1">
+              <a:shade val="50000"/>
+            </a:schemeClr>
+          </a:lnRef>
+          <a:fillRef idx="1">
+            <a:schemeClr val="accent1"/>
+          </a:fillRef>
+          <a:effectRef idx="0">
+            <a:schemeClr val="accent1"/>
+          </a:effectRef>
+          <a:fontRef idx="minor">
+            <a:schemeClr val="lt1"/>
+          </a:fontRef>
+        </p:style>
+        <p:txBody>
+          <a:bodyPr rtlCol="0" anchor="ctr"/>
+          <a:lstStyle/>
+          <a:p>
+            <a:pPr algn="ctr"/>
+            <a:endParaRPr lang="zh-CN" altLang="en-US" dirty="0"/>
+          </a:p>
+        </p:txBody>
+      </p:sp>
+      <p:sp>
+        <p:nvSpPr>
+          <p:cNvPr id="31" name="Rectangle 96"/>
+          <p:cNvSpPr/>
+          <p:nvPr/>
+        </p:nvSpPr>
+        <p:spPr>
+          <a:xfrm>
+            <a:off x="0" y="396776"/>
             <a:ext cx="5918899" cy="5262979"/>
           </a:xfrm>
           <a:prstGeom prst="rect">
@@ -7186,7 +10798,7 @@
 </p:sld>
 </file>
 
-<file path=ppt/slides/slide17.xml><?xml version="1.0" encoding="utf-8"?>
+<file path=ppt/slides/slide25.xml><?xml version="1.0" encoding="utf-8"?>
 <p:sld xmlns:a="http://schemas.openxmlformats.org/drawingml/2006/main" xmlns:r="http://schemas.openxmlformats.org/officeDocument/2006/relationships" xmlns:p="http://schemas.openxmlformats.org/presentationml/2006/main">
   <p:cSld>
     <p:spTree>
@@ -7491,7 +11103,7 @@
 </p:sld>
 </file>
 
-<file path=ppt/slides/slide18.xml><?xml version="1.0" encoding="utf-8"?>
+<file path=ppt/slides/slide26.xml><?xml version="1.0" encoding="utf-8"?>
 <p:sld xmlns:a="http://schemas.openxmlformats.org/drawingml/2006/main" xmlns:r="http://schemas.openxmlformats.org/officeDocument/2006/relationships" xmlns:p="http://schemas.openxmlformats.org/presentationml/2006/main">
   <p:cSld>
     <p:spTree>
@@ -7510,7 +11122,134 @@
       </p:grpSpPr>
       <p:sp>
         <p:nvSpPr>
-          <p:cNvPr id="5" name="文本框 4"/>
+          <p:cNvPr id="3" name="文本框 2"/>
+          <p:cNvSpPr txBox="1"/>
+          <p:nvPr/>
+        </p:nvSpPr>
+        <p:spPr>
+          <a:xfrm>
+            <a:off x="2618510" y="2333008"/>
+            <a:ext cx="6964407" cy="1261884"/>
+          </a:xfrm>
+          <a:prstGeom prst="rect">
+            <a:avLst/>
+          </a:prstGeom>
+          <a:noFill/>
+        </p:spPr>
+        <p:txBody>
+          <a:bodyPr wrap="none" rtlCol="0">
+            <a:spAutoFit/>
+          </a:bodyPr>
+          <a:lstStyle/>
+          <a:p>
+            <a:pPr algn="ctr"/>
+            <a:r>
+              <a:rPr lang="en-US" altLang="zh-CN" sz="3800" b="1" dirty="0" smtClean="0">
+                <a:solidFill>
+                  <a:srgbClr val="00ABB4"/>
+                </a:solidFill>
+                <a:effectLst>
+                  <a:outerShdw blurRad="38100" dist="38100" dir="2700000" algn="tl">
+                    <a:srgbClr val="000000">
+                      <a:alpha val="43137"/>
+                    </a:srgbClr>
+                  </a:outerShdw>
+                </a:effectLst>
+                <a:latin typeface="微软雅黑" panose="020B0503020204020204" pitchFamily="34" charset="-122"/>
+                <a:ea typeface="微软雅黑" panose="020B0503020204020204" pitchFamily="34" charset="-122"/>
+              </a:rPr>
+              <a:t>Thank you all for listening~</a:t>
+            </a:r>
+            <a:r>
+              <a:rPr lang="en-US" altLang="zh-CN" sz="3800" b="1" dirty="0">
+                <a:solidFill>
+                  <a:srgbClr val="00ABB4"/>
+                </a:solidFill>
+                <a:effectLst>
+                  <a:outerShdw blurRad="38100" dist="38100" dir="2700000" algn="tl">
+                    <a:srgbClr val="000000">
+                      <a:alpha val="43137"/>
+                    </a:srgbClr>
+                  </a:outerShdw>
+                </a:effectLst>
+                <a:latin typeface="微软雅黑" panose="020B0503020204020204" pitchFamily="34" charset="-122"/>
+                <a:ea typeface="微软雅黑" panose="020B0503020204020204" pitchFamily="34" charset="-122"/>
+              </a:rPr>
+              <a:t/>
+            </a:r>
+            <a:br>
+              <a:rPr lang="en-US" altLang="zh-CN" sz="3800" b="1" dirty="0">
+                <a:solidFill>
+                  <a:srgbClr val="00ABB4"/>
+                </a:solidFill>
+                <a:effectLst>
+                  <a:outerShdw blurRad="38100" dist="38100" dir="2700000" algn="tl">
+                    <a:srgbClr val="000000">
+                      <a:alpha val="43137"/>
+                    </a:srgbClr>
+                  </a:outerShdw>
+                </a:effectLst>
+                <a:latin typeface="微软雅黑" panose="020B0503020204020204" pitchFamily="34" charset="-122"/>
+                <a:ea typeface="微软雅黑" panose="020B0503020204020204" pitchFamily="34" charset="-122"/>
+              </a:rPr>
+            </a:br>
+            <a:endParaRPr lang="en-US" altLang="zh-CN" sz="3800" b="1" dirty="0">
+              <a:solidFill>
+                <a:srgbClr val="00ABB4"/>
+              </a:solidFill>
+              <a:effectLst>
+                <a:outerShdw blurRad="38100" dist="38100" dir="2700000" algn="tl">
+                  <a:srgbClr val="000000">
+                    <a:alpha val="43137"/>
+                  </a:srgbClr>
+                </a:outerShdw>
+              </a:effectLst>
+              <a:latin typeface="微软雅黑" panose="020B0503020204020204" pitchFamily="34" charset="-122"/>
+              <a:ea typeface="微软雅黑" panose="020B0503020204020204" pitchFamily="34" charset="-122"/>
+            </a:endParaRPr>
+          </a:p>
+        </p:txBody>
+      </p:sp>
+    </p:spTree>
+    <p:extLst>
+      <p:ext uri="{BB962C8B-B14F-4D97-AF65-F5344CB8AC3E}">
+        <p14:creationId xmlns:p14="http://schemas.microsoft.com/office/powerpoint/2010/main" val="3711594375"/>
+      </p:ext>
+    </p:extLst>
+  </p:cSld>
+  <p:clrMapOvr>
+    <a:masterClrMapping/>
+  </p:clrMapOvr>
+  <p:timing>
+    <p:tnLst>
+      <p:par>
+        <p:cTn id="1" dur="indefinite" restart="never" nodeType="tmRoot"/>
+      </p:par>
+    </p:tnLst>
+  </p:timing>
+</p:sld>
+</file>
+
+<file path=ppt/slides/slide27.xml><?xml version="1.0" encoding="utf-8"?>
+<p:sld xmlns:a="http://schemas.openxmlformats.org/drawingml/2006/main" xmlns:r="http://schemas.openxmlformats.org/officeDocument/2006/relationships" xmlns:p="http://schemas.openxmlformats.org/presentationml/2006/main">
+  <p:cSld>
+    <p:spTree>
+      <p:nvGrpSpPr>
+        <p:cNvPr id="1" name=""/>
+        <p:cNvGrpSpPr/>
+        <p:nvPr/>
+      </p:nvGrpSpPr>
+      <p:grpSpPr>
+        <a:xfrm>
+          <a:off x="0" y="0"/>
+          <a:ext cx="0" cy="0"/>
+          <a:chOff x="0" y="0"/>
+          <a:chExt cx="0" cy="0"/>
+        </a:xfrm>
+      </p:grpSpPr>
+      <p:sp>
+        <p:nvSpPr>
+          <p:cNvPr id="9" name="文本框 8"/>
           <p:cNvSpPr txBox="1"/>
           <p:nvPr/>
         </p:nvSpPr>
@@ -7531,7 +11270,7 @@
           <a:lstStyle/>
           <a:p>
             <a:r>
-              <a:rPr lang="en-US" altLang="zh-CN" sz="9600" b="1" dirty="0" smtClean="0">
+              <a:rPr lang="en-US" altLang="zh-CN" sz="9600" b="1" dirty="0">
                 <a:solidFill>
                   <a:schemeClr val="accent2">
                     <a:lumMod val="75000"/>
@@ -7540,7 +11279,7 @@
                 <a:latin typeface="微软雅黑" panose="020B0503020204020204" pitchFamily="34" charset="-122"/>
                 <a:ea typeface="微软雅黑" panose="020B0503020204020204" pitchFamily="34" charset="-122"/>
               </a:rPr>
-              <a:t>02</a:t>
+              <a:t>01</a:t>
             </a:r>
             <a:endParaRPr lang="zh-CN" altLang="en-US" sz="9600" b="1" dirty="0">
               <a:solidFill>
@@ -7556,14 +11295,14 @@
       </p:sp>
       <p:sp>
         <p:nvSpPr>
-          <p:cNvPr id="6" name="文本框 5"/>
+          <p:cNvPr id="10" name="文本框 9"/>
           <p:cNvSpPr txBox="1"/>
           <p:nvPr/>
         </p:nvSpPr>
         <p:spPr>
           <a:xfrm>
             <a:off x="5445728" y="3422822"/>
-            <a:ext cx="4532716" cy="769441"/>
+            <a:ext cx="3558988" cy="769441"/>
           </a:xfrm>
           <a:prstGeom prst="rect">
             <a:avLst/>
@@ -7584,9 +11323,9 @@
                 <a:latin typeface="微软雅黑" panose="020B0503020204020204" pitchFamily="34" charset="-122"/>
                 <a:ea typeface="微软雅黑" panose="020B0503020204020204" pitchFamily="34" charset="-122"/>
               </a:rPr>
-              <a:t>Neural systems</a:t>
-            </a:r>
-            <a:endParaRPr lang="zh-CN" altLang="en-US" sz="4400" b="1" dirty="0">
+              <a:t>Anesthesias</a:t>
+            </a:r>
+            <a:endParaRPr lang="en-US" altLang="zh-CN" sz="4400" b="1" dirty="0" smtClean="0">
               <a:solidFill>
                 <a:srgbClr val="00ABB4"/>
               </a:solidFill>
@@ -7598,14 +11337,14 @@
       </p:sp>
       <p:sp>
         <p:nvSpPr>
-          <p:cNvPr id="7" name="文本框 6"/>
+          <p:cNvPr id="11" name="文本框 10"/>
           <p:cNvSpPr txBox="1"/>
           <p:nvPr/>
         </p:nvSpPr>
         <p:spPr>
           <a:xfrm>
             <a:off x="5445728" y="3003482"/>
-            <a:ext cx="1610184" cy="461665"/>
+            <a:ext cx="1534972" cy="461665"/>
           </a:xfrm>
           <a:prstGeom prst="rect">
             <a:avLst/>
@@ -7640,7 +11379,7 @@
                 <a:latin typeface="微软雅黑" panose="020B0503020204020204" pitchFamily="34" charset="-122"/>
                 <a:ea typeface="微软雅黑" panose="020B0503020204020204" pitchFamily="34" charset="-122"/>
               </a:rPr>
-              <a:t>TWO</a:t>
+              <a:t>ONE</a:t>
             </a:r>
             <a:endParaRPr lang="zh-CN" altLang="en-US" sz="2400" dirty="0">
               <a:solidFill>
@@ -7656,124 +11395,7 @@
       </p:sp>
       <p:sp>
         <p:nvSpPr>
-          <p:cNvPr id="8" name="文本框 7"/>
-          <p:cNvSpPr txBox="1"/>
-          <p:nvPr/>
-        </p:nvSpPr>
-        <p:spPr>
-          <a:xfrm>
-            <a:off x="5240432" y="4142388"/>
-            <a:ext cx="6894418" cy="1200329"/>
-          </a:xfrm>
-          <a:prstGeom prst="rect">
-            <a:avLst/>
-          </a:prstGeom>
-          <a:noFill/>
-        </p:spPr>
-        <p:txBody>
-          <a:bodyPr wrap="square" rtlCol="0">
-            <a:spAutoFit/>
-          </a:bodyPr>
-          <a:lstStyle/>
-          <a:p>
-            <a:pPr marL="285750" indent="-285750">
-              <a:buFont typeface="Arial" panose="020B0604020202020204" pitchFamily="34" charset="0"/>
-              <a:buChar char="•"/>
-            </a:pPr>
-            <a:r>
-              <a:rPr lang="en-US" altLang="zh-CN" dirty="0" smtClean="0">
-                <a:solidFill>
-                  <a:schemeClr val="accent2"/>
-                </a:solidFill>
-                <a:ea typeface="Roboto Cn" pitchFamily="2" charset="0"/>
-                <a:cs typeface="Arial" panose="020B0604020202020204" pitchFamily="34" charset="0"/>
-              </a:rPr>
-              <a:t>Identify brain regions  scopolamine induce   intensity changes</a:t>
-            </a:r>
-            <a:endParaRPr lang="en-US" altLang="zh-CN" dirty="0">
-              <a:solidFill>
-                <a:schemeClr val="accent2"/>
-              </a:solidFill>
-              <a:ea typeface="Roboto Cn" pitchFamily="2" charset="0"/>
-              <a:cs typeface="Arial" panose="020B0604020202020204" pitchFamily="34" charset="0"/>
-            </a:endParaRPr>
-          </a:p>
-          <a:p>
-            <a:pPr marL="285750" indent="-285750">
-              <a:buFont typeface="Arial" panose="020B0604020202020204" pitchFamily="34" charset="0"/>
-              <a:buChar char="•"/>
-            </a:pPr>
-            <a:r>
-              <a:rPr lang="en-US" altLang="zh-CN" dirty="0" smtClean="0">
-                <a:solidFill>
-                  <a:schemeClr val="bg1">
-                    <a:lumMod val="50000"/>
-                  </a:schemeClr>
-                </a:solidFill>
-                <a:ea typeface="Roboto Cn" pitchFamily="2" charset="0"/>
-                <a:cs typeface="Arial" panose="020B0604020202020204" pitchFamily="34" charset="0"/>
-              </a:rPr>
-              <a:t>Evaluate the effects of scopolamine on FC </a:t>
-            </a:r>
-            <a:endParaRPr lang="en-US" altLang="zh-CN" dirty="0">
-              <a:solidFill>
-                <a:schemeClr val="bg1">
-                  <a:lumMod val="50000"/>
-                </a:schemeClr>
-              </a:solidFill>
-              <a:ea typeface="Roboto Cn" pitchFamily="2" charset="0"/>
-              <a:cs typeface="Arial" panose="020B0604020202020204" pitchFamily="34" charset="0"/>
-            </a:endParaRPr>
-          </a:p>
-          <a:p>
-            <a:pPr marL="285750" indent="-285750">
-              <a:buFont typeface="Arial" panose="020B0604020202020204" pitchFamily="34" charset="0"/>
-              <a:buChar char="•"/>
-            </a:pPr>
-            <a:r>
-              <a:rPr lang="en-US" altLang="zh-CN" dirty="0" smtClean="0">
-                <a:solidFill>
-                  <a:schemeClr val="bg1">
-                    <a:lumMod val="50000"/>
-                  </a:schemeClr>
-                </a:solidFill>
-                <a:ea typeface="Roboto Cn" pitchFamily="2" charset="0"/>
-                <a:cs typeface="Arial" panose="020B0604020202020204" pitchFamily="34" charset="0"/>
-              </a:rPr>
-              <a:t>Whether scopolamine-induced memory effect could be </a:t>
-            </a:r>
-          </a:p>
-          <a:p>
-            <a:r>
-              <a:rPr lang="en-US" altLang="zh-CN" dirty="0">
-                <a:solidFill>
-                  <a:schemeClr val="bg1">
-                    <a:lumMod val="50000"/>
-                  </a:schemeClr>
-                </a:solidFill>
-                <a:ea typeface="Roboto Cn" pitchFamily="2" charset="0"/>
-                <a:cs typeface="Arial" panose="020B0604020202020204" pitchFamily="34" charset="0"/>
-              </a:rPr>
-              <a:t> </a:t>
-            </a:r>
-            <a:r>
-              <a:rPr lang="en-US" altLang="zh-CN" dirty="0" smtClean="0">
-                <a:solidFill>
-                  <a:schemeClr val="bg1">
-                    <a:lumMod val="50000"/>
-                  </a:schemeClr>
-                </a:solidFill>
-                <a:ea typeface="Roboto Cn" pitchFamily="2" charset="0"/>
-                <a:cs typeface="Arial" panose="020B0604020202020204" pitchFamily="34" charset="0"/>
-              </a:rPr>
-              <a:t>     reversed with milameline</a:t>
-            </a:r>
-          </a:p>
-        </p:txBody>
-      </p:sp>
-      <p:sp>
-        <p:nvSpPr>
-          <p:cNvPr id="3" name="矩形 2"/>
+          <p:cNvPr id="13" name="矩形 12"/>
           <p:cNvSpPr/>
           <p:nvPr/>
         </p:nvSpPr>
@@ -7813,14 +11435,121 @@
           <a:lstStyle/>
           <a:p>
             <a:pPr algn="ctr"/>
-            <a:endParaRPr lang="zh-CN" altLang="en-US"/>
+            <a:endParaRPr lang="zh-CN" altLang="en-US" dirty="0"/>
+          </a:p>
+        </p:txBody>
+      </p:sp>
+      <p:sp>
+        <p:nvSpPr>
+          <p:cNvPr id="6" name="文本框 11"/>
+          <p:cNvSpPr txBox="1"/>
+          <p:nvPr/>
+        </p:nvSpPr>
+        <p:spPr>
+          <a:xfrm>
+            <a:off x="5445727" y="4192263"/>
+            <a:ext cx="5061560" cy="1200329"/>
+          </a:xfrm>
+          <a:prstGeom prst="rect">
+            <a:avLst/>
+          </a:prstGeom>
+          <a:noFill/>
+        </p:spPr>
+        <p:txBody>
+          <a:bodyPr wrap="square" rtlCol="0">
+            <a:spAutoFit/>
+          </a:bodyPr>
+          <a:lstStyle/>
+          <a:p>
+            <a:pPr marL="285750" indent="-285750">
+              <a:buFont typeface="Arial" panose="020B0604020202020204" pitchFamily="34" charset="0"/>
+              <a:buChar char="•"/>
+            </a:pPr>
+            <a:r>
+              <a:rPr lang="el-GR" altLang="zh-CN" dirty="0" smtClean="0">
+                <a:solidFill>
+                  <a:schemeClr val="bg1">
+                    <a:lumMod val="50000"/>
+                  </a:schemeClr>
+                </a:solidFill>
+                <a:ea typeface="Roboto Cn" pitchFamily="2" charset="0"/>
+                <a:cs typeface="Arial" panose="020B0604020202020204" pitchFamily="34" charset="0"/>
+              </a:rPr>
+              <a:t>α-</a:t>
+            </a:r>
+            <a:r>
+              <a:rPr lang="en-US" altLang="zh-CN" dirty="0" smtClean="0">
+                <a:solidFill>
+                  <a:schemeClr val="bg1">
+                    <a:lumMod val="50000"/>
+                  </a:schemeClr>
+                </a:solidFill>
+                <a:ea typeface="Roboto Cn" pitchFamily="2" charset="0"/>
+                <a:cs typeface="Arial" panose="020B0604020202020204" pitchFamily="34" charset="0"/>
+              </a:rPr>
+              <a:t>chloralose </a:t>
+            </a:r>
+          </a:p>
+          <a:p>
+            <a:pPr marL="285750" indent="-285750">
+              <a:buFont typeface="Arial" panose="020B0604020202020204" pitchFamily="34" charset="0"/>
+              <a:buChar char="•"/>
+            </a:pPr>
+            <a:r>
+              <a:rPr lang="en-US" altLang="zh-CN" dirty="0" smtClean="0">
+                <a:solidFill>
+                  <a:schemeClr val="bg1">
+                    <a:lumMod val="50000"/>
+                  </a:schemeClr>
+                </a:solidFill>
+                <a:ea typeface="Roboto Cn" pitchFamily="2" charset="0"/>
+                <a:cs typeface="Arial" panose="020B0604020202020204" pitchFamily="34" charset="0"/>
+              </a:rPr>
+              <a:t>Isoflurane  &amp; Medetomidine/dexmedetomidine </a:t>
+            </a:r>
+          </a:p>
+          <a:p>
+            <a:pPr marL="285750" indent="-285750">
+              <a:buFont typeface="Arial" panose="020B0604020202020204" pitchFamily="34" charset="0"/>
+              <a:buChar char="•"/>
+            </a:pPr>
+            <a:r>
+              <a:rPr lang="en-US" altLang="zh-CN" dirty="0">
+                <a:solidFill>
+                  <a:schemeClr val="bg1">
+                    <a:lumMod val="50000"/>
+                  </a:schemeClr>
+                </a:solidFill>
+                <a:ea typeface="Roboto Cn" pitchFamily="2" charset="0"/>
+                <a:cs typeface="Arial" panose="020B0604020202020204" pitchFamily="34" charset="0"/>
+              </a:rPr>
+              <a:t>Propofol </a:t>
+            </a:r>
+          </a:p>
+          <a:p>
+            <a:pPr marL="285750" indent="-285750">
+              <a:buFont typeface="Arial" panose="020B0604020202020204" pitchFamily="34" charset="0"/>
+              <a:buChar char="•"/>
+            </a:pPr>
+            <a:r>
+              <a:rPr lang="en-US" altLang="zh-CN" dirty="0">
+                <a:solidFill>
+                  <a:schemeClr val="bg1">
+                    <a:lumMod val="50000"/>
+                  </a:schemeClr>
+                </a:solidFill>
+                <a:ea typeface="Roboto Cn" pitchFamily="2" charset="0"/>
+                <a:cs typeface="Arial" panose="020B0604020202020204" pitchFamily="34" charset="0"/>
+              </a:rPr>
+              <a:t>Urethane </a:t>
+            </a:r>
           </a:p>
         </p:txBody>
       </p:sp>
     </p:spTree>
     <p:extLst>
       <p:ext uri="{BB962C8B-B14F-4D97-AF65-F5344CB8AC3E}">
-        <p14:creationId xmlns:p14="http://schemas.microsoft.com/office/powerpoint/2010/main" val="80250234"/>
+        <p14:creationId xmlns:p14="http://schemas.microsoft.com/office/powerpoint/2010/main" val="2523732884"/>
       </p:ext>
     </p:extLst>
   </p:cSld>
@@ -7837,7 +11566,7 @@
 </p:sld>
 </file>
 
-<file path=ppt/slides/slide19.xml><?xml version="1.0" encoding="utf-8"?>
+<file path=ppt/slides/slide28.xml><?xml version="1.0" encoding="utf-8"?>
 <p:sld xmlns:a="http://schemas.openxmlformats.org/drawingml/2006/main" xmlns:r="http://schemas.openxmlformats.org/officeDocument/2006/relationships" xmlns:p="http://schemas.openxmlformats.org/presentationml/2006/main">
   <p:cSld>
     <p:spTree>
@@ -7856,639 +11585,7 @@
       </p:grpSpPr>
       <p:sp>
         <p:nvSpPr>
-          <p:cNvPr id="12" name="矩形 11"/>
-          <p:cNvSpPr/>
-          <p:nvPr/>
-        </p:nvSpPr>
-        <p:spPr>
-          <a:xfrm>
-            <a:off x="10588867" y="2977768"/>
-            <a:ext cx="1603132" cy="1767254"/>
-          </a:xfrm>
-          <a:prstGeom prst="rect">
-            <a:avLst/>
-          </a:prstGeom>
-          <a:solidFill>
-            <a:srgbClr val="00ABB4">
-              <a:alpha val="81000"/>
-            </a:srgbClr>
-          </a:solidFill>
-          <a:ln>
-            <a:noFill/>
-          </a:ln>
-        </p:spPr>
-        <p:style>
-          <a:lnRef idx="2">
-            <a:schemeClr val="accent1">
-              <a:shade val="50000"/>
-            </a:schemeClr>
-          </a:lnRef>
-          <a:fillRef idx="1">
-            <a:schemeClr val="accent1"/>
-          </a:fillRef>
-          <a:effectRef idx="0">
-            <a:schemeClr val="accent1"/>
-          </a:effectRef>
-          <a:fontRef idx="minor">
-            <a:schemeClr val="lt1"/>
-          </a:fontRef>
-        </p:style>
-        <p:txBody>
-          <a:bodyPr rtlCol="0" anchor="ctr"/>
-          <a:lstStyle/>
-          <a:p>
-            <a:pPr algn="ctr"/>
-            <a:endParaRPr lang="zh-CN" altLang="en-US"/>
-          </a:p>
-        </p:txBody>
-      </p:sp>
-      <p:sp>
-        <p:nvSpPr>
-          <p:cNvPr id="10" name="矩形 9"/>
-          <p:cNvSpPr/>
-          <p:nvPr/>
-        </p:nvSpPr>
-        <p:spPr>
-          <a:xfrm>
-            <a:off x="7690152" y="4765431"/>
-            <a:ext cx="3141784" cy="1767254"/>
-          </a:xfrm>
-          <a:prstGeom prst="rect">
-            <a:avLst/>
-          </a:prstGeom>
-          <a:solidFill>
-            <a:srgbClr val="00ABB4">
-              <a:alpha val="81000"/>
-            </a:srgbClr>
-          </a:solidFill>
-          <a:ln>
-            <a:noFill/>
-          </a:ln>
-        </p:spPr>
-        <p:style>
-          <a:lnRef idx="2">
-            <a:schemeClr val="accent1">
-              <a:shade val="50000"/>
-            </a:schemeClr>
-          </a:lnRef>
-          <a:fillRef idx="1">
-            <a:schemeClr val="accent1"/>
-          </a:fillRef>
-          <a:effectRef idx="0">
-            <a:schemeClr val="accent1"/>
-          </a:effectRef>
-          <a:fontRef idx="minor">
-            <a:schemeClr val="lt1"/>
-          </a:fontRef>
-        </p:style>
-        <p:txBody>
-          <a:bodyPr rtlCol="0" anchor="ctr"/>
-          <a:lstStyle/>
-          <a:p>
-            <a:pPr algn="ctr"/>
-            <a:endParaRPr lang="zh-CN" altLang="en-US"/>
-          </a:p>
-        </p:txBody>
-      </p:sp>
-      <p:sp>
-        <p:nvSpPr>
-          <p:cNvPr id="3" name="矩形 2"/>
-          <p:cNvSpPr/>
-          <p:nvPr/>
-        </p:nvSpPr>
-        <p:spPr>
-          <a:xfrm>
-            <a:off x="3141784" y="1767254"/>
-            <a:ext cx="4305299" cy="2998177"/>
-          </a:xfrm>
-          <a:prstGeom prst="rect">
-            <a:avLst/>
-          </a:prstGeom>
-          <a:solidFill>
-            <a:srgbClr val="00ABB4">
-              <a:alpha val="81000"/>
-            </a:srgbClr>
-          </a:solidFill>
-          <a:ln>
-            <a:noFill/>
-          </a:ln>
-        </p:spPr>
-        <p:style>
-          <a:lnRef idx="2">
-            <a:schemeClr val="accent1">
-              <a:shade val="50000"/>
-            </a:schemeClr>
-          </a:lnRef>
-          <a:fillRef idx="1">
-            <a:schemeClr val="accent1"/>
-          </a:fillRef>
-          <a:effectRef idx="0">
-            <a:schemeClr val="accent1"/>
-          </a:effectRef>
-          <a:fontRef idx="minor">
-            <a:schemeClr val="lt1"/>
-          </a:fontRef>
-        </p:style>
-        <p:txBody>
-          <a:bodyPr rtlCol="0" anchor="ctr"/>
-          <a:lstStyle/>
-          <a:p>
-            <a:pPr algn="ctr"/>
-            <a:endParaRPr lang="zh-CN" altLang="en-US"/>
-          </a:p>
-        </p:txBody>
-      </p:sp>
-      <p:pic>
-        <p:nvPicPr>
-          <p:cNvPr id="7" name="图片 6"/>
-          <p:cNvPicPr>
-            <a:picLocks noChangeAspect="1"/>
-          </p:cNvPicPr>
-          <p:nvPr/>
-        </p:nvPicPr>
-        <p:blipFill>
-          <a:blip r:embed="rId3" cstate="print">
-            <a:extLst>
-              <a:ext uri="{28A0092B-C50C-407E-A947-70E740481C1C}">
-                <a14:useLocalDpi xmlns:a14="http://schemas.microsoft.com/office/drawing/2010/main" val="0"/>
-              </a:ext>
-            </a:extLst>
-          </a:blip>
-          <a:stretch>
-            <a:fillRect/>
-          </a:stretch>
-        </p:blipFill>
-        <p:spPr>
-          <a:xfrm>
-            <a:off x="3351089" y="2355189"/>
-            <a:ext cx="8678125" cy="3439009"/>
-          </a:xfrm>
-          <a:prstGeom prst="rect">
-            <a:avLst/>
-          </a:prstGeom>
-        </p:spPr>
-      </p:pic>
-      <p:sp>
-        <p:nvSpPr>
-          <p:cNvPr id="4" name="文本框 3"/>
-          <p:cNvSpPr txBox="1"/>
-          <p:nvPr/>
-        </p:nvSpPr>
-        <p:spPr>
-          <a:xfrm>
-            <a:off x="34315" y="465036"/>
-            <a:ext cx="3589053" cy="646331"/>
-          </a:xfrm>
-          <a:prstGeom prst="rect">
-            <a:avLst/>
-          </a:prstGeom>
-          <a:noFill/>
-        </p:spPr>
-        <p:txBody>
-          <a:bodyPr wrap="square" rtlCol="0">
-            <a:spAutoFit/>
-          </a:bodyPr>
-          <a:lstStyle/>
-          <a:p>
-            <a:r>
-              <a:rPr lang="en-US" altLang="zh-CN" sz="3600" b="1" dirty="0" smtClean="0">
-                <a:latin typeface="微软雅黑" panose="020B0503020204020204" pitchFamily="34" charset="-122"/>
-                <a:ea typeface="微软雅黑" panose="020B0503020204020204" pitchFamily="34" charset="-122"/>
-              </a:rPr>
-              <a:t>  Paired-t test</a:t>
-            </a:r>
-          </a:p>
-        </p:txBody>
-      </p:sp>
-      <p:sp>
-        <p:nvSpPr>
           <p:cNvPr id="5" name="文本框 4"/>
-          <p:cNvSpPr txBox="1"/>
-          <p:nvPr/>
-        </p:nvSpPr>
-        <p:spPr>
-          <a:xfrm>
-            <a:off x="7812334" y="5882629"/>
-            <a:ext cx="3373440" cy="400110"/>
-          </a:xfrm>
-          <a:prstGeom prst="rect">
-            <a:avLst/>
-          </a:prstGeom>
-          <a:noFill/>
-        </p:spPr>
-        <p:txBody>
-          <a:bodyPr wrap="square" rtlCol="0">
-            <a:spAutoFit/>
-          </a:bodyPr>
-          <a:lstStyle/>
-          <a:p>
-            <a:r>
-              <a:rPr lang="en-US" altLang="zh-CN" sz="2000" b="1" dirty="0" smtClean="0">
-                <a:latin typeface="微软雅黑" panose="020B0503020204020204" pitchFamily="34" charset="-122"/>
-                <a:ea typeface="微软雅黑" panose="020B0503020204020204" pitchFamily="34" charset="-122"/>
-                <a:cs typeface="Arial" panose="020B0604020202020204" pitchFamily="34" charset="0"/>
-              </a:rPr>
-              <a:t>Color scale: T values</a:t>
-            </a:r>
-            <a:endParaRPr lang="en-US" altLang="zh-CN" sz="2000" dirty="0">
-              <a:solidFill>
-                <a:schemeClr val="bg1">
-                  <a:lumMod val="50000"/>
-                </a:schemeClr>
-              </a:solidFill>
-              <a:latin typeface="微软雅黑" panose="020B0503020204020204" pitchFamily="34" charset="-122"/>
-              <a:ea typeface="微软雅黑" panose="020B0503020204020204" pitchFamily="34" charset="-122"/>
-              <a:cs typeface="Arial" panose="020B0604020202020204" pitchFamily="34" charset="0"/>
-            </a:endParaRPr>
-          </a:p>
-        </p:txBody>
-      </p:sp>
-      <p:graphicFrame>
-        <p:nvGraphicFramePr>
-          <p:cNvPr id="6" name="图表 5"/>
-          <p:cNvGraphicFramePr/>
-          <p:nvPr>
-            <p:extLst>
-              <p:ext uri="{D42A27DB-BD31-4B8C-83A1-F6EECF244321}">
-                <p14:modId xmlns:p14="http://schemas.microsoft.com/office/powerpoint/2010/main" val="1677205611"/>
-              </p:ext>
-            </p:extLst>
-          </p:nvPr>
-        </p:nvGraphicFramePr>
-        <p:xfrm>
-          <a:off x="3141784" y="1818176"/>
-          <a:ext cx="2172248" cy="1448166"/>
-        </p:xfrm>
-        <a:graphic>
-          <a:graphicData uri="http://schemas.openxmlformats.org/drawingml/2006/chart">
-            <c:chart xmlns:c="http://schemas.openxmlformats.org/drawingml/2006/chart" xmlns:r="http://schemas.openxmlformats.org/officeDocument/2006/relationships" r:id="rId4"/>
-          </a:graphicData>
-        </a:graphic>
-      </p:graphicFrame>
-      <p:sp>
-        <p:nvSpPr>
-          <p:cNvPr id="9" name="矩形 8"/>
-          <p:cNvSpPr/>
-          <p:nvPr/>
-        </p:nvSpPr>
-        <p:spPr>
-          <a:xfrm>
-            <a:off x="249145" y="-1448167"/>
-            <a:ext cx="2636930" cy="1767254"/>
-          </a:xfrm>
-          <a:prstGeom prst="rect">
-            <a:avLst/>
-          </a:prstGeom>
-          <a:solidFill>
-            <a:srgbClr val="00ABB4">
-              <a:alpha val="81000"/>
-            </a:srgbClr>
-          </a:solidFill>
-          <a:ln>
-            <a:noFill/>
-          </a:ln>
-        </p:spPr>
-        <p:style>
-          <a:lnRef idx="2">
-            <a:schemeClr val="accent1">
-              <a:shade val="50000"/>
-            </a:schemeClr>
-          </a:lnRef>
-          <a:fillRef idx="1">
-            <a:schemeClr val="accent1"/>
-          </a:fillRef>
-          <a:effectRef idx="0">
-            <a:schemeClr val="accent1"/>
-          </a:effectRef>
-          <a:fontRef idx="minor">
-            <a:schemeClr val="lt1"/>
-          </a:fontRef>
-        </p:style>
-        <p:txBody>
-          <a:bodyPr rtlCol="0" anchor="ctr"/>
-          <a:lstStyle/>
-          <a:p>
-            <a:pPr algn="ctr"/>
-            <a:endParaRPr lang="zh-CN" altLang="en-US"/>
-          </a:p>
-        </p:txBody>
-      </p:sp>
-      <p:sp>
-        <p:nvSpPr>
-          <p:cNvPr id="11" name="矩形 10"/>
-          <p:cNvSpPr/>
-          <p:nvPr/>
-        </p:nvSpPr>
-        <p:spPr>
-          <a:xfrm>
-            <a:off x="1536579" y="1823171"/>
-            <a:ext cx="1349496" cy="104775"/>
-          </a:xfrm>
-          <a:prstGeom prst="rect">
-            <a:avLst/>
-          </a:prstGeom>
-          <a:solidFill>
-            <a:srgbClr val="00ABB4"/>
-          </a:solidFill>
-          <a:ln>
-            <a:noFill/>
-          </a:ln>
-        </p:spPr>
-        <p:style>
-          <a:lnRef idx="2">
-            <a:schemeClr val="accent1">
-              <a:shade val="50000"/>
-            </a:schemeClr>
-          </a:lnRef>
-          <a:fillRef idx="1">
-            <a:schemeClr val="accent1"/>
-          </a:fillRef>
-          <a:effectRef idx="0">
-            <a:schemeClr val="accent1"/>
-          </a:effectRef>
-          <a:fontRef idx="minor">
-            <a:schemeClr val="lt1"/>
-          </a:fontRef>
-        </p:style>
-        <p:txBody>
-          <a:bodyPr rtlCol="0" anchor="ctr"/>
-          <a:lstStyle/>
-          <a:p>
-            <a:pPr algn="ctr"/>
-            <a:endParaRPr lang="zh-CN" altLang="en-US"/>
-          </a:p>
-        </p:txBody>
-      </p:sp>
-      <p:sp>
-        <p:nvSpPr>
-          <p:cNvPr id="15" name="文本框 14"/>
-          <p:cNvSpPr txBox="1"/>
-          <p:nvPr/>
-        </p:nvSpPr>
-        <p:spPr>
-          <a:xfrm>
-            <a:off x="249145" y="2297032"/>
-            <a:ext cx="3475757" cy="3785652"/>
-          </a:xfrm>
-          <a:prstGeom prst="rect">
-            <a:avLst/>
-          </a:prstGeom>
-          <a:noFill/>
-        </p:spPr>
-        <p:txBody>
-          <a:bodyPr wrap="square" rtlCol="0">
-            <a:spAutoFit/>
-          </a:bodyPr>
-          <a:lstStyle/>
-          <a:p>
-            <a:r>
-              <a:rPr lang="en-US" altLang="zh-CN" sz="2000" b="1" dirty="0" smtClean="0">
-                <a:latin typeface="微软雅黑" panose="020B0503020204020204" pitchFamily="34" charset="-122"/>
-                <a:ea typeface="微软雅黑" panose="020B0503020204020204" pitchFamily="34" charset="-122"/>
-                <a:cs typeface="Arial" panose="020B0604020202020204" pitchFamily="34" charset="0"/>
-              </a:rPr>
-              <a:t>Several cortical regions :</a:t>
-            </a:r>
-          </a:p>
-          <a:p>
-            <a:pPr marL="342900" indent="-342900">
-              <a:buFont typeface="Arial" panose="020B0604020202020204" pitchFamily="34" charset="0"/>
-              <a:buChar char="•"/>
-            </a:pPr>
-            <a:r>
-              <a:rPr lang="en-US" altLang="zh-CN" sz="2000" b="1" dirty="0" smtClean="0">
-                <a:latin typeface="微软雅黑" panose="020B0503020204020204" pitchFamily="34" charset="-122"/>
-                <a:ea typeface="微软雅黑" panose="020B0503020204020204" pitchFamily="34" charset="-122"/>
-                <a:cs typeface="Arial" panose="020B0604020202020204" pitchFamily="34" charset="0"/>
-              </a:rPr>
-              <a:t>OFC:  Orbitofrontal cortex</a:t>
-            </a:r>
-          </a:p>
-          <a:p>
-            <a:pPr marL="342900" indent="-342900">
-              <a:buFont typeface="Arial" panose="020B0604020202020204" pitchFamily="34" charset="0"/>
-              <a:buChar char="•"/>
-            </a:pPr>
-            <a:r>
-              <a:rPr lang="en-US" altLang="zh-CN" sz="2000" b="1" dirty="0" smtClean="0">
-                <a:latin typeface="微软雅黑" panose="020B0503020204020204" pitchFamily="34" charset="-122"/>
-                <a:ea typeface="微软雅黑" panose="020B0503020204020204" pitchFamily="34" charset="-122"/>
-                <a:cs typeface="Arial" panose="020B0604020202020204" pitchFamily="34" charset="0"/>
-              </a:rPr>
-              <a:t>Cg:  Cingulate cortex</a:t>
-            </a:r>
-          </a:p>
-          <a:p>
-            <a:pPr marL="342900" indent="-342900">
-              <a:buFont typeface="Arial" panose="020B0604020202020204" pitchFamily="34" charset="0"/>
-              <a:buChar char="•"/>
-            </a:pPr>
-            <a:r>
-              <a:rPr lang="en-US" altLang="zh-CN" sz="2000" b="1" dirty="0" smtClean="0">
-                <a:latin typeface="微软雅黑" panose="020B0503020204020204" pitchFamily="34" charset="-122"/>
-                <a:ea typeface="微软雅黑" panose="020B0503020204020204" pitchFamily="34" charset="-122"/>
-                <a:cs typeface="Arial" panose="020B0604020202020204" pitchFamily="34" charset="0"/>
-              </a:rPr>
-              <a:t>SS:  Somatosensory cortex</a:t>
-            </a:r>
-          </a:p>
-          <a:p>
-            <a:pPr marL="342900" indent="-342900">
-              <a:buFont typeface="Arial" panose="020B0604020202020204" pitchFamily="34" charset="0"/>
-              <a:buChar char="•"/>
-            </a:pPr>
-            <a:r>
-              <a:rPr lang="en-US" altLang="zh-CN" sz="2000" b="1" dirty="0" smtClean="0">
-                <a:latin typeface="微软雅黑" panose="020B0503020204020204" pitchFamily="34" charset="-122"/>
-                <a:ea typeface="微软雅黑" panose="020B0503020204020204" pitchFamily="34" charset="-122"/>
-                <a:cs typeface="Arial" panose="020B0604020202020204" pitchFamily="34" charset="0"/>
-              </a:rPr>
-              <a:t>Resp:  Retrosplenial cortex</a:t>
-            </a:r>
-          </a:p>
-          <a:p>
-            <a:pPr marL="342900" indent="-342900">
-              <a:buFont typeface="Arial" panose="020B0604020202020204" pitchFamily="34" charset="0"/>
-              <a:buChar char="•"/>
-            </a:pPr>
-            <a:r>
-              <a:rPr lang="en-US" altLang="zh-CN" sz="2000" b="1" dirty="0" smtClean="0">
-                <a:latin typeface="微软雅黑" panose="020B0503020204020204" pitchFamily="34" charset="-122"/>
-                <a:ea typeface="微软雅黑" panose="020B0503020204020204" pitchFamily="34" charset="-122"/>
-                <a:cs typeface="Arial" panose="020B0604020202020204" pitchFamily="34" charset="0"/>
-              </a:rPr>
-              <a:t>AC:  Auditory cortex</a:t>
-            </a:r>
-          </a:p>
-          <a:p>
-            <a:pPr marL="342900" indent="-342900">
-              <a:buFont typeface="Arial" panose="020B0604020202020204" pitchFamily="34" charset="0"/>
-              <a:buChar char="•"/>
-            </a:pPr>
-            <a:r>
-              <a:rPr lang="en-US" altLang="zh-CN" sz="2000" b="1" dirty="0" smtClean="0">
-                <a:latin typeface="微软雅黑" panose="020B0503020204020204" pitchFamily="34" charset="-122"/>
-                <a:ea typeface="微软雅黑" panose="020B0503020204020204" pitchFamily="34" charset="-122"/>
-                <a:cs typeface="Arial" panose="020B0604020202020204" pitchFamily="34" charset="0"/>
-              </a:rPr>
-              <a:t>VC:  Visual cortex</a:t>
-            </a:r>
-          </a:p>
-          <a:p>
-            <a:pPr marL="342900" indent="-342900">
-              <a:buFont typeface="Arial" panose="020B0604020202020204" pitchFamily="34" charset="0"/>
-              <a:buChar char="•"/>
-            </a:pPr>
-            <a:r>
-              <a:rPr lang="en-US" altLang="zh-CN" sz="2000" b="1" dirty="0" smtClean="0">
-                <a:latin typeface="微软雅黑" panose="020B0503020204020204" pitchFamily="34" charset="-122"/>
-                <a:ea typeface="微软雅黑" panose="020B0503020204020204" pitchFamily="34" charset="-122"/>
-                <a:cs typeface="Arial" panose="020B0604020202020204" pitchFamily="34" charset="0"/>
-              </a:rPr>
-              <a:t>RC:  Rhinal cortex</a:t>
-            </a:r>
-          </a:p>
-          <a:p>
-            <a:r>
-              <a:rPr lang="en-US" altLang="zh-CN" sz="2000" b="1" dirty="0" smtClean="0">
-                <a:latin typeface="微软雅黑" panose="020B0503020204020204" pitchFamily="34" charset="-122"/>
-                <a:ea typeface="微软雅黑" panose="020B0503020204020204" pitchFamily="34" charset="-122"/>
-                <a:cs typeface="Arial" panose="020B0604020202020204" pitchFamily="34" charset="0"/>
-              </a:rPr>
-              <a:t> Hippocampus</a:t>
-            </a:r>
-            <a:endParaRPr lang="en-US" altLang="zh-CN" sz="2000" b="1" dirty="0">
-              <a:latin typeface="微软雅黑" panose="020B0503020204020204" pitchFamily="34" charset="-122"/>
-              <a:ea typeface="微软雅黑" panose="020B0503020204020204" pitchFamily="34" charset="-122"/>
-              <a:cs typeface="Arial" panose="020B0604020202020204" pitchFamily="34" charset="0"/>
-            </a:endParaRPr>
-          </a:p>
-        </p:txBody>
-      </p:sp>
-      <p:sp>
-        <p:nvSpPr>
-          <p:cNvPr id="16" name="文本框 15"/>
-          <p:cNvSpPr txBox="1"/>
-          <p:nvPr/>
-        </p:nvSpPr>
-        <p:spPr>
-          <a:xfrm>
-            <a:off x="576939" y="1456311"/>
-            <a:ext cx="4717494" cy="400110"/>
-          </a:xfrm>
-          <a:prstGeom prst="rect">
-            <a:avLst/>
-          </a:prstGeom>
-          <a:noFill/>
-        </p:spPr>
-        <p:txBody>
-          <a:bodyPr wrap="square" rtlCol="0">
-            <a:spAutoFit/>
-          </a:bodyPr>
-          <a:lstStyle/>
-          <a:p>
-            <a:r>
-              <a:rPr lang="en-US" altLang="zh-CN" sz="2000" dirty="0" smtClean="0">
-                <a:latin typeface="微软雅黑" panose="020B0503020204020204" pitchFamily="34" charset="-122"/>
-                <a:ea typeface="微软雅黑" panose="020B0503020204020204" pitchFamily="34" charset="-122"/>
-                <a:cs typeface="Arial" panose="020B0604020202020204" pitchFamily="34" charset="0"/>
-              </a:rPr>
-              <a:t>Respective to saline </a:t>
-            </a:r>
-            <a:r>
-              <a:rPr lang="en-US" altLang="zh-CN" sz="2000" dirty="0">
-                <a:latin typeface="微软雅黑" panose="020B0503020204020204" pitchFamily="34" charset="-122"/>
-                <a:ea typeface="微软雅黑" panose="020B0503020204020204" pitchFamily="34" charset="-122"/>
-                <a:cs typeface="Arial" panose="020B0604020202020204" pitchFamily="34" charset="0"/>
-              </a:rPr>
-              <a:t>&amp;scopolamine</a:t>
-            </a:r>
-          </a:p>
-        </p:txBody>
-      </p:sp>
-      <p:sp>
-        <p:nvSpPr>
-          <p:cNvPr id="17" name="文本框 16"/>
-          <p:cNvSpPr txBox="1"/>
-          <p:nvPr/>
-        </p:nvSpPr>
-        <p:spPr>
-          <a:xfrm>
-            <a:off x="576939" y="1056869"/>
-            <a:ext cx="3046430" cy="400110"/>
-          </a:xfrm>
-          <a:prstGeom prst="rect">
-            <a:avLst/>
-          </a:prstGeom>
-          <a:noFill/>
-        </p:spPr>
-        <p:txBody>
-          <a:bodyPr wrap="square" rtlCol="0">
-            <a:spAutoFit/>
-          </a:bodyPr>
-          <a:lstStyle/>
-          <a:p>
-            <a:r>
-              <a:rPr lang="en-US" altLang="zh-CN" sz="2000" dirty="0" smtClean="0">
-                <a:latin typeface="微软雅黑" panose="020B0503020204020204" pitchFamily="34" charset="-122"/>
-                <a:ea typeface="微软雅黑" panose="020B0503020204020204" pitchFamily="34" charset="-122"/>
-                <a:cs typeface="Arial" panose="020B0604020202020204" pitchFamily="34" charset="0"/>
-              </a:rPr>
-              <a:t>Between pre&amp;post</a:t>
-            </a:r>
-            <a:endParaRPr lang="en-US" altLang="zh-CN" sz="2000" dirty="0">
-              <a:solidFill>
-                <a:schemeClr val="bg1">
-                  <a:lumMod val="50000"/>
-                </a:schemeClr>
-              </a:solidFill>
-              <a:latin typeface="微软雅黑" panose="020B0503020204020204" pitchFamily="34" charset="-122"/>
-              <a:ea typeface="微软雅黑" panose="020B0503020204020204" pitchFamily="34" charset="-122"/>
-              <a:cs typeface="Arial" panose="020B0604020202020204" pitchFamily="34" charset="0"/>
-            </a:endParaRPr>
-          </a:p>
-        </p:txBody>
-      </p:sp>
-    </p:spTree>
-    <p:extLst>
-      <p:ext uri="{BB962C8B-B14F-4D97-AF65-F5344CB8AC3E}">
-        <p14:creationId xmlns:p14="http://schemas.microsoft.com/office/powerpoint/2010/main" val="353048798"/>
-      </p:ext>
-    </p:extLst>
-  </p:cSld>
-  <p:clrMapOvr>
-    <a:masterClrMapping/>
-  </p:clrMapOvr>
-  <p:timing>
-    <p:tnLst>
-      <p:par>
-        <p:cTn id="1" dur="indefinite" restart="never" nodeType="tmRoot"/>
-      </p:par>
-    </p:tnLst>
-  </p:timing>
-</p:sld>
-</file>
-
-<file path=ppt/slides/slide2.xml><?xml version="1.0" encoding="utf-8"?>
-<p:sld xmlns:a="http://schemas.openxmlformats.org/drawingml/2006/main" xmlns:r="http://schemas.openxmlformats.org/officeDocument/2006/relationships" xmlns:p="http://schemas.openxmlformats.org/presentationml/2006/main">
-  <p:cSld>
-    <p:spTree>
-      <p:nvGrpSpPr>
-        <p:cNvPr id="1" name=""/>
-        <p:cNvGrpSpPr/>
-        <p:nvPr/>
-      </p:nvGrpSpPr>
-      <p:grpSpPr>
-        <a:xfrm>
-          <a:off x="0" y="0"/>
-          <a:ext cx="0" cy="0"/>
-          <a:chOff x="0" y="0"/>
-          <a:chExt cx="0" cy="0"/>
-        </a:xfrm>
-      </p:grpSpPr>
-      <p:sp>
-        <p:nvSpPr>
-          <p:cNvPr id="9" name="文本框 8"/>
           <p:cNvSpPr txBox="1"/>
           <p:nvPr/>
         </p:nvSpPr>
@@ -8509,7 +11606,7 @@
           <a:lstStyle/>
           <a:p>
             <a:r>
-              <a:rPr lang="en-US" altLang="zh-CN" sz="9600" b="1" dirty="0">
+              <a:rPr lang="en-US" altLang="zh-CN" sz="9600" b="1" dirty="0" smtClean="0">
                 <a:solidFill>
                   <a:schemeClr val="accent2">
                     <a:lumMod val="75000"/>
@@ -8518,7 +11615,7 @@
                 <a:latin typeface="微软雅黑" panose="020B0503020204020204" pitchFamily="34" charset="-122"/>
                 <a:ea typeface="微软雅黑" panose="020B0503020204020204" pitchFamily="34" charset="-122"/>
               </a:rPr>
-              <a:t>01</a:t>
+              <a:t>02</a:t>
             </a:r>
             <a:endParaRPr lang="zh-CN" altLang="en-US" sz="9600" b="1" dirty="0">
               <a:solidFill>
@@ -8534,14 +11631,14 @@
       </p:sp>
       <p:sp>
         <p:nvSpPr>
-          <p:cNvPr id="10" name="文本框 9"/>
+          <p:cNvPr id="6" name="文本框 5"/>
           <p:cNvSpPr txBox="1"/>
           <p:nvPr/>
         </p:nvSpPr>
         <p:spPr>
           <a:xfrm>
             <a:off x="5445728" y="3422822"/>
-            <a:ext cx="3558988" cy="769441"/>
+            <a:ext cx="4532716" cy="769441"/>
           </a:xfrm>
           <a:prstGeom prst="rect">
             <a:avLst/>
@@ -8562,9 +11659,9 @@
                 <a:latin typeface="微软雅黑" panose="020B0503020204020204" pitchFamily="34" charset="-122"/>
                 <a:ea typeface="微软雅黑" panose="020B0503020204020204" pitchFamily="34" charset="-122"/>
               </a:rPr>
-              <a:t>Anesthesias</a:t>
-            </a:r>
-            <a:endParaRPr lang="en-US" altLang="zh-CN" sz="4400" b="1" dirty="0" smtClean="0">
+              <a:t>Neural systems</a:t>
+            </a:r>
+            <a:endParaRPr lang="zh-CN" altLang="en-US" sz="4400" b="1" dirty="0">
               <a:solidFill>
                 <a:srgbClr val="00ABB4"/>
               </a:solidFill>
@@ -8576,14 +11673,14 @@
       </p:sp>
       <p:sp>
         <p:nvSpPr>
-          <p:cNvPr id="11" name="文本框 10"/>
+          <p:cNvPr id="7" name="文本框 6"/>
           <p:cNvSpPr txBox="1"/>
           <p:nvPr/>
         </p:nvSpPr>
         <p:spPr>
           <a:xfrm>
             <a:off x="5445728" y="3003482"/>
-            <a:ext cx="1534972" cy="461665"/>
+            <a:ext cx="1610184" cy="461665"/>
           </a:xfrm>
           <a:prstGeom prst="rect">
             <a:avLst/>
@@ -8618,7 +11715,7 @@
                 <a:latin typeface="微软雅黑" panose="020B0503020204020204" pitchFamily="34" charset="-122"/>
                 <a:ea typeface="微软雅黑" panose="020B0503020204020204" pitchFamily="34" charset="-122"/>
               </a:rPr>
-              <a:t>ONE</a:t>
+              <a:t>TWO</a:t>
             </a:r>
             <a:endParaRPr lang="zh-CN" altLang="en-US" sz="2400" dirty="0">
               <a:solidFill>
@@ -8634,7 +11731,124 @@
       </p:sp>
       <p:sp>
         <p:nvSpPr>
-          <p:cNvPr id="13" name="矩形 12"/>
+          <p:cNvPr id="8" name="文本框 7"/>
+          <p:cNvSpPr txBox="1"/>
+          <p:nvPr/>
+        </p:nvSpPr>
+        <p:spPr>
+          <a:xfrm>
+            <a:off x="5240432" y="4142388"/>
+            <a:ext cx="6894418" cy="1200329"/>
+          </a:xfrm>
+          <a:prstGeom prst="rect">
+            <a:avLst/>
+          </a:prstGeom>
+          <a:noFill/>
+        </p:spPr>
+        <p:txBody>
+          <a:bodyPr wrap="square" rtlCol="0">
+            <a:spAutoFit/>
+          </a:bodyPr>
+          <a:lstStyle/>
+          <a:p>
+            <a:pPr marL="285750" indent="-285750">
+              <a:buFont typeface="Arial" panose="020B0604020202020204" pitchFamily="34" charset="0"/>
+              <a:buChar char="•"/>
+            </a:pPr>
+            <a:r>
+              <a:rPr lang="en-US" altLang="zh-CN" dirty="0" smtClean="0">
+                <a:solidFill>
+                  <a:schemeClr val="accent2"/>
+                </a:solidFill>
+                <a:ea typeface="Roboto Cn" pitchFamily="2" charset="0"/>
+                <a:cs typeface="Arial" panose="020B0604020202020204" pitchFamily="34" charset="0"/>
+              </a:rPr>
+              <a:t>Identify brain regions  scopolamine induce   intensity changes</a:t>
+            </a:r>
+            <a:endParaRPr lang="en-US" altLang="zh-CN" dirty="0">
+              <a:solidFill>
+                <a:schemeClr val="accent2"/>
+              </a:solidFill>
+              <a:ea typeface="Roboto Cn" pitchFamily="2" charset="0"/>
+              <a:cs typeface="Arial" panose="020B0604020202020204" pitchFamily="34" charset="0"/>
+            </a:endParaRPr>
+          </a:p>
+          <a:p>
+            <a:pPr marL="285750" indent="-285750">
+              <a:buFont typeface="Arial" panose="020B0604020202020204" pitchFamily="34" charset="0"/>
+              <a:buChar char="•"/>
+            </a:pPr>
+            <a:r>
+              <a:rPr lang="en-US" altLang="zh-CN" dirty="0" smtClean="0">
+                <a:solidFill>
+                  <a:schemeClr val="bg1">
+                    <a:lumMod val="50000"/>
+                  </a:schemeClr>
+                </a:solidFill>
+                <a:ea typeface="Roboto Cn" pitchFamily="2" charset="0"/>
+                <a:cs typeface="Arial" panose="020B0604020202020204" pitchFamily="34" charset="0"/>
+              </a:rPr>
+              <a:t>Evaluate the effects of scopolamine on FC </a:t>
+            </a:r>
+            <a:endParaRPr lang="en-US" altLang="zh-CN" dirty="0">
+              <a:solidFill>
+                <a:schemeClr val="bg1">
+                  <a:lumMod val="50000"/>
+                </a:schemeClr>
+              </a:solidFill>
+              <a:ea typeface="Roboto Cn" pitchFamily="2" charset="0"/>
+              <a:cs typeface="Arial" panose="020B0604020202020204" pitchFamily="34" charset="0"/>
+            </a:endParaRPr>
+          </a:p>
+          <a:p>
+            <a:pPr marL="285750" indent="-285750">
+              <a:buFont typeface="Arial" panose="020B0604020202020204" pitchFamily="34" charset="0"/>
+              <a:buChar char="•"/>
+            </a:pPr>
+            <a:r>
+              <a:rPr lang="en-US" altLang="zh-CN" dirty="0" smtClean="0">
+                <a:solidFill>
+                  <a:schemeClr val="bg1">
+                    <a:lumMod val="50000"/>
+                  </a:schemeClr>
+                </a:solidFill>
+                <a:ea typeface="Roboto Cn" pitchFamily="2" charset="0"/>
+                <a:cs typeface="Arial" panose="020B0604020202020204" pitchFamily="34" charset="0"/>
+              </a:rPr>
+              <a:t>Whether scopolamine-induced memory effect could be </a:t>
+            </a:r>
+          </a:p>
+          <a:p>
+            <a:r>
+              <a:rPr lang="en-US" altLang="zh-CN" dirty="0">
+                <a:solidFill>
+                  <a:schemeClr val="bg1">
+                    <a:lumMod val="50000"/>
+                  </a:schemeClr>
+                </a:solidFill>
+                <a:ea typeface="Roboto Cn" pitchFamily="2" charset="0"/>
+                <a:cs typeface="Arial" panose="020B0604020202020204" pitchFamily="34" charset="0"/>
+              </a:rPr>
+              <a:t> </a:t>
+            </a:r>
+            <a:r>
+              <a:rPr lang="en-US" altLang="zh-CN" dirty="0" smtClean="0">
+                <a:solidFill>
+                  <a:schemeClr val="bg1">
+                    <a:lumMod val="50000"/>
+                  </a:schemeClr>
+                </a:solidFill>
+                <a:ea typeface="Roboto Cn" pitchFamily="2" charset="0"/>
+                <a:cs typeface="Arial" panose="020B0604020202020204" pitchFamily="34" charset="0"/>
+              </a:rPr>
+              <a:t>     reversed with milameline</a:t>
+            </a:r>
+          </a:p>
+        </p:txBody>
+      </p:sp>
+      <p:sp>
+        <p:nvSpPr>
+          <p:cNvPr id="3" name="矩形 2"/>
           <p:cNvSpPr/>
           <p:nvPr/>
         </p:nvSpPr>
@@ -8674,971 +11888,14 @@
           <a:lstStyle/>
           <a:p>
             <a:pPr algn="ctr"/>
-            <a:endParaRPr lang="zh-CN" altLang="en-US" dirty="0"/>
-          </a:p>
-        </p:txBody>
-      </p:sp>
-      <p:sp>
-        <p:nvSpPr>
-          <p:cNvPr id="6" name="文本框 11"/>
-          <p:cNvSpPr txBox="1"/>
-          <p:nvPr/>
-        </p:nvSpPr>
-        <p:spPr>
-          <a:xfrm>
-            <a:off x="5445727" y="4192263"/>
-            <a:ext cx="5061560" cy="1200329"/>
-          </a:xfrm>
-          <a:prstGeom prst="rect">
-            <a:avLst/>
-          </a:prstGeom>
-          <a:noFill/>
-        </p:spPr>
-        <p:txBody>
-          <a:bodyPr wrap="square" rtlCol="0">
-            <a:spAutoFit/>
-          </a:bodyPr>
-          <a:lstStyle/>
-          <a:p>
-            <a:pPr marL="285750" indent="-285750">
-              <a:buFont typeface="Arial" panose="020B0604020202020204" pitchFamily="34" charset="0"/>
-              <a:buChar char="•"/>
-            </a:pPr>
-            <a:r>
-              <a:rPr lang="el-GR" altLang="zh-CN" dirty="0" smtClean="0">
-                <a:solidFill>
-                  <a:schemeClr val="bg1">
-                    <a:lumMod val="50000"/>
-                  </a:schemeClr>
-                </a:solidFill>
-                <a:ea typeface="Roboto Cn" pitchFamily="2" charset="0"/>
-                <a:cs typeface="Arial" panose="020B0604020202020204" pitchFamily="34" charset="0"/>
-              </a:rPr>
-              <a:t>α-</a:t>
-            </a:r>
-            <a:r>
-              <a:rPr lang="en-US" altLang="zh-CN" dirty="0" smtClean="0">
-                <a:solidFill>
-                  <a:schemeClr val="bg1">
-                    <a:lumMod val="50000"/>
-                  </a:schemeClr>
-                </a:solidFill>
-                <a:ea typeface="Roboto Cn" pitchFamily="2" charset="0"/>
-                <a:cs typeface="Arial" panose="020B0604020202020204" pitchFamily="34" charset="0"/>
-              </a:rPr>
-              <a:t>chloralose </a:t>
-            </a:r>
-          </a:p>
-          <a:p>
-            <a:pPr marL="285750" indent="-285750">
-              <a:buFont typeface="Arial" panose="020B0604020202020204" pitchFamily="34" charset="0"/>
-              <a:buChar char="•"/>
-            </a:pPr>
-            <a:r>
-              <a:rPr lang="en-US" altLang="zh-CN" dirty="0" smtClean="0">
-                <a:solidFill>
-                  <a:schemeClr val="bg1">
-                    <a:lumMod val="50000"/>
-                  </a:schemeClr>
-                </a:solidFill>
-                <a:ea typeface="Roboto Cn" pitchFamily="2" charset="0"/>
-                <a:cs typeface="Arial" panose="020B0604020202020204" pitchFamily="34" charset="0"/>
-              </a:rPr>
-              <a:t>Isoflurane  &amp; Medetomidine/dexmedetomidine </a:t>
-            </a:r>
-          </a:p>
-          <a:p>
-            <a:pPr marL="285750" indent="-285750">
-              <a:buFont typeface="Arial" panose="020B0604020202020204" pitchFamily="34" charset="0"/>
-              <a:buChar char="•"/>
-            </a:pPr>
-            <a:r>
-              <a:rPr lang="en-US" altLang="zh-CN" dirty="0">
-                <a:solidFill>
-                  <a:schemeClr val="bg1">
-                    <a:lumMod val="50000"/>
-                  </a:schemeClr>
-                </a:solidFill>
-                <a:ea typeface="Roboto Cn" pitchFamily="2" charset="0"/>
-                <a:cs typeface="Arial" panose="020B0604020202020204" pitchFamily="34" charset="0"/>
-              </a:rPr>
-              <a:t>Propofol </a:t>
-            </a:r>
-          </a:p>
-          <a:p>
-            <a:pPr marL="285750" indent="-285750">
-              <a:buFont typeface="Arial" panose="020B0604020202020204" pitchFamily="34" charset="0"/>
-              <a:buChar char="•"/>
-            </a:pPr>
-            <a:r>
-              <a:rPr lang="en-US" altLang="zh-CN" dirty="0">
-                <a:solidFill>
-                  <a:schemeClr val="bg1">
-                    <a:lumMod val="50000"/>
-                  </a:schemeClr>
-                </a:solidFill>
-                <a:ea typeface="Roboto Cn" pitchFamily="2" charset="0"/>
-                <a:cs typeface="Arial" panose="020B0604020202020204" pitchFamily="34" charset="0"/>
-              </a:rPr>
-              <a:t>Urethane </a:t>
-            </a:r>
+            <a:endParaRPr lang="zh-CN" altLang="en-US"/>
           </a:p>
         </p:txBody>
       </p:sp>
     </p:spTree>
     <p:extLst>
       <p:ext uri="{BB962C8B-B14F-4D97-AF65-F5344CB8AC3E}">
-        <p14:creationId xmlns:p14="http://schemas.microsoft.com/office/powerpoint/2010/main" val="1825965951"/>
-      </p:ext>
-    </p:extLst>
-  </p:cSld>
-  <p:clrMapOvr>
-    <a:masterClrMapping/>
-  </p:clrMapOvr>
-  <p:timing>
-    <p:tnLst>
-      <p:par>
-        <p:cTn id="1" dur="indefinite" restart="never" nodeType="tmRoot"/>
-      </p:par>
-    </p:tnLst>
-  </p:timing>
-</p:sld>
-</file>
-
-<file path=ppt/slides/slide20.xml><?xml version="1.0" encoding="utf-8"?>
-<p:sld xmlns:a="http://schemas.openxmlformats.org/drawingml/2006/main" xmlns:r="http://schemas.openxmlformats.org/officeDocument/2006/relationships" xmlns:p="http://schemas.openxmlformats.org/presentationml/2006/main">
-  <p:cSld>
-    <p:spTree>
-      <p:nvGrpSpPr>
-        <p:cNvPr id="1" name=""/>
-        <p:cNvGrpSpPr/>
-        <p:nvPr/>
-      </p:nvGrpSpPr>
-      <p:grpSpPr>
-        <a:xfrm>
-          <a:off x="0" y="0"/>
-          <a:ext cx="0" cy="0"/>
-          <a:chOff x="0" y="0"/>
-          <a:chExt cx="0" cy="0"/>
-        </a:xfrm>
-      </p:grpSpPr>
-      <p:sp>
-        <p:nvSpPr>
-          <p:cNvPr id="3" name="直角三角形 2"/>
-          <p:cNvSpPr/>
-          <p:nvPr/>
-        </p:nvSpPr>
-        <p:spPr>
-          <a:xfrm rot="10800000">
-            <a:off x="0" y="6178"/>
-            <a:ext cx="12192000" cy="6858000"/>
-          </a:xfrm>
-          <a:prstGeom prst="rtTriangle">
-            <a:avLst/>
-          </a:prstGeom>
-          <a:solidFill>
-            <a:schemeClr val="bg1">
-              <a:lumMod val="95000"/>
-            </a:schemeClr>
-          </a:solidFill>
-          <a:ln>
-            <a:noFill/>
-          </a:ln>
-        </p:spPr>
-        <p:style>
-          <a:lnRef idx="2">
-            <a:schemeClr val="accent1">
-              <a:shade val="50000"/>
-            </a:schemeClr>
-          </a:lnRef>
-          <a:fillRef idx="1">
-            <a:schemeClr val="accent1"/>
-          </a:fillRef>
-          <a:effectRef idx="0">
-            <a:schemeClr val="accent1"/>
-          </a:effectRef>
-          <a:fontRef idx="minor">
-            <a:schemeClr val="lt1"/>
-          </a:fontRef>
-        </p:style>
-        <p:txBody>
-          <a:bodyPr rtlCol="0" anchor="ctr"/>
-          <a:lstStyle/>
-          <a:p>
-            <a:pPr algn="ctr"/>
-            <a:endParaRPr lang="zh-CN" altLang="en-US"/>
-          </a:p>
-        </p:txBody>
-      </p:sp>
-      <p:sp>
-        <p:nvSpPr>
-          <p:cNvPr id="31" name="Rectangle 96"/>
-          <p:cNvSpPr/>
-          <p:nvPr/>
-        </p:nvSpPr>
-        <p:spPr>
-          <a:xfrm>
-            <a:off x="1624911" y="1519390"/>
-            <a:ext cx="9452919" cy="4616648"/>
-          </a:xfrm>
-          <a:prstGeom prst="rect">
-            <a:avLst/>
-          </a:prstGeom>
-        </p:spPr>
-        <p:txBody>
-          <a:bodyPr wrap="square">
-            <a:spAutoFit/>
-          </a:bodyPr>
-          <a:lstStyle/>
-          <a:p>
-            <a:pPr marL="457200" indent="-457200">
-              <a:lnSpc>
-                <a:spcPct val="150000"/>
-              </a:lnSpc>
-              <a:buFont typeface="Arial" panose="020B0604020202020204" pitchFamily="34" charset="0"/>
-              <a:buChar char="•"/>
-            </a:pPr>
-            <a:r>
-              <a:rPr lang="en-US" sz="2800" b="1" dirty="0" smtClean="0">
-                <a:ea typeface="Roboto Cn" pitchFamily="2" charset="0"/>
-                <a:cs typeface="Arial" panose="020B0604020202020204" pitchFamily="34" charset="0"/>
-              </a:rPr>
-              <a:t>Cortial regions and hippocampus as ROI</a:t>
-            </a:r>
-          </a:p>
-          <a:p>
-            <a:pPr marL="457200" indent="-457200">
-              <a:lnSpc>
-                <a:spcPct val="150000"/>
-              </a:lnSpc>
-              <a:buFont typeface="Arial" panose="020B0604020202020204" pitchFamily="34" charset="0"/>
-              <a:buChar char="•"/>
-            </a:pPr>
-            <a:r>
-              <a:rPr lang="en-US" altLang="zh-CN" sz="2800" b="1" dirty="0" smtClean="0">
-                <a:ea typeface="Roboto Cn" pitchFamily="2" charset="0"/>
-                <a:cs typeface="Arial" panose="020B0604020202020204" pitchFamily="34" charset="0"/>
-              </a:rPr>
-              <a:t>FC between ROIs</a:t>
-            </a:r>
-          </a:p>
-          <a:p>
-            <a:pPr marL="457200" indent="-457200">
-              <a:lnSpc>
-                <a:spcPct val="150000"/>
-              </a:lnSpc>
-              <a:buFont typeface="Arial" panose="020B0604020202020204" pitchFamily="34" charset="0"/>
-              <a:buChar char="•"/>
-            </a:pPr>
-            <a:r>
-              <a:rPr lang="en-US" altLang="zh-CN" sz="2800" b="1" dirty="0" smtClean="0">
-                <a:ea typeface="Roboto Cn" pitchFamily="2" charset="0"/>
-                <a:cs typeface="Arial" panose="020B0604020202020204" pitchFamily="34" charset="0"/>
-              </a:rPr>
-              <a:t>Individual correlation matrices by calculating the correlation coefficient between time traces of each pair of ROIs</a:t>
-            </a:r>
-          </a:p>
-          <a:p>
-            <a:pPr marL="457200" indent="-457200">
-              <a:lnSpc>
-                <a:spcPct val="150000"/>
-              </a:lnSpc>
-              <a:buFont typeface="Arial" panose="020B0604020202020204" pitchFamily="34" charset="0"/>
-              <a:buChar char="•"/>
-            </a:pPr>
-            <a:r>
-              <a:rPr lang="en-US" altLang="zh-CN" sz="2800" b="1" dirty="0" smtClean="0">
-                <a:ea typeface="Roboto Cn" pitchFamily="2" charset="0"/>
-                <a:cs typeface="Arial" panose="020B0604020202020204" pitchFamily="34" charset="0"/>
-              </a:rPr>
-              <a:t>Mean z-transformed FC matrices per group</a:t>
-            </a:r>
-          </a:p>
-          <a:p>
-            <a:pPr>
-              <a:lnSpc>
-                <a:spcPct val="150000"/>
-              </a:lnSpc>
-            </a:pPr>
-            <a:r>
-              <a:rPr lang="en-US" altLang="zh-CN" sz="2800" b="1" dirty="0" smtClean="0">
-                <a:ea typeface="Roboto Cn" pitchFamily="2" charset="0"/>
-                <a:cs typeface="Arial" panose="020B0604020202020204" pitchFamily="34" charset="0"/>
-              </a:rPr>
-              <a:t>    --</a:t>
-            </a:r>
-            <a:r>
-              <a:rPr lang="en-US" altLang="zh-CN" sz="2800" b="1" dirty="0" smtClean="0">
-                <a:cs typeface="Arial" panose="020B0604020202020204" pitchFamily="34" charset="0"/>
-              </a:rPr>
-              <a:t> FDR correction to correct for multiple comparison</a:t>
-            </a:r>
-            <a:endParaRPr lang="en-US" altLang="zh-CN" sz="2800" b="1" dirty="0" smtClean="0">
-              <a:ea typeface="Roboto Cn" pitchFamily="2" charset="0"/>
-              <a:cs typeface="Arial" panose="020B0604020202020204" pitchFamily="34" charset="0"/>
-            </a:endParaRPr>
-          </a:p>
-        </p:txBody>
-      </p:sp>
-      <p:sp>
-        <p:nvSpPr>
-          <p:cNvPr id="6" name="文本框 29"/>
-          <p:cNvSpPr txBox="1"/>
-          <p:nvPr/>
-        </p:nvSpPr>
-        <p:spPr>
-          <a:xfrm>
-            <a:off x="662539" y="294935"/>
-            <a:ext cx="6998650" cy="769441"/>
-          </a:xfrm>
-          <a:prstGeom prst="rect">
-            <a:avLst/>
-          </a:prstGeom>
-          <a:noFill/>
-        </p:spPr>
-        <p:txBody>
-          <a:bodyPr wrap="square" rtlCol="0">
-            <a:spAutoFit/>
-          </a:bodyPr>
-          <a:lstStyle/>
-          <a:p>
-            <a:r>
-              <a:rPr lang="en-US" altLang="zh-CN" sz="4400" b="1" dirty="0" smtClean="0">
-                <a:solidFill>
-                  <a:srgbClr val="00ABB4"/>
-                </a:solidFill>
-                <a:latin typeface="微软雅黑" panose="020B0503020204020204" pitchFamily="34" charset="-122"/>
-                <a:ea typeface="微软雅黑" panose="020B0503020204020204" pitchFamily="34" charset="-122"/>
-              </a:rPr>
-              <a:t>Ph rsfMRI</a:t>
-            </a:r>
-          </a:p>
-        </p:txBody>
-      </p:sp>
-      <p:sp>
-        <p:nvSpPr>
-          <p:cNvPr id="7" name="文本框 5"/>
-          <p:cNvSpPr txBox="1"/>
-          <p:nvPr/>
-        </p:nvSpPr>
-        <p:spPr>
-          <a:xfrm>
-            <a:off x="761785" y="1060142"/>
-            <a:ext cx="3761671" cy="400110"/>
-          </a:xfrm>
-          <a:prstGeom prst="rect">
-            <a:avLst/>
-          </a:prstGeom>
-          <a:noFill/>
-        </p:spPr>
-        <p:txBody>
-          <a:bodyPr wrap="none" rtlCol="0">
-            <a:spAutoFit/>
-          </a:bodyPr>
-          <a:lstStyle/>
-          <a:p>
-            <a:r>
-              <a:rPr lang="en-US" altLang="zh-CN" sz="2000" dirty="0" smtClean="0">
-                <a:solidFill>
-                  <a:schemeClr val="bg1">
-                    <a:lumMod val="50000"/>
-                  </a:schemeClr>
-                </a:solidFill>
-                <a:latin typeface="微软雅黑" panose="020B0503020204020204" pitchFamily="34" charset="-122"/>
-                <a:ea typeface="微软雅黑" panose="020B0503020204020204" pitchFamily="34" charset="-122"/>
-                <a:cs typeface="Meiryo" panose="020B0604030504040204" pitchFamily="34" charset="-128"/>
-              </a:rPr>
-              <a:t>Part ONE: ROI-based analysis</a:t>
-            </a:r>
-            <a:endParaRPr lang="zh-CN" altLang="en-US" sz="2000" dirty="0">
-              <a:solidFill>
-                <a:schemeClr val="bg1">
-                  <a:lumMod val="50000"/>
-                </a:schemeClr>
-              </a:solidFill>
-              <a:latin typeface="微软雅黑" panose="020B0503020204020204" pitchFamily="34" charset="-122"/>
-              <a:ea typeface="微软雅黑" panose="020B0503020204020204" pitchFamily="34" charset="-122"/>
-              <a:cs typeface="Meiryo" panose="020B0604030504040204" pitchFamily="34" charset="-128"/>
-            </a:endParaRPr>
-          </a:p>
-        </p:txBody>
-      </p:sp>
-    </p:spTree>
-    <p:extLst>
-      <p:ext uri="{BB962C8B-B14F-4D97-AF65-F5344CB8AC3E}">
-        <p14:creationId xmlns:p14="http://schemas.microsoft.com/office/powerpoint/2010/main" val="67696220"/>
-      </p:ext>
-    </p:extLst>
-  </p:cSld>
-  <p:clrMapOvr>
-    <a:masterClrMapping/>
-  </p:clrMapOvr>
-  <p:timing>
-    <p:tnLst>
-      <p:par>
-        <p:cTn id="1" dur="indefinite" restart="never" nodeType="tmRoot"/>
-      </p:par>
-    </p:tnLst>
-  </p:timing>
-</p:sld>
-</file>
-
-<file path=ppt/slides/slide21.xml><?xml version="1.0" encoding="utf-8"?>
-<p:sld xmlns:a="http://schemas.openxmlformats.org/drawingml/2006/main" xmlns:r="http://schemas.openxmlformats.org/officeDocument/2006/relationships" xmlns:p="http://schemas.openxmlformats.org/presentationml/2006/main">
-  <p:cSld>
-    <p:spTree>
-      <p:nvGrpSpPr>
-        <p:cNvPr id="1" name=""/>
-        <p:cNvGrpSpPr/>
-        <p:nvPr/>
-      </p:nvGrpSpPr>
-      <p:grpSpPr>
-        <a:xfrm>
-          <a:off x="0" y="0"/>
-          <a:ext cx="0" cy="0"/>
-          <a:chOff x="0" y="0"/>
-          <a:chExt cx="0" cy="0"/>
-        </a:xfrm>
-      </p:grpSpPr>
-      <p:sp>
-        <p:nvSpPr>
-          <p:cNvPr id="29" name="矩形 28"/>
-          <p:cNvSpPr/>
-          <p:nvPr/>
-        </p:nvSpPr>
-        <p:spPr>
-          <a:xfrm>
-            <a:off x="-1" y="-20383"/>
-            <a:ext cx="6260123" cy="6858000"/>
-          </a:xfrm>
-          <a:prstGeom prst="rect">
-            <a:avLst/>
-          </a:prstGeom>
-          <a:solidFill>
-            <a:schemeClr val="bg1">
-              <a:lumMod val="95000"/>
-            </a:schemeClr>
-          </a:solidFill>
-          <a:ln>
-            <a:noFill/>
-          </a:ln>
-        </p:spPr>
-        <p:style>
-          <a:lnRef idx="2">
-            <a:schemeClr val="accent1">
-              <a:shade val="50000"/>
-            </a:schemeClr>
-          </a:lnRef>
-          <a:fillRef idx="1">
-            <a:schemeClr val="accent1"/>
-          </a:fillRef>
-          <a:effectRef idx="0">
-            <a:schemeClr val="accent1"/>
-          </a:effectRef>
-          <a:fontRef idx="minor">
-            <a:schemeClr val="lt1"/>
-          </a:fontRef>
-        </p:style>
-        <p:txBody>
-          <a:bodyPr rtlCol="0" anchor="ctr"/>
-          <a:lstStyle/>
-          <a:p>
-            <a:pPr algn="ctr"/>
-            <a:endParaRPr lang="zh-CN" altLang="en-US"/>
-          </a:p>
-        </p:txBody>
-      </p:sp>
-      <p:sp>
-        <p:nvSpPr>
-          <p:cNvPr id="28" name="文本框 27"/>
-          <p:cNvSpPr txBox="1"/>
-          <p:nvPr/>
-        </p:nvSpPr>
-        <p:spPr>
-          <a:xfrm>
-            <a:off x="6714534" y="1064376"/>
-            <a:ext cx="4824171" cy="4524315"/>
-          </a:xfrm>
-          <a:prstGeom prst="rect">
-            <a:avLst/>
-          </a:prstGeom>
-          <a:noFill/>
-        </p:spPr>
-        <p:txBody>
-          <a:bodyPr wrap="square" rtlCol="0">
-            <a:spAutoFit/>
-          </a:bodyPr>
-          <a:lstStyle/>
-          <a:p>
-            <a:pPr marL="342900" indent="-342900">
-              <a:lnSpc>
-                <a:spcPct val="200000"/>
-              </a:lnSpc>
-              <a:buFont typeface="Arial" panose="020B0604020202020204" pitchFamily="34" charset="0"/>
-              <a:buChar char="•"/>
-            </a:pPr>
-            <a:r>
-              <a:rPr lang="en-US" altLang="zh-CN" sz="2400" b="1" dirty="0" smtClean="0">
-                <a:ea typeface="Roboto Cn" pitchFamily="2" charset="0"/>
-                <a:cs typeface="Arial" panose="020B0604020202020204" pitchFamily="34" charset="0"/>
-              </a:rPr>
-              <a:t>Design 2:</a:t>
-            </a:r>
-          </a:p>
-          <a:p>
-            <a:pPr marL="800100" lvl="1" indent="-342900">
-              <a:lnSpc>
-                <a:spcPct val="200000"/>
-              </a:lnSpc>
-              <a:buFont typeface="Arial" panose="020B0604020202020204" pitchFamily="34" charset="0"/>
-              <a:buChar char="•"/>
-            </a:pPr>
-            <a:r>
-              <a:rPr lang="en-US" altLang="zh-CN" sz="2400" b="1" dirty="0">
-                <a:ea typeface="Roboto Cn" pitchFamily="2" charset="0"/>
-                <a:cs typeface="Arial" panose="020B0604020202020204" pitchFamily="34" charset="0"/>
-              </a:rPr>
-              <a:t>Three </a:t>
-            </a:r>
-            <a:r>
-              <a:rPr lang="en-US" altLang="zh-CN" sz="2400" b="1" dirty="0" smtClean="0">
-                <a:ea typeface="Roboto Cn" pitchFamily="2" charset="0"/>
-                <a:cs typeface="Arial" panose="020B0604020202020204" pitchFamily="34" charset="0"/>
-              </a:rPr>
-              <a:t>groups:</a:t>
-            </a:r>
-          </a:p>
-          <a:p>
-            <a:pPr marL="1257300" lvl="2" indent="-342900">
-              <a:lnSpc>
-                <a:spcPct val="200000"/>
-              </a:lnSpc>
-              <a:buFont typeface="Arial" panose="020B0604020202020204" pitchFamily="34" charset="0"/>
-              <a:buChar char="•"/>
-            </a:pPr>
-            <a:r>
-              <a:rPr lang="en-US" altLang="zh-CN" sz="2400" b="1" dirty="0" smtClean="0">
-                <a:ea typeface="Roboto Cn" pitchFamily="2" charset="0"/>
-                <a:cs typeface="Arial" panose="020B0604020202020204" pitchFamily="34" charset="0"/>
-              </a:rPr>
-              <a:t>Saline</a:t>
-            </a:r>
-          </a:p>
-          <a:p>
-            <a:pPr marL="1257300" lvl="2" indent="-342900">
-              <a:lnSpc>
-                <a:spcPct val="200000"/>
-              </a:lnSpc>
-              <a:buFont typeface="Arial" panose="020B0604020202020204" pitchFamily="34" charset="0"/>
-              <a:buChar char="•"/>
-            </a:pPr>
-            <a:r>
-              <a:rPr lang="en-US" altLang="zh-CN" sz="2400" b="1" dirty="0" smtClean="0">
-                <a:ea typeface="Roboto Cn" pitchFamily="2" charset="0"/>
-                <a:cs typeface="Arial" panose="020B0604020202020204" pitchFamily="34" charset="0"/>
-              </a:rPr>
-              <a:t>Scopolamine</a:t>
-            </a:r>
-          </a:p>
-          <a:p>
-            <a:pPr marL="1257300" lvl="2" indent="-342900">
-              <a:lnSpc>
-                <a:spcPct val="200000"/>
-              </a:lnSpc>
-              <a:buFont typeface="Arial" panose="020B0604020202020204" pitchFamily="34" charset="0"/>
-              <a:buChar char="•"/>
-            </a:pPr>
-            <a:r>
-              <a:rPr lang="en-US" altLang="zh-CN" sz="2400" b="1" dirty="0" err="1" smtClean="0">
-                <a:ea typeface="Roboto Cn" pitchFamily="2" charset="0"/>
-                <a:cs typeface="Arial" panose="020B0604020202020204" pitchFamily="34" charset="0"/>
-              </a:rPr>
-              <a:t>Milameline</a:t>
-            </a:r>
-            <a:endParaRPr lang="en-US" altLang="zh-CN" sz="2400" b="1" dirty="0" smtClean="0">
-              <a:ea typeface="Roboto Cn" pitchFamily="2" charset="0"/>
-              <a:cs typeface="Arial" panose="020B0604020202020204" pitchFamily="34" charset="0"/>
-            </a:endParaRPr>
-          </a:p>
-          <a:p>
-            <a:pPr marL="800100" lvl="1" indent="-342900">
-              <a:lnSpc>
-                <a:spcPct val="200000"/>
-              </a:lnSpc>
-              <a:buFont typeface="Arial" panose="020B0604020202020204" pitchFamily="34" charset="0"/>
-              <a:buChar char="•"/>
-            </a:pPr>
-            <a:r>
-              <a:rPr lang="en-US" altLang="zh-CN" sz="2400" b="1" dirty="0" smtClean="0">
-                <a:ea typeface="Roboto Cn" pitchFamily="2" charset="0"/>
-                <a:cs typeface="Arial" panose="020B0604020202020204" pitchFamily="34" charset="0"/>
-              </a:rPr>
-              <a:t>N = 8/group</a:t>
-            </a:r>
-            <a:endParaRPr lang="en-US" altLang="zh-CN" sz="2400" b="1" dirty="0">
-              <a:ea typeface="Roboto Cn" pitchFamily="2" charset="0"/>
-              <a:cs typeface="Arial" panose="020B0604020202020204" pitchFamily="34" charset="0"/>
-            </a:endParaRPr>
-          </a:p>
-        </p:txBody>
-      </p:sp>
-      <p:sp>
-        <p:nvSpPr>
-          <p:cNvPr id="31" name="Rectangle 96"/>
-          <p:cNvSpPr/>
-          <p:nvPr/>
-        </p:nvSpPr>
-        <p:spPr>
-          <a:xfrm>
-            <a:off x="454411" y="852221"/>
-            <a:ext cx="5934288" cy="5262979"/>
-          </a:xfrm>
-          <a:prstGeom prst="rect">
-            <a:avLst/>
-          </a:prstGeom>
-        </p:spPr>
-        <p:txBody>
-          <a:bodyPr wrap="square">
-            <a:spAutoFit/>
-          </a:bodyPr>
-          <a:lstStyle/>
-          <a:p>
-            <a:pPr marL="285750" indent="-285750">
-              <a:lnSpc>
-                <a:spcPct val="200000"/>
-              </a:lnSpc>
-              <a:buFont typeface="Arial" panose="020B0604020202020204" pitchFamily="34" charset="0"/>
-              <a:buChar char="•"/>
-            </a:pPr>
-            <a:r>
-              <a:rPr lang="en-US" sz="2400" b="1" dirty="0" smtClean="0">
-                <a:ea typeface="Roboto Cn" pitchFamily="2" charset="0"/>
-                <a:cs typeface="Arial" panose="020B0604020202020204" pitchFamily="34" charset="0"/>
-              </a:rPr>
-              <a:t>Design 1:</a:t>
-            </a:r>
-          </a:p>
-          <a:p>
-            <a:pPr marL="742950" lvl="1" indent="-285750">
-              <a:lnSpc>
-                <a:spcPct val="200000"/>
-              </a:lnSpc>
-              <a:buFont typeface="Arial" panose="020B0604020202020204" pitchFamily="34" charset="0"/>
-              <a:buChar char="•"/>
-            </a:pPr>
-            <a:r>
-              <a:rPr lang="en-US" sz="2400" b="1" dirty="0" smtClean="0">
-                <a:ea typeface="Roboto Cn" pitchFamily="2" charset="0"/>
-                <a:cs typeface="Arial" panose="020B0604020202020204" pitchFamily="34" charset="0"/>
-              </a:rPr>
-              <a:t>N = 12/group</a:t>
-            </a:r>
-          </a:p>
-          <a:p>
-            <a:pPr marL="742950" lvl="1" indent="-285750">
-              <a:lnSpc>
-                <a:spcPct val="200000"/>
-              </a:lnSpc>
-              <a:buFont typeface="Arial" panose="020B0604020202020204" pitchFamily="34" charset="0"/>
-              <a:buChar char="•"/>
-            </a:pPr>
-            <a:r>
-              <a:rPr lang="en-US" sz="2400" b="1" dirty="0" smtClean="0">
-                <a:ea typeface="Roboto Cn" pitchFamily="2" charset="0"/>
-                <a:cs typeface="Arial" panose="020B0604020202020204" pitchFamily="34" charset="0"/>
-              </a:rPr>
-              <a:t>Baseline : 15 min post-injection</a:t>
-            </a:r>
-          </a:p>
-          <a:p>
-            <a:pPr marL="742950" lvl="1" indent="-285750">
-              <a:lnSpc>
-                <a:spcPct val="200000"/>
-              </a:lnSpc>
-              <a:buFont typeface="Arial" panose="020B0604020202020204" pitchFamily="34" charset="0"/>
-              <a:buChar char="•"/>
-            </a:pPr>
-            <a:r>
-              <a:rPr lang="en-US" sz="2400" b="1" dirty="0" smtClean="0">
-                <a:ea typeface="Roboto Cn" pitchFamily="2" charset="0"/>
-                <a:cs typeface="Arial" panose="020B0604020202020204" pitchFamily="34" charset="0"/>
-              </a:rPr>
-              <a:t>Scopolamine administered</a:t>
-            </a:r>
-          </a:p>
-          <a:p>
-            <a:pPr marL="742950" lvl="1" indent="-285750">
-              <a:lnSpc>
-                <a:spcPct val="200000"/>
-              </a:lnSpc>
-              <a:buFont typeface="Arial" panose="020B0604020202020204" pitchFamily="34" charset="0"/>
-              <a:buChar char="•"/>
-            </a:pPr>
-            <a:r>
-              <a:rPr lang="en-US" sz="2400" b="1" dirty="0" smtClean="0">
-                <a:ea typeface="Roboto Cn" pitchFamily="2" charset="0"/>
-                <a:cs typeface="Arial" panose="020B0604020202020204" pitchFamily="34" charset="0"/>
-              </a:rPr>
-              <a:t>25 min later: </a:t>
-            </a:r>
-            <a:r>
-              <a:rPr lang="en-US" altLang="zh-CN" sz="2400" b="1" dirty="0" err="1">
-                <a:ea typeface="Roboto Cn" pitchFamily="2" charset="0"/>
-                <a:cs typeface="Arial" panose="020B0604020202020204" pitchFamily="34" charset="0"/>
-              </a:rPr>
-              <a:t>Ph</a:t>
-            </a:r>
-            <a:r>
-              <a:rPr lang="en-US" altLang="zh-CN" sz="2400" b="1" dirty="0">
-                <a:ea typeface="Roboto Cn" pitchFamily="2" charset="0"/>
-                <a:cs typeface="Arial" panose="020B0604020202020204" pitchFamily="34" charset="0"/>
-              </a:rPr>
-              <a:t> </a:t>
-            </a:r>
-            <a:r>
-              <a:rPr lang="en-US" altLang="zh-CN" sz="2400" b="1" dirty="0" err="1">
-                <a:ea typeface="Roboto Cn" pitchFamily="2" charset="0"/>
-                <a:cs typeface="Arial" panose="020B0604020202020204" pitchFamily="34" charset="0"/>
-              </a:rPr>
-              <a:t>rsfMRI</a:t>
-            </a:r>
-            <a:endParaRPr lang="en-US" sz="2400" b="1" dirty="0" smtClean="0">
-              <a:ea typeface="Roboto Cn" pitchFamily="2" charset="0"/>
-              <a:cs typeface="Arial" panose="020B0604020202020204" pitchFamily="34" charset="0"/>
-            </a:endParaRPr>
-          </a:p>
-          <a:p>
-            <a:pPr marL="742950" lvl="1" indent="-285750">
-              <a:lnSpc>
-                <a:spcPct val="200000"/>
-              </a:lnSpc>
-              <a:buFont typeface="Arial" panose="020B0604020202020204" pitchFamily="34" charset="0"/>
-              <a:buChar char="•"/>
-            </a:pPr>
-            <a:r>
-              <a:rPr lang="en-US" sz="2400" b="1" dirty="0" err="1" smtClean="0">
-                <a:ea typeface="Roboto Cn" pitchFamily="2" charset="0"/>
-                <a:cs typeface="Arial" panose="020B0604020202020204" pitchFamily="34" charset="0"/>
-              </a:rPr>
-              <a:t>Milameline</a:t>
-            </a:r>
-            <a:r>
-              <a:rPr lang="en-US" sz="2400" b="1" dirty="0" smtClean="0">
-                <a:ea typeface="Roboto Cn" pitchFamily="2" charset="0"/>
-                <a:cs typeface="Arial" panose="020B0604020202020204" pitchFamily="34" charset="0"/>
-              </a:rPr>
-              <a:t> administered</a:t>
-            </a:r>
-          </a:p>
-          <a:p>
-            <a:pPr marL="742950" lvl="1" indent="-285750">
-              <a:lnSpc>
-                <a:spcPct val="200000"/>
-              </a:lnSpc>
-              <a:buFont typeface="Arial" panose="020B0604020202020204" pitchFamily="34" charset="0"/>
-              <a:buChar char="•"/>
-            </a:pPr>
-            <a:r>
-              <a:rPr lang="en-US" sz="2400" b="1" dirty="0" smtClean="0">
-                <a:ea typeface="Roboto Cn" pitchFamily="2" charset="0"/>
-                <a:cs typeface="Arial" panose="020B0604020202020204" pitchFamily="34" charset="0"/>
-              </a:rPr>
-              <a:t>25 min later: </a:t>
-            </a:r>
-            <a:r>
-              <a:rPr lang="en-US" sz="2400" b="1" dirty="0" err="1" smtClean="0">
-                <a:ea typeface="Roboto Cn" pitchFamily="2" charset="0"/>
-                <a:cs typeface="Arial" panose="020B0604020202020204" pitchFamily="34" charset="0"/>
-              </a:rPr>
-              <a:t>Ph</a:t>
-            </a:r>
-            <a:r>
-              <a:rPr lang="en-US" sz="2400" b="1" dirty="0" smtClean="0">
-                <a:ea typeface="Roboto Cn" pitchFamily="2" charset="0"/>
-                <a:cs typeface="Arial" panose="020B0604020202020204" pitchFamily="34" charset="0"/>
-              </a:rPr>
-              <a:t> </a:t>
-            </a:r>
-            <a:r>
-              <a:rPr lang="en-US" sz="2400" b="1" dirty="0" err="1" smtClean="0">
-                <a:ea typeface="Roboto Cn" pitchFamily="2" charset="0"/>
-                <a:cs typeface="Arial" panose="020B0604020202020204" pitchFamily="34" charset="0"/>
-              </a:rPr>
-              <a:t>rsfMRI</a:t>
-            </a:r>
-            <a:endParaRPr lang="en-US" sz="2400" b="1" dirty="0" smtClean="0">
-              <a:ea typeface="Roboto Cn" pitchFamily="2" charset="0"/>
-              <a:cs typeface="Arial" panose="020B0604020202020204" pitchFamily="34" charset="0"/>
-            </a:endParaRPr>
-          </a:p>
-        </p:txBody>
-      </p:sp>
-      <p:sp>
-        <p:nvSpPr>
-          <p:cNvPr id="9" name="文本框 29"/>
-          <p:cNvSpPr txBox="1"/>
-          <p:nvPr/>
-        </p:nvSpPr>
-        <p:spPr>
-          <a:xfrm>
-            <a:off x="662539" y="294935"/>
-            <a:ext cx="6998650" cy="769441"/>
-          </a:xfrm>
-          <a:prstGeom prst="rect">
-            <a:avLst/>
-          </a:prstGeom>
-          <a:noFill/>
-        </p:spPr>
-        <p:txBody>
-          <a:bodyPr wrap="square" rtlCol="0">
-            <a:spAutoFit/>
-          </a:bodyPr>
-          <a:lstStyle/>
-          <a:p>
-            <a:r>
-              <a:rPr lang="en-US" altLang="zh-CN" sz="4400" b="1" dirty="0" smtClean="0">
-                <a:solidFill>
-                  <a:srgbClr val="00ABB4"/>
-                </a:solidFill>
-                <a:latin typeface="微软雅黑" panose="020B0503020204020204" pitchFamily="34" charset="-122"/>
-                <a:ea typeface="微软雅黑" panose="020B0503020204020204" pitchFamily="34" charset="-122"/>
-              </a:rPr>
-              <a:t>Ph rsfMRI</a:t>
-            </a:r>
-          </a:p>
-        </p:txBody>
-      </p:sp>
-    </p:spTree>
-    <p:extLst>
-      <p:ext uri="{BB962C8B-B14F-4D97-AF65-F5344CB8AC3E}">
-        <p14:creationId xmlns:p14="http://schemas.microsoft.com/office/powerpoint/2010/main" val="3963029718"/>
-      </p:ext>
-    </p:extLst>
-  </p:cSld>
-  <p:clrMapOvr>
-    <a:masterClrMapping/>
-  </p:clrMapOvr>
-  <p:timing>
-    <p:tnLst>
-      <p:par>
-        <p:cTn id="1" dur="indefinite" restart="never" nodeType="tmRoot"/>
-      </p:par>
-    </p:tnLst>
-  </p:timing>
-</p:sld>
-</file>
-
-<file path=ppt/slides/slide22.xml><?xml version="1.0" encoding="utf-8"?>
-<p:sld xmlns:a="http://schemas.openxmlformats.org/drawingml/2006/main" xmlns:r="http://schemas.openxmlformats.org/officeDocument/2006/relationships" xmlns:p="http://schemas.openxmlformats.org/presentationml/2006/main">
-  <p:cSld>
-    <p:spTree>
-      <p:nvGrpSpPr>
-        <p:cNvPr id="1" name=""/>
-        <p:cNvGrpSpPr/>
-        <p:nvPr/>
-      </p:nvGrpSpPr>
-      <p:grpSpPr>
-        <a:xfrm>
-          <a:off x="0" y="0"/>
-          <a:ext cx="0" cy="0"/>
-          <a:chOff x="0" y="0"/>
-          <a:chExt cx="0" cy="0"/>
-        </a:xfrm>
-      </p:grpSpPr>
-      <p:sp>
-        <p:nvSpPr>
-          <p:cNvPr id="3" name="文本框 2"/>
-          <p:cNvSpPr txBox="1"/>
-          <p:nvPr/>
-        </p:nvSpPr>
-        <p:spPr>
-          <a:xfrm>
-            <a:off x="2618510" y="2333008"/>
-            <a:ext cx="6964407" cy="1261884"/>
-          </a:xfrm>
-          <a:prstGeom prst="rect">
-            <a:avLst/>
-          </a:prstGeom>
-          <a:noFill/>
-        </p:spPr>
-        <p:txBody>
-          <a:bodyPr wrap="none" rtlCol="0">
-            <a:spAutoFit/>
-          </a:bodyPr>
-          <a:lstStyle/>
-          <a:p>
-            <a:pPr algn="ctr"/>
-            <a:r>
-              <a:rPr lang="en-US" altLang="zh-CN" sz="3800" b="1" dirty="0" smtClean="0">
-                <a:solidFill>
-                  <a:srgbClr val="00ABB4"/>
-                </a:solidFill>
-                <a:effectLst>
-                  <a:outerShdw blurRad="38100" dist="38100" dir="2700000" algn="tl">
-                    <a:srgbClr val="000000">
-                      <a:alpha val="43137"/>
-                    </a:srgbClr>
-                  </a:outerShdw>
-                </a:effectLst>
-                <a:latin typeface="微软雅黑" panose="020B0503020204020204" pitchFamily="34" charset="-122"/>
-                <a:ea typeface="微软雅黑" panose="020B0503020204020204" pitchFamily="34" charset="-122"/>
-              </a:rPr>
-              <a:t>Thank you all for listening~</a:t>
-            </a:r>
-            <a:r>
-              <a:rPr lang="en-US" altLang="zh-CN" sz="3800" b="1" dirty="0">
-                <a:solidFill>
-                  <a:srgbClr val="00ABB4"/>
-                </a:solidFill>
-                <a:effectLst>
-                  <a:outerShdw blurRad="38100" dist="38100" dir="2700000" algn="tl">
-                    <a:srgbClr val="000000">
-                      <a:alpha val="43137"/>
-                    </a:srgbClr>
-                  </a:outerShdw>
-                </a:effectLst>
-                <a:latin typeface="微软雅黑" panose="020B0503020204020204" pitchFamily="34" charset="-122"/>
-                <a:ea typeface="微软雅黑" panose="020B0503020204020204" pitchFamily="34" charset="-122"/>
-              </a:rPr>
-              <a:t/>
-            </a:r>
-            <a:br>
-              <a:rPr lang="en-US" altLang="zh-CN" sz="3800" b="1" dirty="0">
-                <a:solidFill>
-                  <a:srgbClr val="00ABB4"/>
-                </a:solidFill>
-                <a:effectLst>
-                  <a:outerShdw blurRad="38100" dist="38100" dir="2700000" algn="tl">
-                    <a:srgbClr val="000000">
-                      <a:alpha val="43137"/>
-                    </a:srgbClr>
-                  </a:outerShdw>
-                </a:effectLst>
-                <a:latin typeface="微软雅黑" panose="020B0503020204020204" pitchFamily="34" charset="-122"/>
-                <a:ea typeface="微软雅黑" panose="020B0503020204020204" pitchFamily="34" charset="-122"/>
-              </a:rPr>
-            </a:br>
-            <a:endParaRPr lang="en-US" altLang="zh-CN" sz="3800" b="1" dirty="0">
-              <a:solidFill>
-                <a:srgbClr val="00ABB4"/>
-              </a:solidFill>
-              <a:effectLst>
-                <a:outerShdw blurRad="38100" dist="38100" dir="2700000" algn="tl">
-                  <a:srgbClr val="000000">
-                    <a:alpha val="43137"/>
-                  </a:srgbClr>
-                </a:outerShdw>
-              </a:effectLst>
-              <a:latin typeface="微软雅黑" panose="020B0503020204020204" pitchFamily="34" charset="-122"/>
-              <a:ea typeface="微软雅黑" panose="020B0503020204020204" pitchFamily="34" charset="-122"/>
-            </a:endParaRPr>
-          </a:p>
-        </p:txBody>
-      </p:sp>
-    </p:spTree>
-    <p:extLst>
-      <p:ext uri="{BB962C8B-B14F-4D97-AF65-F5344CB8AC3E}">
-        <p14:creationId xmlns:p14="http://schemas.microsoft.com/office/powerpoint/2010/main" val="3711594375"/>
+        <p14:creationId xmlns:p14="http://schemas.microsoft.com/office/powerpoint/2010/main" val="80250234"/>
       </p:ext>
     </p:extLst>
   </p:cSld>
@@ -9722,14 +11979,222 @@
       </p:sp>
       <p:sp>
         <p:nvSpPr>
-          <p:cNvPr id="31" name="Rectangle 96"/>
+          <p:cNvPr id="7" name="Rectangle 96"/>
           <p:cNvSpPr/>
           <p:nvPr/>
         </p:nvSpPr>
         <p:spPr>
           <a:xfrm>
-            <a:off x="567953" y="299146"/>
-            <a:ext cx="5350945" cy="5842497"/>
+            <a:off x="6106787" y="390346"/>
+            <a:ext cx="6047113" cy="5262979"/>
+          </a:xfrm>
+          <a:prstGeom prst="rect">
+            <a:avLst/>
+          </a:prstGeom>
+        </p:spPr>
+        <p:txBody>
+          <a:bodyPr wrap="square">
+            <a:spAutoFit/>
+          </a:bodyPr>
+          <a:lstStyle/>
+          <a:p>
+            <a:pPr marL="742950" lvl="1" indent="-285750">
+              <a:lnSpc>
+                <a:spcPct val="150000"/>
+              </a:lnSpc>
+              <a:buFont typeface="Arial" panose="020B0604020202020204" pitchFamily="34" charset="0"/>
+              <a:buChar char="•"/>
+            </a:pPr>
+            <a:r>
+              <a:rPr lang="en-US" altLang="zh-CN" sz="2800" dirty="0" smtClean="0"/>
+              <a:t>High </a:t>
+            </a:r>
+            <a:r>
+              <a:rPr lang="en-US" altLang="zh-CN" sz="2800" dirty="0"/>
+              <a:t>dose </a:t>
+            </a:r>
+            <a:r>
+              <a:rPr lang="en-US" altLang="zh-CN" sz="2800" dirty="0" smtClean="0"/>
+              <a:t>:</a:t>
+            </a:r>
+          </a:p>
+          <a:p>
+            <a:pPr lvl="1">
+              <a:lnSpc>
+                <a:spcPct val="150000"/>
+              </a:lnSpc>
+            </a:pPr>
+            <a:r>
+              <a:rPr lang="en-US" altLang="zh-CN" sz="2800" dirty="0"/>
+              <a:t>	</a:t>
+            </a:r>
+            <a:r>
+              <a:rPr lang="en-US" altLang="zh-CN" sz="2800" dirty="0" smtClean="0"/>
+              <a:t> </a:t>
+            </a:r>
+            <a:r>
+              <a:rPr lang="en-US" altLang="zh-CN" sz="2800" dirty="0"/>
+              <a:t>reduced </a:t>
+            </a:r>
+            <a:r>
+              <a:rPr lang="en-US" altLang="zh-CN" sz="2800" dirty="0" smtClean="0"/>
+              <a:t>or </a:t>
+            </a:r>
+            <a:r>
+              <a:rPr lang="en-US" altLang="zh-CN" sz="2800" dirty="0"/>
+              <a:t>	</a:t>
+            </a:r>
+            <a:r>
+              <a:rPr lang="en-US" altLang="zh-CN" sz="2800" dirty="0" smtClean="0"/>
+              <a:t>complete </a:t>
+            </a:r>
+            <a:r>
+              <a:rPr lang="en-US" altLang="zh-CN" sz="2800" dirty="0"/>
+              <a:t>loss </a:t>
+            </a:r>
+            <a:r>
+              <a:rPr lang="en-US" altLang="zh-CN" sz="2800" dirty="0" smtClean="0"/>
+              <a:t>of 	bilateral </a:t>
+            </a:r>
+            <a:r>
+              <a:rPr lang="en-US" altLang="zh-CN" sz="2800" dirty="0"/>
+              <a:t>FC </a:t>
+            </a:r>
+            <a:endParaRPr lang="en-US" altLang="zh-CN" sz="2800" dirty="0" smtClean="0"/>
+          </a:p>
+          <a:p>
+            <a:pPr marL="742950" lvl="1" indent="-285750">
+              <a:lnSpc>
+                <a:spcPct val="150000"/>
+              </a:lnSpc>
+              <a:buFont typeface="Arial" panose="020B0604020202020204" pitchFamily="34" charset="0"/>
+              <a:buChar char="•"/>
+            </a:pPr>
+            <a:r>
+              <a:rPr lang="en-US" altLang="zh-CN" sz="2800" dirty="0" smtClean="0"/>
+              <a:t>Mid-to-high </a:t>
+            </a:r>
+            <a:r>
+              <a:rPr lang="en-US" altLang="zh-CN" sz="2800" dirty="0"/>
+              <a:t>dose</a:t>
+            </a:r>
+            <a:r>
+              <a:rPr lang="en-US" altLang="zh-CN" sz="2800" dirty="0"/>
+              <a:t> </a:t>
+            </a:r>
+            <a:r>
+              <a:rPr lang="en-US" altLang="zh-CN" sz="2800" dirty="0" smtClean="0"/>
+              <a:t>:</a:t>
+            </a:r>
+            <a:r>
+              <a:rPr lang="en-US" altLang="zh-CN" sz="2800" dirty="0"/>
+              <a:t> </a:t>
+            </a:r>
+            <a:endParaRPr lang="en-US" altLang="zh-CN" sz="2800" dirty="0" smtClean="0"/>
+          </a:p>
+          <a:p>
+            <a:pPr lvl="1">
+              <a:lnSpc>
+                <a:spcPct val="150000"/>
+              </a:lnSpc>
+            </a:pPr>
+            <a:r>
+              <a:rPr lang="en-US" altLang="zh-CN" sz="2800" dirty="0"/>
+              <a:t>	</a:t>
+            </a:r>
+            <a:r>
+              <a:rPr lang="en-US" altLang="zh-CN" sz="2800" dirty="0" smtClean="0"/>
+              <a:t>burst-suppression </a:t>
+            </a:r>
+            <a:r>
+              <a:rPr lang="en-US" altLang="zh-CN" sz="2800" dirty="0"/>
+              <a:t>activity</a:t>
+            </a:r>
+            <a:r>
+              <a:rPr lang="en-US" altLang="zh-CN" sz="2800" dirty="0"/>
+              <a:t> </a:t>
+            </a:r>
+            <a:endParaRPr lang="en-US" altLang="zh-CN" sz="2800" dirty="0" smtClean="0"/>
+          </a:p>
+          <a:p>
+            <a:pPr marL="742950" lvl="1" indent="-285750">
+              <a:lnSpc>
+                <a:spcPct val="150000"/>
+              </a:lnSpc>
+              <a:buFont typeface="Arial" panose="020B0604020202020204" pitchFamily="34" charset="0"/>
+              <a:buChar char="•"/>
+            </a:pPr>
+            <a:r>
+              <a:rPr lang="en-US" altLang="zh-CN" sz="2800" b="1" dirty="0" smtClean="0"/>
+              <a:t>Low</a:t>
+            </a:r>
+            <a:r>
+              <a:rPr lang="en-US" altLang="zh-CN" sz="2800" dirty="0" smtClean="0"/>
+              <a:t> </a:t>
+            </a:r>
+            <a:r>
+              <a:rPr lang="en-US" altLang="zh-CN" sz="2800" dirty="0"/>
+              <a:t>dose</a:t>
+            </a:r>
+            <a:r>
+              <a:rPr lang="en-US" altLang="zh-CN" sz="2800" dirty="0"/>
+              <a:t> </a:t>
+            </a:r>
+            <a:r>
+              <a:rPr lang="en-US" altLang="zh-CN" sz="2800" dirty="0" smtClean="0"/>
+              <a:t>:</a:t>
+            </a:r>
+            <a:r>
+              <a:rPr lang="en-US" altLang="zh-CN" sz="2800" dirty="0"/>
+              <a:t> </a:t>
+            </a:r>
+            <a:endParaRPr lang="en-US" altLang="zh-CN" sz="2800" dirty="0" smtClean="0"/>
+          </a:p>
+          <a:p>
+            <a:pPr lvl="1">
+              <a:lnSpc>
+                <a:spcPct val="150000"/>
+              </a:lnSpc>
+            </a:pPr>
+            <a:r>
+              <a:rPr lang="en-US" altLang="zh-CN" sz="2800" dirty="0"/>
+              <a:t>	</a:t>
+            </a:r>
+            <a:r>
+              <a:rPr lang="en-US" altLang="zh-CN" sz="2800" dirty="0" smtClean="0"/>
+              <a:t>strong focal connectivity </a:t>
+            </a:r>
+          </a:p>
+          <a:p>
+            <a:pPr marL="1200150" lvl="2" indent="-285750">
+              <a:lnSpc>
+                <a:spcPct val="150000"/>
+              </a:lnSpc>
+              <a:buFont typeface="Arial" panose="020B0604020202020204" pitchFamily="34" charset="0"/>
+              <a:buChar char="•"/>
+            </a:pPr>
+            <a:r>
+              <a:rPr lang="en-US" altLang="zh-CN" sz="2800" dirty="0"/>
+              <a:t>thalamocortical connectivity</a:t>
+            </a:r>
+            <a:r>
+              <a:rPr lang="en-US" altLang="zh-CN" sz="2800" dirty="0"/>
+              <a:t> </a:t>
+            </a:r>
+            <a:endParaRPr lang="en-US" altLang="zh-CN" sz="2800" dirty="0" smtClean="0"/>
+          </a:p>
+        </p:txBody>
+      </p:sp>
+      <p:sp>
+        <p:nvSpPr>
+          <p:cNvPr id="6" name="Rectangle 96"/>
+          <p:cNvSpPr/>
+          <p:nvPr/>
+        </p:nvSpPr>
+        <p:spPr>
+          <a:xfrm>
+            <a:off x="421625" y="366623"/>
+            <a:ext cx="5331476" cy="5909310"/>
           </a:xfrm>
           <a:prstGeom prst="rect">
             <a:avLst/>
@@ -9749,19 +12214,16 @@
               <a:buChar char="•"/>
             </a:pPr>
             <a:r>
-              <a:rPr lang="el-GR" altLang="zh-CN" sz="2800" b="1" dirty="0">
-                <a:ea typeface="Roboto Cn" pitchFamily="2" charset="0"/>
-                <a:cs typeface="Arial" panose="020B0604020202020204" pitchFamily="34" charset="0"/>
-              </a:rPr>
-              <a:t>α-</a:t>
-            </a:r>
-            <a:r>
               <a:rPr lang="en-US" altLang="zh-CN" sz="2800" b="1" dirty="0" smtClean="0">
                 <a:ea typeface="Roboto Cn" pitchFamily="2" charset="0"/>
                 <a:cs typeface="Arial" panose="020B0604020202020204" pitchFamily="34" charset="0"/>
               </a:rPr>
-              <a:t>chloralose:</a:t>
-            </a:r>
+              <a:t>Isoflurane :</a:t>
+            </a:r>
+            <a:endParaRPr lang="en-US" altLang="zh-CN" sz="2800" b="1" dirty="0">
+              <a:ea typeface="Roboto Cn" pitchFamily="2" charset="0"/>
+              <a:cs typeface="Arial" panose="020B0604020202020204" pitchFamily="34" charset="0"/>
+            </a:endParaRPr>
           </a:p>
           <a:p>
             <a:pPr marL="742950" lvl="1" indent="-285750">
@@ -9773,13 +12235,35 @@
             </a:pPr>
             <a:r>
               <a:rPr lang="en-US" altLang="zh-CN" sz="2800" dirty="0" smtClean="0"/>
-              <a:t>Minimal impact </a:t>
-            </a:r>
-            <a:r>
-              <a:rPr lang="en-US" altLang="zh-CN" sz="2800" dirty="0"/>
-              <a:t>on neuro-metabolic coupling </a:t>
-            </a:r>
-            <a:endParaRPr lang="en-US" altLang="zh-CN" sz="2800" dirty="0" smtClean="0"/>
+              <a:t>Quick</a:t>
+            </a:r>
+            <a:r>
+              <a:rPr lang="en-US" altLang="zh-CN" sz="2800" dirty="0"/>
+              <a:t>, easy </a:t>
+            </a:r>
+            <a:r>
+              <a:rPr lang="en-US" altLang="zh-CN" sz="2800" dirty="0"/>
+              <a:t>,</a:t>
+            </a:r>
+            <a:r>
+              <a:rPr lang="en-US" altLang="zh-CN" sz="2800" dirty="0" smtClean="0"/>
+              <a:t>safe and </a:t>
+            </a:r>
+          </a:p>
+          <a:p>
+            <a:pPr lvl="1">
+              <a:lnSpc>
+                <a:spcPct val="150000"/>
+              </a:lnSpc>
+            </a:pPr>
+            <a:r>
+              <a:rPr lang="en-US" altLang="zh-CN" sz="2800" dirty="0"/>
+              <a:t>	</a:t>
+            </a:r>
+            <a:r>
+              <a:rPr lang="en-US" altLang="zh-CN" sz="2800" dirty="0" smtClean="0"/>
+              <a:t>good recovery </a:t>
+            </a:r>
           </a:p>
           <a:p>
             <a:pPr marL="742950" lvl="1" indent="-285750">
@@ -9791,7 +12275,46 @@
             </a:pPr>
             <a:r>
               <a:rPr lang="en-US" altLang="zh-CN" sz="2800" dirty="0" smtClean="0"/>
-              <a:t>Potentiate GABAergic transmission</a:t>
+              <a:t>Multiple </a:t>
+            </a:r>
+            <a:r>
+              <a:rPr lang="en-US" altLang="zh-CN" sz="2800" dirty="0"/>
+              <a:t>systems</a:t>
+            </a:r>
+            <a:r>
+              <a:rPr lang="en-US" altLang="zh-CN" sz="2800" dirty="0"/>
+              <a:t> </a:t>
+            </a:r>
+            <a:endParaRPr lang="en-US" altLang="zh-CN" sz="2800" dirty="0" smtClean="0"/>
+          </a:p>
+          <a:p>
+            <a:pPr marL="1200150" lvl="2" indent="-285750">
+              <a:lnSpc>
+                <a:spcPct val="150000"/>
+              </a:lnSpc>
+              <a:buFont typeface="Arial" panose="020B0604020202020204" pitchFamily="34" charset="0"/>
+              <a:buChar char="•"/>
+            </a:pPr>
+            <a:r>
+              <a:rPr lang="en-US" altLang="zh-CN" sz="2800" dirty="0"/>
+              <a:t>G</a:t>
+            </a:r>
+            <a:r>
+              <a:rPr lang="en-US" altLang="zh-CN" sz="2800" dirty="0" smtClean="0"/>
+              <a:t>utamatergic system</a:t>
+            </a:r>
+          </a:p>
+          <a:p>
+            <a:pPr marL="1200150" lvl="2" indent="-285750">
+              <a:lnSpc>
+                <a:spcPct val="150000"/>
+              </a:lnSpc>
+              <a:buFont typeface="Arial" panose="020B0604020202020204" pitchFamily="34" charset="0"/>
+              <a:buChar char="•"/>
+            </a:pPr>
+            <a:r>
+              <a:rPr lang="en-US" altLang="zh-CN" sz="2800" dirty="0" smtClean="0"/>
+              <a:t>GABAergic systems</a:t>
             </a:r>
           </a:p>
           <a:p>
@@ -9803,70 +12326,10 @@
               <a:buChar char="•"/>
             </a:pPr>
             <a:r>
-              <a:rPr lang="en-US" altLang="zh-CN" sz="2800" dirty="0"/>
-              <a:t>A</a:t>
-            </a:r>
-            <a:r>
               <a:rPr lang="en-US" altLang="zh-CN" sz="2800" dirty="0" smtClean="0"/>
-              <a:t>llows </a:t>
-            </a:r>
-            <a:r>
-              <a:rPr lang="en-US" altLang="zh-CN" sz="2800" dirty="0"/>
-              <a:t>measurement of FC </a:t>
-            </a:r>
-            <a:r>
-              <a:rPr lang="en-US" altLang="zh-CN" sz="2800" dirty="0" smtClean="0"/>
-              <a:t>with strong </a:t>
-            </a:r>
-            <a:r>
-              <a:rPr lang="en-US" altLang="zh-CN" sz="2800" dirty="0"/>
-              <a:t>strength and good localization</a:t>
-            </a:r>
-            <a:r>
-              <a:rPr lang="en-US" altLang="zh-CN" sz="2800" dirty="0"/>
-              <a:t> </a:t>
-            </a:r>
-            <a:endParaRPr lang="en-US" altLang="zh-CN" sz="2800" dirty="0" smtClean="0"/>
-          </a:p>
-          <a:p>
-            <a:pPr marL="1200150" lvl="2" indent="-285750">
-              <a:lnSpc>
-                <a:spcPct val="150000"/>
-              </a:lnSpc>
-              <a:buFont typeface="Arial" panose="020B0604020202020204" pitchFamily="34" charset="0"/>
-              <a:buChar char="•"/>
-            </a:pPr>
-            <a:r>
-              <a:rPr lang="en-US" altLang="zh-CN" sz="2800" dirty="0"/>
-              <a:t>C</a:t>
-            </a:r>
-            <a:r>
-              <a:rPr lang="en-US" altLang="zh-CN" sz="2800" dirty="0" smtClean="0"/>
-              <a:t>audate putamen</a:t>
-            </a:r>
-          </a:p>
-        </p:txBody>
-      </p:sp>
-      <p:sp>
-        <p:nvSpPr>
-          <p:cNvPr id="8" name="Rectangle 96"/>
-          <p:cNvSpPr/>
-          <p:nvPr/>
-        </p:nvSpPr>
-        <p:spPr>
-          <a:xfrm>
-            <a:off x="6373486" y="366623"/>
-            <a:ext cx="5350945" cy="3257174"/>
-          </a:xfrm>
-          <a:prstGeom prst="rect">
-            <a:avLst/>
-          </a:prstGeom>
-        </p:spPr>
-        <p:txBody>
-          <a:bodyPr wrap="square">
-            <a:spAutoFit/>
-          </a:bodyPr>
-          <a:lstStyle/>
+              <a:t>Strong vasodilatory effect </a:t>
+            </a:r>
+          </a:p>
           <a:p>
             <a:pPr marL="742950" lvl="1" indent="-285750">
               <a:lnSpc>
@@ -9877,16 +12340,20 @@
             </a:pPr>
             <a:r>
               <a:rPr lang="en-US" altLang="zh-CN" sz="2800" dirty="0" smtClean="0"/>
-              <a:t>Dosage-dependent </a:t>
-            </a:r>
-            <a:r>
-              <a:rPr lang="en-US" altLang="zh-CN" sz="2800" dirty="0"/>
-              <a:t>effects </a:t>
+              <a:t>Neurovascular </a:t>
+            </a:r>
+            <a:r>
+              <a:rPr lang="en-US" altLang="zh-CN" sz="2800" dirty="0"/>
+              <a:t>coupling</a:t>
+            </a:r>
+            <a:r>
+              <a:rPr lang="en-US" altLang="zh-CN" sz="2800" dirty="0"/>
+              <a:t> </a:t>
             </a:r>
             <a:endParaRPr lang="en-US" altLang="zh-CN" sz="2800" dirty="0" smtClean="0"/>
           </a:p>
           <a:p>
-            <a:pPr marL="1200150" lvl="2" indent="-285750">
+            <a:pPr marL="742950" lvl="1" indent="-285750">
               <a:lnSpc>
                 <a:spcPct val="150000"/>
               </a:lnSpc>
@@ -9895,66 +12362,15 @@
             </a:pPr>
             <a:r>
               <a:rPr lang="en-US" altLang="zh-CN" sz="2800" dirty="0" smtClean="0"/>
-              <a:t>Evoked </a:t>
-            </a:r>
-            <a:r>
-              <a:rPr lang="en-US" altLang="zh-CN" sz="2800" dirty="0"/>
-              <a:t>activation </a:t>
-            </a:r>
-            <a:endParaRPr lang="en-US" altLang="zh-CN" sz="2800" dirty="0" smtClean="0"/>
-          </a:p>
-          <a:p>
-            <a:pPr marL="1200150" lvl="2" indent="-285750">
-              <a:lnSpc>
-                <a:spcPct val="150000"/>
-              </a:lnSpc>
-              <a:buFont typeface="Arial" panose="020B0604020202020204" pitchFamily="34" charset="0"/>
-              <a:buChar char="•"/>
-            </a:pPr>
-            <a:r>
-              <a:rPr lang="en-US" altLang="zh-CN" sz="2800" dirty="0"/>
-              <a:t>I</a:t>
-            </a:r>
-            <a:r>
-              <a:rPr lang="en-US" altLang="zh-CN" sz="2800" dirty="0" smtClean="0"/>
-              <a:t>nterhemispheric coherence</a:t>
-            </a:r>
-          </a:p>
-          <a:p>
-            <a:pPr marL="1200150" lvl="2" indent="-285750">
-              <a:lnSpc>
-                <a:spcPct val="150000"/>
-              </a:lnSpc>
-              <a:buFont typeface="Arial" panose="020B0604020202020204" pitchFamily="34" charset="0"/>
-              <a:buChar char="•"/>
-            </a:pPr>
-            <a:r>
-              <a:rPr lang="en-US" altLang="zh-CN" sz="2800" dirty="0"/>
-              <a:t>A</a:t>
-            </a:r>
-            <a:r>
-              <a:rPr lang="en-US" altLang="zh-CN" sz="2800" dirty="0" smtClean="0"/>
-              <a:t>ttenuated </a:t>
-            </a:r>
-            <a:r>
-              <a:rPr lang="en-US" altLang="zh-CN" sz="2800" dirty="0"/>
-              <a:t>at high </a:t>
-            </a:r>
-            <a:r>
-              <a:rPr lang="en-US" altLang="zh-CN" sz="2800" dirty="0" smtClean="0"/>
-              <a:t>dose</a:t>
-            </a:r>
-            <a:endParaRPr lang="en-US" altLang="zh-CN" sz="2800" b="1" dirty="0">
-              <a:ea typeface="Roboto Cn" pitchFamily="2" charset="0"/>
-              <a:cs typeface="Arial" panose="020B0604020202020204" pitchFamily="34" charset="0"/>
-            </a:endParaRPr>
+              <a:t>Dosage-dependent </a:t>
+            </a:r>
           </a:p>
         </p:txBody>
       </p:sp>
     </p:spTree>
     <p:extLst>
       <p:ext uri="{BB962C8B-B14F-4D97-AF65-F5344CB8AC3E}">
-        <p14:creationId xmlns:p14="http://schemas.microsoft.com/office/powerpoint/2010/main" val="2624469208"/>
+        <p14:creationId xmlns:p14="http://schemas.microsoft.com/office/powerpoint/2010/main" val="1425279909"/>
       </p:ext>
     </p:extLst>
   </p:cSld>
@@ -10038,14 +12454,14 @@
       </p:sp>
       <p:sp>
         <p:nvSpPr>
-          <p:cNvPr id="7" name="Rectangle 96"/>
+          <p:cNvPr id="31" name="Rectangle 96"/>
           <p:cNvSpPr/>
           <p:nvPr/>
         </p:nvSpPr>
         <p:spPr>
           <a:xfrm>
-            <a:off x="6106787" y="390346"/>
-            <a:ext cx="6047113" cy="5262979"/>
+            <a:off x="209551" y="299146"/>
+            <a:ext cx="5709348" cy="5909310"/>
           </a:xfrm>
           <a:prstGeom prst="rect">
             <a:avLst/>
@@ -10056,6 +12472,22 @@
             <a:spAutoFit/>
           </a:bodyPr>
           <a:lstStyle/>
+          <a:p>
+            <a:pPr marL="285750" indent="-285750">
+              <a:lnSpc>
+                <a:spcPct val="150000"/>
+              </a:lnSpc>
+              <a:buFont typeface="Arial" panose="020B0604020202020204" pitchFamily="34" charset="0"/>
+              <a:buChar char="•"/>
+            </a:pPr>
+            <a:r>
+              <a:rPr lang="en-US" altLang="zh-CN" sz="2800" b="1" dirty="0" smtClean="0">
+                <a:ea typeface="Roboto Cn" pitchFamily="2" charset="0"/>
+                <a:cs typeface="Arial" panose="020B0604020202020204" pitchFamily="34" charset="0"/>
+              </a:rPr>
+              <a:t>Medetomidine/dexmedetomidine :</a:t>
+            </a:r>
+          </a:p>
           <a:p>
             <a:pPr marL="742950" lvl="1" indent="-285750">
               <a:lnSpc>
@@ -10066,58 +12498,26 @@
             </a:pPr>
             <a:r>
               <a:rPr lang="en-US" altLang="zh-CN" sz="2800" dirty="0" smtClean="0"/>
-              <a:t>High </a:t>
-            </a:r>
-            <a:r>
-              <a:rPr lang="en-US" altLang="zh-CN" sz="2800" dirty="0"/>
-              <a:t>dose </a:t>
-            </a:r>
-            <a:r>
-              <a:rPr lang="en-US" altLang="zh-CN" sz="2800" dirty="0" smtClean="0"/>
-              <a:t>:</a:t>
-            </a:r>
-          </a:p>
-          <a:p>
-            <a:pPr lvl="1">
-              <a:lnSpc>
-                <a:spcPct val="150000"/>
-              </a:lnSpc>
-            </a:pPr>
-            <a:r>
-              <a:rPr lang="en-US" altLang="zh-CN" sz="2800" dirty="0"/>
-              <a:t>	</a:t>
-            </a:r>
-            <a:r>
-              <a:rPr lang="en-US" altLang="zh-CN" sz="2800" dirty="0" smtClean="0"/>
+              <a:t>Agonizes </a:t>
+            </a:r>
+            <a:r>
+              <a:rPr lang="en-US" altLang="zh-CN" sz="2800" dirty="0"/>
+              <a:t>the </a:t>
+            </a:r>
+            <a:r>
+              <a:rPr lang="el-GR" altLang="zh-CN" sz="2800" dirty="0"/>
+              <a:t>α2-</a:t>
+            </a:r>
+            <a:br>
+              <a:rPr lang="el-GR" altLang="zh-CN" sz="2800" dirty="0"/>
+            </a:br>
+            <a:r>
+              <a:rPr lang="en-US" altLang="zh-CN" sz="2800" dirty="0"/>
+              <a:t>adrenergic receptor</a:t>
+            </a:r>
+            <a:r>
+              <a:rPr lang="en-US" altLang="zh-CN" sz="2800" dirty="0"/>
               <a:t> </a:t>
-            </a:r>
-            <a:r>
-              <a:rPr lang="en-US" altLang="zh-CN" sz="2800" dirty="0"/>
-              <a:t>reduced </a:t>
-            </a:r>
-            <a:r>
-              <a:rPr lang="en-US" altLang="zh-CN" sz="2800" dirty="0" smtClean="0"/>
-              <a:t>or </a:t>
-            </a:r>
-            <a:r>
-              <a:rPr lang="en-US" altLang="zh-CN" sz="2800" dirty="0"/>
-              <a:t>	</a:t>
-            </a:r>
-            <a:r>
-              <a:rPr lang="en-US" altLang="zh-CN" sz="2800" dirty="0" smtClean="0"/>
-              <a:t>complete </a:t>
-            </a:r>
-            <a:r>
-              <a:rPr lang="en-US" altLang="zh-CN" sz="2800" dirty="0"/>
-              <a:t>loss </a:t>
-            </a:r>
-            <a:r>
-              <a:rPr lang="en-US" altLang="zh-CN" sz="2800" dirty="0" smtClean="0"/>
-              <a:t>of 	bilateral </a:t>
-            </a:r>
-            <a:r>
-              <a:rPr lang="en-US" altLang="zh-CN" sz="2800" dirty="0"/>
-              <a:t>FC </a:t>
             </a:r>
             <a:endParaRPr lang="en-US" altLang="zh-CN" sz="2800" dirty="0" smtClean="0"/>
           </a:p>
@@ -10131,43 +12531,18 @@
             </a:pPr>
             <a:r>
               <a:rPr lang="en-US" altLang="zh-CN" sz="2800" dirty="0" smtClean="0"/>
-              <a:t>Mid-to-high </a:t>
-            </a:r>
-            <a:r>
-              <a:rPr lang="en-US" altLang="zh-CN" sz="2800" dirty="0"/>
-              <a:t>dose</a:t>
-            </a:r>
-            <a:r>
-              <a:rPr lang="en-US" altLang="zh-CN" sz="2800" dirty="0"/>
-              <a:t> </a:t>
-            </a:r>
-            <a:r>
-              <a:rPr lang="en-US" altLang="zh-CN" sz="2800" dirty="0" smtClean="0"/>
-              <a:t>:</a:t>
-            </a:r>
-            <a:r>
-              <a:rPr lang="en-US" altLang="zh-CN" sz="2800" dirty="0"/>
-              <a:t> </a:t>
-            </a:r>
-            <a:endParaRPr lang="en-US" altLang="zh-CN" sz="2800" dirty="0" smtClean="0"/>
-          </a:p>
-          <a:p>
-            <a:pPr lvl="1">
-              <a:lnSpc>
-                <a:spcPct val="150000"/>
-              </a:lnSpc>
-            </a:pPr>
-            <a:r>
-              <a:rPr lang="en-US" altLang="zh-CN" sz="2800" dirty="0"/>
-              <a:t>	</a:t>
-            </a:r>
-            <a:r>
-              <a:rPr lang="en-US" altLang="zh-CN" sz="2800" dirty="0" smtClean="0"/>
-              <a:t>burst-suppression </a:t>
-            </a:r>
-            <a:r>
-              <a:rPr lang="en-US" altLang="zh-CN" sz="2800" dirty="0"/>
-              <a:t>activity</a:t>
+              <a:t>Cause </a:t>
+            </a:r>
+            <a:r>
+              <a:rPr lang="en-US" altLang="zh-CN" sz="2800" dirty="0"/>
+              <a:t>bradycardia and</a:t>
+            </a:r>
+            <a:br>
+              <a:rPr lang="en-US" altLang="zh-CN" sz="2800" dirty="0"/>
+            </a:br>
+            <a:r>
+              <a:rPr lang="en-US" altLang="zh-CN" sz="2800" dirty="0"/>
+              <a:t>act as vasoconstrictors</a:t>
             </a:r>
             <a:r>
               <a:rPr lang="en-US" altLang="zh-CN" sz="2800" dirty="0"/>
@@ -10184,30 +12559,102 @@
               <a:buChar char="•"/>
             </a:pPr>
             <a:r>
-              <a:rPr lang="en-US" altLang="zh-CN" sz="2800" b="1" dirty="0" smtClean="0"/>
-              <a:t>Low</a:t>
+              <a:rPr lang="en-US" altLang="zh-CN" sz="2800" dirty="0" smtClean="0"/>
+              <a:t>Less </a:t>
+            </a:r>
+            <a:r>
+              <a:rPr lang="en-US" altLang="zh-CN" sz="2800" dirty="0"/>
+              <a:t>impact on neural activity and </a:t>
+            </a:r>
+            <a:r>
+              <a:rPr lang="en-US" altLang="zh-CN" sz="2800" dirty="0" smtClean="0"/>
+              <a:t>neurovascular coupling </a:t>
+            </a:r>
+          </a:p>
+          <a:p>
+            <a:pPr marL="742950" lvl="1" indent="-285750">
+              <a:lnSpc>
+                <a:spcPct val="150000"/>
+              </a:lnSpc>
+              <a:buFont typeface="Arial" panose="020B0604020202020204" pitchFamily="34" charset="0"/>
+              <a:buChar char="•"/>
+            </a:pPr>
+            <a:r>
+              <a:rPr lang="en-US" altLang="zh-CN" sz="2800" dirty="0" smtClean="0"/>
+              <a:t>Easily </a:t>
+            </a:r>
+            <a:r>
+              <a:rPr lang="en-US" altLang="zh-CN" sz="2800" dirty="0"/>
+              <a:t>reversible by </a:t>
+            </a:r>
+            <a:r>
+              <a:rPr lang="en-US" altLang="zh-CN" sz="2800" dirty="0" smtClean="0"/>
+              <a:t>an antagonist</a:t>
+            </a:r>
+          </a:p>
+          <a:p>
+            <a:pPr marL="742950" lvl="1" indent="-285750">
+              <a:lnSpc>
+                <a:spcPct val="150000"/>
+              </a:lnSpc>
+              <a:buFont typeface="Arial" panose="020B0604020202020204" pitchFamily="34" charset="0"/>
+              <a:buChar char="•"/>
+            </a:pPr>
+            <a:r>
+              <a:rPr lang="en-US" altLang="zh-CN" sz="2800" dirty="0"/>
+              <a:t>Low dose: strong and focal RSNs </a:t>
             </a:r>
             <a:r>
               <a:rPr lang="en-US" altLang="zh-CN" sz="2800" dirty="0" smtClean="0"/>
               <a:t> </a:t>
             </a:r>
-            <a:r>
-              <a:rPr lang="en-US" altLang="zh-CN" sz="2800" dirty="0"/>
-              <a:t>dose</a:t>
-            </a:r>
-            <a:r>
-              <a:rPr lang="en-US" altLang="zh-CN" sz="2800" dirty="0"/>
-              <a:t> </a:t>
-            </a:r>
+          </a:p>
+        </p:txBody>
+      </p:sp>
+      <p:sp>
+        <p:nvSpPr>
+          <p:cNvPr id="5" name="Rectangle 96"/>
+          <p:cNvSpPr/>
+          <p:nvPr/>
+        </p:nvSpPr>
+        <p:spPr>
+          <a:xfrm>
+            <a:off x="6194286" y="337246"/>
+            <a:ext cx="5709348" cy="6555641"/>
+          </a:xfrm>
+          <a:prstGeom prst="rect">
+            <a:avLst/>
+          </a:prstGeom>
+        </p:spPr>
+        <p:txBody>
+          <a:bodyPr wrap="square">
+            <a:spAutoFit/>
+          </a:bodyPr>
+          <a:lstStyle/>
+          <a:p>
+            <a:pPr marL="742950" lvl="1" indent="-285750">
+              <a:lnSpc>
+                <a:spcPct val="150000"/>
+              </a:lnSpc>
+              <a:buFont typeface="Arial" panose="020B0604020202020204" pitchFamily="34" charset="0"/>
+              <a:buChar char="•"/>
+            </a:pPr>
             <a:r>
               <a:rPr lang="en-US" altLang="zh-CN" sz="2800" dirty="0" smtClean="0"/>
-              <a:t>:</a:t>
-            </a:r>
-            <a:r>
-              <a:rPr lang="en-US" altLang="zh-CN" sz="2800" dirty="0"/>
-              <a:t> </a:t>
-            </a:r>
-            <a:endParaRPr lang="en-US" altLang="zh-CN" sz="2800" dirty="0" smtClean="0"/>
+              <a:t>High </a:t>
+            </a:r>
+            <a:r>
+              <a:rPr lang="el-GR" altLang="zh-CN" sz="2800" dirty="0"/>
+              <a:t>α2 </a:t>
+            </a:r>
+            <a:r>
+              <a:rPr lang="en-US" altLang="zh-CN" sz="2800" dirty="0"/>
+              <a:t>receptor </a:t>
+            </a:r>
+            <a:r>
+              <a:rPr lang="en-US" altLang="zh-CN" sz="2800" dirty="0" smtClean="0"/>
+              <a:t>density:</a:t>
+            </a:r>
           </a:p>
           <a:p>
             <a:pPr lvl="1">
@@ -10216,12 +12663,100 @@
               </a:lnSpc>
             </a:pPr>
             <a:r>
-              <a:rPr lang="en-US" altLang="zh-CN" sz="2800" dirty="0"/>
-              <a:t>	</a:t>
-            </a:r>
-            <a:r>
               <a:rPr lang="en-US" altLang="zh-CN" sz="2800" dirty="0" smtClean="0"/>
-              <a:t>strong focal connectivity </a:t>
+              <a:t>	Connectivity  </a:t>
+            </a:r>
+            <a:r>
+              <a:rPr lang="en-US" altLang="zh-CN" sz="2800" dirty="0"/>
+              <a:t>reduces dosage- 	and duration-dependently</a:t>
+            </a:r>
+          </a:p>
+          <a:p>
+            <a:pPr marL="742950" lvl="1" indent="-285750">
+              <a:lnSpc>
+                <a:spcPct val="150000"/>
+              </a:lnSpc>
+              <a:buFont typeface="Arial" panose="020B0604020202020204" pitchFamily="34" charset="0"/>
+              <a:buChar char="•"/>
+            </a:pPr>
+            <a:r>
+              <a:rPr lang="en-US" altLang="zh-CN" sz="2800" dirty="0" smtClean="0"/>
+              <a:t>Low </a:t>
+            </a:r>
+            <a:r>
+              <a:rPr lang="en-US" altLang="zh-CN" sz="2800" dirty="0"/>
+              <a:t>receptor </a:t>
+            </a:r>
+            <a:r>
+              <a:rPr lang="en-US" altLang="zh-CN" sz="2800" dirty="0" smtClean="0"/>
+              <a:t>density: unaffected</a:t>
+            </a:r>
+          </a:p>
+          <a:p>
+            <a:pPr marL="742950" lvl="1" indent="-285750">
+              <a:lnSpc>
+                <a:spcPct val="150000"/>
+              </a:lnSpc>
+              <a:buFont typeface="Arial" panose="020B0604020202020204" pitchFamily="34" charset="0"/>
+              <a:buChar char="•"/>
+            </a:pPr>
+            <a:r>
+              <a:rPr lang="en-US" altLang="zh-CN" sz="2800" dirty="0" smtClean="0"/>
+              <a:t>Unlike </a:t>
+            </a:r>
+            <a:r>
+              <a:rPr lang="en-US" altLang="zh-CN" sz="2800" dirty="0"/>
+              <a:t>:</a:t>
+            </a:r>
+            <a:r>
+              <a:rPr lang="en-US" altLang="zh-CN" sz="2800" dirty="0" smtClean="0"/>
+              <a:t> </a:t>
+            </a:r>
+            <a:r>
+              <a:rPr lang="el-GR" altLang="zh-CN" sz="2800" dirty="0">
+                <a:ea typeface="Roboto Cn" pitchFamily="2" charset="0"/>
+                <a:cs typeface="Arial" panose="020B0604020202020204" pitchFamily="34" charset="0"/>
+              </a:rPr>
+              <a:t>α-</a:t>
+            </a:r>
+            <a:r>
+              <a:rPr lang="en-US" altLang="zh-CN" sz="2800" dirty="0">
+                <a:ea typeface="Roboto Cn" pitchFamily="2" charset="0"/>
+                <a:cs typeface="Arial" panose="020B0604020202020204" pitchFamily="34" charset="0"/>
+              </a:rPr>
+              <a:t>chloralose </a:t>
+            </a:r>
+            <a:r>
+              <a:rPr lang="en-US" altLang="zh-CN" sz="2800" dirty="0" smtClean="0">
+                <a:ea typeface="Roboto Cn" pitchFamily="2" charset="0"/>
+                <a:cs typeface="Arial" panose="020B0604020202020204" pitchFamily="34" charset="0"/>
+              </a:rPr>
+              <a:t> &amp;</a:t>
+            </a:r>
+            <a:r>
+              <a:rPr lang="en-US" altLang="zh-CN" sz="2800" dirty="0" smtClean="0"/>
+              <a:t>isoflurane</a:t>
+            </a:r>
+          </a:p>
+          <a:p>
+            <a:pPr marL="742950" lvl="1" indent="-285750">
+              <a:lnSpc>
+                <a:spcPct val="150000"/>
+              </a:lnSpc>
+              <a:buFont typeface="Arial" panose="020B0604020202020204" pitchFamily="34" charset="0"/>
+              <a:buChar char="•"/>
+            </a:pPr>
+            <a:r>
+              <a:rPr lang="en-US" altLang="zh-CN" sz="2800" dirty="0" smtClean="0"/>
+              <a:t>Increasing </a:t>
+            </a:r>
+            <a:r>
+              <a:rPr lang="en-US" altLang="zh-CN" sz="2800" dirty="0"/>
+              <a:t>the dosage </a:t>
+            </a:r>
+            <a:r>
+              <a:rPr lang="en-US" altLang="zh-CN" sz="2800" dirty="0" smtClean="0"/>
+              <a:t>:</a:t>
             </a:r>
           </a:p>
           <a:p>
@@ -10233,118 +12768,9 @@
               <a:buChar char="•"/>
             </a:pPr>
             <a:r>
-              <a:rPr lang="en-US" altLang="zh-CN" sz="2800" dirty="0"/>
-              <a:t>thalamocortical connectivity</a:t>
-            </a:r>
-            <a:r>
-              <a:rPr lang="en-US" altLang="zh-CN" sz="2800" dirty="0"/>
-              <a:t> </a:t>
-            </a:r>
-            <a:endParaRPr lang="en-US" altLang="zh-CN" sz="2800" dirty="0" smtClean="0"/>
-          </a:p>
-        </p:txBody>
-      </p:sp>
-      <p:sp>
-        <p:nvSpPr>
-          <p:cNvPr id="6" name="Rectangle 96"/>
-          <p:cNvSpPr/>
-          <p:nvPr/>
-        </p:nvSpPr>
-        <p:spPr>
-          <a:xfrm>
-            <a:off x="421625" y="366623"/>
-            <a:ext cx="5331476" cy="5909310"/>
-          </a:xfrm>
-          <a:prstGeom prst="rect">
-            <a:avLst/>
-          </a:prstGeom>
-        </p:spPr>
-        <p:txBody>
-          <a:bodyPr wrap="square">
-            <a:spAutoFit/>
-          </a:bodyPr>
-          <a:lstStyle/>
-          <a:p>
-            <a:pPr marL="285750" indent="-285750">
-              <a:lnSpc>
-                <a:spcPct val="150000"/>
-              </a:lnSpc>
-              <a:buFont typeface="Arial" panose="020B0604020202020204" pitchFamily="34" charset="0"/>
-              <a:buChar char="•"/>
-            </a:pPr>
-            <a:r>
-              <a:rPr lang="en-US" altLang="zh-CN" sz="2800" b="1" dirty="0" smtClean="0">
-                <a:ea typeface="Roboto Cn" pitchFamily="2" charset="0"/>
-                <a:cs typeface="Arial" panose="020B0604020202020204" pitchFamily="34" charset="0"/>
-              </a:rPr>
-              <a:t>Isoflurane :</a:t>
-            </a:r>
-            <a:endParaRPr lang="en-US" altLang="zh-CN" sz="2800" b="1" dirty="0">
-              <a:ea typeface="Roboto Cn" pitchFamily="2" charset="0"/>
-              <a:cs typeface="Arial" panose="020B0604020202020204" pitchFamily="34" charset="0"/>
-            </a:endParaRPr>
-          </a:p>
-          <a:p>
-            <a:pPr marL="742950" lvl="1" indent="-285750">
-              <a:lnSpc>
-                <a:spcPct val="150000"/>
-              </a:lnSpc>
-              <a:buFont typeface="Arial" panose="020B0604020202020204" pitchFamily="34" charset="0"/>
-              <a:buChar char="•"/>
-            </a:pPr>
-            <a:r>
               <a:rPr lang="en-US" altLang="zh-CN" sz="2800" dirty="0" smtClean="0"/>
-              <a:t>Quick</a:t>
-            </a:r>
-            <a:r>
-              <a:rPr lang="en-US" altLang="zh-CN" sz="2800" dirty="0"/>
-              <a:t>, easy </a:t>
-            </a:r>
-            <a:r>
-              <a:rPr lang="en-US" altLang="zh-CN" sz="2800" dirty="0"/>
-              <a:t>,</a:t>
-            </a:r>
-            <a:r>
-              <a:rPr lang="en-US" altLang="zh-CN" sz="2800" dirty="0" smtClean="0"/>
-              <a:t>safe and </a:t>
-            </a:r>
-          </a:p>
-          <a:p>
-            <a:pPr lvl="1">
-              <a:lnSpc>
-                <a:spcPct val="150000"/>
-              </a:lnSpc>
-            </a:pPr>
-            <a:r>
-              <a:rPr lang="en-US" altLang="zh-CN" sz="2800" dirty="0"/>
-              <a:t>	</a:t>
-            </a:r>
-            <a:r>
-              <a:rPr lang="en-US" altLang="zh-CN" sz="2800" dirty="0" smtClean="0"/>
-              <a:t>good recovery </a:t>
-            </a:r>
-          </a:p>
-          <a:p>
-            <a:pPr marL="742950" lvl="1" indent="-285750">
-              <a:lnSpc>
-                <a:spcPct val="150000"/>
-              </a:lnSpc>
-              <a:buFont typeface="Arial" panose="020B0604020202020204" pitchFamily="34" charset="0"/>
-              <a:buChar char="•"/>
-            </a:pPr>
-            <a:r>
-              <a:rPr lang="en-US" altLang="zh-CN" sz="2800" dirty="0" smtClean="0"/>
-              <a:t>Multiple </a:t>
-            </a:r>
-            <a:r>
-              <a:rPr lang="en-US" altLang="zh-CN" sz="2800" dirty="0"/>
-              <a:t>systems</a:t>
-            </a:r>
-            <a:r>
-              <a:rPr lang="en-US" altLang="zh-CN" sz="2800" dirty="0"/>
-              <a:t> </a:t>
-            </a:r>
-            <a:endParaRPr lang="en-US" altLang="zh-CN" sz="2800" dirty="0" smtClean="0"/>
+              <a:t>no neurovascularcoupling</a:t>
+            </a:r>
           </a:p>
           <a:p>
             <a:pPr marL="1200150" lvl="2" indent="-285750">
@@ -10355,13 +12781,14 @@
               <a:buChar char="•"/>
             </a:pPr>
             <a:r>
-              <a:rPr lang="en-US" altLang="zh-CN" sz="2800" dirty="0"/>
-              <a:t>G</a:t>
-            </a:r>
-            <a:r>
               <a:rPr lang="en-US" altLang="zh-CN" sz="2800" dirty="0" smtClean="0"/>
-              <a:t>utamatergic system</a:t>
-            </a:r>
+              <a:t>No evoked </a:t>
+            </a:r>
+            <a:r>
+              <a:rPr lang="en-US" altLang="zh-CN" sz="2800" dirty="0"/>
+              <a:t>activation </a:t>
+            </a:r>
+            <a:endParaRPr lang="en-US" altLang="zh-CN" sz="2800" dirty="0" smtClean="0"/>
           </a:p>
           <a:p>
             <a:pPr marL="1200150" lvl="2" indent="-285750">
@@ -10373,11 +12800,11 @@
             </a:pPr>
             <a:r>
               <a:rPr lang="en-US" altLang="zh-CN" sz="2800" dirty="0" smtClean="0"/>
-              <a:t>GABAergic systems</a:t>
-            </a:r>
-          </a:p>
-          <a:p>
-            <a:pPr marL="742950" lvl="1" indent="-285750">
+              <a:t>No fluctuation amplitude</a:t>
+            </a:r>
+          </a:p>
+          <a:p>
+            <a:pPr marL="1200150" lvl="2" indent="-285750">
               <a:lnSpc>
                 <a:spcPct val="150000"/>
               </a:lnSpc>
@@ -10386,42 +12813,7 @@
             </a:pPr>
             <a:r>
               <a:rPr lang="en-US" altLang="zh-CN" sz="2800" dirty="0" smtClean="0"/>
-              <a:t>Strong vasodilatory effect </a:t>
-            </a:r>
-          </a:p>
-          <a:p>
-            <a:pPr marL="742950" lvl="1" indent="-285750">
-              <a:lnSpc>
-                <a:spcPct val="150000"/>
-              </a:lnSpc>
-              <a:buFont typeface="Arial" panose="020B0604020202020204" pitchFamily="34" charset="0"/>
-              <a:buChar char="•"/>
-            </a:pPr>
-            <a:r>
-              <a:rPr lang="en-US" altLang="zh-CN" sz="2800" dirty="0" smtClean="0"/>
-              <a:t>Neurovascular </a:t>
-            </a:r>
-            <a:r>
-              <a:rPr lang="en-US" altLang="zh-CN" sz="2800" dirty="0"/>
-              <a:t>coupling</a:t>
-            </a:r>
-            <a:r>
-              <a:rPr lang="en-US" altLang="zh-CN" sz="2800" dirty="0"/>
-              <a:t> </a:t>
-            </a:r>
-            <a:endParaRPr lang="en-US" altLang="zh-CN" sz="2800" dirty="0" smtClean="0"/>
-          </a:p>
-          <a:p>
-            <a:pPr marL="742950" lvl="1" indent="-285750">
-              <a:lnSpc>
-                <a:spcPct val="150000"/>
-              </a:lnSpc>
-              <a:buFont typeface="Arial" panose="020B0604020202020204" pitchFamily="34" charset="0"/>
-              <a:buChar char="•"/>
-            </a:pPr>
-            <a:r>
-              <a:rPr lang="en-US" altLang="zh-CN" sz="2800" dirty="0" smtClean="0"/>
-              <a:t>Dosage-dependent </a:t>
+              <a:t>Reduces the synchrony</a:t>
             </a:r>
           </a:p>
         </p:txBody>
@@ -10429,7 +12821,7 @@
     </p:spTree>
     <p:extLst>
       <p:ext uri="{BB962C8B-B14F-4D97-AF65-F5344CB8AC3E}">
-        <p14:creationId xmlns:p14="http://schemas.microsoft.com/office/powerpoint/2010/main" val="1425279909"/>
+        <p14:creationId xmlns:p14="http://schemas.microsoft.com/office/powerpoint/2010/main" val="1613179199"/>
       </p:ext>
     </p:extLst>
   </p:cSld>
@@ -10519,457 +12911,6 @@
         </p:nvSpPr>
         <p:spPr>
           <a:xfrm>
-            <a:off x="209551" y="299146"/>
-            <a:ext cx="5709348" cy="5909310"/>
-          </a:xfrm>
-          <a:prstGeom prst="rect">
-            <a:avLst/>
-          </a:prstGeom>
-        </p:spPr>
-        <p:txBody>
-          <a:bodyPr wrap="square">
-            <a:spAutoFit/>
-          </a:bodyPr>
-          <a:lstStyle/>
-          <a:p>
-            <a:pPr marL="285750" indent="-285750">
-              <a:lnSpc>
-                <a:spcPct val="150000"/>
-              </a:lnSpc>
-              <a:buFont typeface="Arial" panose="020B0604020202020204" pitchFamily="34" charset="0"/>
-              <a:buChar char="•"/>
-            </a:pPr>
-            <a:r>
-              <a:rPr lang="en-US" altLang="zh-CN" sz="2800" b="1" dirty="0" smtClean="0">
-                <a:ea typeface="Roboto Cn" pitchFamily="2" charset="0"/>
-                <a:cs typeface="Arial" panose="020B0604020202020204" pitchFamily="34" charset="0"/>
-              </a:rPr>
-              <a:t>Medetomidine/dexmedetomidine :</a:t>
-            </a:r>
-          </a:p>
-          <a:p>
-            <a:pPr marL="742950" lvl="1" indent="-285750">
-              <a:lnSpc>
-                <a:spcPct val="150000"/>
-              </a:lnSpc>
-              <a:buFont typeface="Arial" panose="020B0604020202020204" pitchFamily="34" charset="0"/>
-              <a:buChar char="•"/>
-            </a:pPr>
-            <a:r>
-              <a:rPr lang="en-US" altLang="zh-CN" sz="2800" dirty="0" smtClean="0"/>
-              <a:t>Agonizes </a:t>
-            </a:r>
-            <a:r>
-              <a:rPr lang="en-US" altLang="zh-CN" sz="2800" dirty="0"/>
-              <a:t>the </a:t>
-            </a:r>
-            <a:r>
-              <a:rPr lang="el-GR" altLang="zh-CN" sz="2800" dirty="0"/>
-              <a:t>α2-</a:t>
-            </a:r>
-            <a:br>
-              <a:rPr lang="el-GR" altLang="zh-CN" sz="2800" dirty="0"/>
-            </a:br>
-            <a:r>
-              <a:rPr lang="en-US" altLang="zh-CN" sz="2800" dirty="0"/>
-              <a:t>adrenergic receptor</a:t>
-            </a:r>
-            <a:r>
-              <a:rPr lang="en-US" altLang="zh-CN" sz="2800" dirty="0"/>
-              <a:t> </a:t>
-            </a:r>
-            <a:endParaRPr lang="en-US" altLang="zh-CN" sz="2800" dirty="0" smtClean="0"/>
-          </a:p>
-          <a:p>
-            <a:pPr marL="742950" lvl="1" indent="-285750">
-              <a:lnSpc>
-                <a:spcPct val="150000"/>
-              </a:lnSpc>
-              <a:buFont typeface="Arial" panose="020B0604020202020204" pitchFamily="34" charset="0"/>
-              <a:buChar char="•"/>
-            </a:pPr>
-            <a:r>
-              <a:rPr lang="en-US" altLang="zh-CN" sz="2800" dirty="0" smtClean="0"/>
-              <a:t>Cause </a:t>
-            </a:r>
-            <a:r>
-              <a:rPr lang="en-US" altLang="zh-CN" sz="2800" dirty="0"/>
-              <a:t>bradycardia and</a:t>
-            </a:r>
-            <a:br>
-              <a:rPr lang="en-US" altLang="zh-CN" sz="2800" dirty="0"/>
-            </a:br>
-            <a:r>
-              <a:rPr lang="en-US" altLang="zh-CN" sz="2800" dirty="0"/>
-              <a:t>act as vasoconstrictors</a:t>
-            </a:r>
-            <a:r>
-              <a:rPr lang="en-US" altLang="zh-CN" sz="2800" dirty="0"/>
-              <a:t> </a:t>
-            </a:r>
-            <a:endParaRPr lang="en-US" altLang="zh-CN" sz="2800" dirty="0" smtClean="0"/>
-          </a:p>
-          <a:p>
-            <a:pPr marL="742950" lvl="1" indent="-285750">
-              <a:lnSpc>
-                <a:spcPct val="150000"/>
-              </a:lnSpc>
-              <a:buFont typeface="Arial" panose="020B0604020202020204" pitchFamily="34" charset="0"/>
-              <a:buChar char="•"/>
-            </a:pPr>
-            <a:r>
-              <a:rPr lang="en-US" altLang="zh-CN" sz="2800" dirty="0" smtClean="0"/>
-              <a:t>Less </a:t>
-            </a:r>
-            <a:r>
-              <a:rPr lang="en-US" altLang="zh-CN" sz="2800" dirty="0"/>
-              <a:t>impact on neural activity and </a:t>
-            </a:r>
-            <a:r>
-              <a:rPr lang="en-US" altLang="zh-CN" sz="2800" dirty="0" smtClean="0"/>
-              <a:t>neurovascular coupling </a:t>
-            </a:r>
-          </a:p>
-          <a:p>
-            <a:pPr marL="742950" lvl="1" indent="-285750">
-              <a:lnSpc>
-                <a:spcPct val="150000"/>
-              </a:lnSpc>
-              <a:buFont typeface="Arial" panose="020B0604020202020204" pitchFamily="34" charset="0"/>
-              <a:buChar char="•"/>
-            </a:pPr>
-            <a:r>
-              <a:rPr lang="en-US" altLang="zh-CN" sz="2800" dirty="0" smtClean="0"/>
-              <a:t>Easily </a:t>
-            </a:r>
-            <a:r>
-              <a:rPr lang="en-US" altLang="zh-CN" sz="2800" dirty="0"/>
-              <a:t>reversible by </a:t>
-            </a:r>
-            <a:r>
-              <a:rPr lang="en-US" altLang="zh-CN" sz="2800" dirty="0" smtClean="0"/>
-              <a:t>an antagonist</a:t>
-            </a:r>
-          </a:p>
-          <a:p>
-            <a:pPr marL="742950" lvl="1" indent="-285750">
-              <a:lnSpc>
-                <a:spcPct val="150000"/>
-              </a:lnSpc>
-              <a:buFont typeface="Arial" panose="020B0604020202020204" pitchFamily="34" charset="0"/>
-              <a:buChar char="•"/>
-            </a:pPr>
-            <a:r>
-              <a:rPr lang="en-US" altLang="zh-CN" sz="2800" dirty="0"/>
-              <a:t>Low dose: strong and focal RSNs </a:t>
-            </a:r>
-            <a:r>
-              <a:rPr lang="en-US" altLang="zh-CN" sz="2800" dirty="0" smtClean="0"/>
-              <a:t> </a:t>
-            </a:r>
-          </a:p>
-        </p:txBody>
-      </p:sp>
-      <p:sp>
-        <p:nvSpPr>
-          <p:cNvPr id="5" name="Rectangle 96"/>
-          <p:cNvSpPr/>
-          <p:nvPr/>
-        </p:nvSpPr>
-        <p:spPr>
-          <a:xfrm>
-            <a:off x="6194286" y="337246"/>
-            <a:ext cx="5709348" cy="6555641"/>
-          </a:xfrm>
-          <a:prstGeom prst="rect">
-            <a:avLst/>
-          </a:prstGeom>
-        </p:spPr>
-        <p:txBody>
-          <a:bodyPr wrap="square">
-            <a:spAutoFit/>
-          </a:bodyPr>
-          <a:lstStyle/>
-          <a:p>
-            <a:pPr marL="742950" lvl="1" indent="-285750">
-              <a:lnSpc>
-                <a:spcPct val="150000"/>
-              </a:lnSpc>
-              <a:buFont typeface="Arial" panose="020B0604020202020204" pitchFamily="34" charset="0"/>
-              <a:buChar char="•"/>
-            </a:pPr>
-            <a:r>
-              <a:rPr lang="en-US" altLang="zh-CN" sz="2800" dirty="0" smtClean="0"/>
-              <a:t>High </a:t>
-            </a:r>
-            <a:r>
-              <a:rPr lang="el-GR" altLang="zh-CN" sz="2800" dirty="0"/>
-              <a:t>α2 </a:t>
-            </a:r>
-            <a:r>
-              <a:rPr lang="en-US" altLang="zh-CN" sz="2800" dirty="0"/>
-              <a:t>receptor </a:t>
-            </a:r>
-            <a:r>
-              <a:rPr lang="en-US" altLang="zh-CN" sz="2800" dirty="0" smtClean="0"/>
-              <a:t>density:</a:t>
-            </a:r>
-          </a:p>
-          <a:p>
-            <a:pPr lvl="1">
-              <a:lnSpc>
-                <a:spcPct val="150000"/>
-              </a:lnSpc>
-            </a:pPr>
-            <a:r>
-              <a:rPr lang="en-US" altLang="zh-CN" sz="2800" dirty="0" smtClean="0"/>
-              <a:t>	Connectivity  </a:t>
-            </a:r>
-            <a:r>
-              <a:rPr lang="en-US" altLang="zh-CN" sz="2800" dirty="0"/>
-              <a:t>reduces dosage- 	and duration-dependently</a:t>
-            </a:r>
-          </a:p>
-          <a:p>
-            <a:pPr marL="742950" lvl="1" indent="-285750">
-              <a:lnSpc>
-                <a:spcPct val="150000"/>
-              </a:lnSpc>
-              <a:buFont typeface="Arial" panose="020B0604020202020204" pitchFamily="34" charset="0"/>
-              <a:buChar char="•"/>
-            </a:pPr>
-            <a:r>
-              <a:rPr lang="en-US" altLang="zh-CN" sz="2800" dirty="0" smtClean="0"/>
-              <a:t>Low </a:t>
-            </a:r>
-            <a:r>
-              <a:rPr lang="en-US" altLang="zh-CN" sz="2800" dirty="0"/>
-              <a:t>receptor </a:t>
-            </a:r>
-            <a:r>
-              <a:rPr lang="en-US" altLang="zh-CN" sz="2800" dirty="0" smtClean="0"/>
-              <a:t>density: unaffected</a:t>
-            </a:r>
-          </a:p>
-          <a:p>
-            <a:pPr marL="742950" lvl="1" indent="-285750">
-              <a:lnSpc>
-                <a:spcPct val="150000"/>
-              </a:lnSpc>
-              <a:buFont typeface="Arial" panose="020B0604020202020204" pitchFamily="34" charset="0"/>
-              <a:buChar char="•"/>
-            </a:pPr>
-            <a:r>
-              <a:rPr lang="en-US" altLang="zh-CN" sz="2800" dirty="0" smtClean="0"/>
-              <a:t>Unlike </a:t>
-            </a:r>
-            <a:r>
-              <a:rPr lang="en-US" altLang="zh-CN" sz="2800" dirty="0"/>
-              <a:t>:</a:t>
-            </a:r>
-            <a:r>
-              <a:rPr lang="en-US" altLang="zh-CN" sz="2800" dirty="0" smtClean="0"/>
-              <a:t> </a:t>
-            </a:r>
-            <a:r>
-              <a:rPr lang="el-GR" altLang="zh-CN" sz="2800" dirty="0">
-                <a:ea typeface="Roboto Cn" pitchFamily="2" charset="0"/>
-                <a:cs typeface="Arial" panose="020B0604020202020204" pitchFamily="34" charset="0"/>
-              </a:rPr>
-              <a:t>α-</a:t>
-            </a:r>
-            <a:r>
-              <a:rPr lang="en-US" altLang="zh-CN" sz="2800" dirty="0">
-                <a:ea typeface="Roboto Cn" pitchFamily="2" charset="0"/>
-                <a:cs typeface="Arial" panose="020B0604020202020204" pitchFamily="34" charset="0"/>
-              </a:rPr>
-              <a:t>chloralose </a:t>
-            </a:r>
-            <a:r>
-              <a:rPr lang="en-US" altLang="zh-CN" sz="2800" dirty="0" smtClean="0">
-                <a:ea typeface="Roboto Cn" pitchFamily="2" charset="0"/>
-                <a:cs typeface="Arial" panose="020B0604020202020204" pitchFamily="34" charset="0"/>
-              </a:rPr>
-              <a:t> &amp;</a:t>
-            </a:r>
-            <a:r>
-              <a:rPr lang="en-US" altLang="zh-CN" sz="2800" dirty="0" smtClean="0"/>
-              <a:t>isoflurane</a:t>
-            </a:r>
-          </a:p>
-          <a:p>
-            <a:pPr marL="742950" lvl="1" indent="-285750">
-              <a:lnSpc>
-                <a:spcPct val="150000"/>
-              </a:lnSpc>
-              <a:buFont typeface="Arial" panose="020B0604020202020204" pitchFamily="34" charset="0"/>
-              <a:buChar char="•"/>
-            </a:pPr>
-            <a:r>
-              <a:rPr lang="en-US" altLang="zh-CN" sz="2800" dirty="0" smtClean="0"/>
-              <a:t>Increasing </a:t>
-            </a:r>
-            <a:r>
-              <a:rPr lang="en-US" altLang="zh-CN" sz="2800" dirty="0"/>
-              <a:t>the dosage </a:t>
-            </a:r>
-            <a:r>
-              <a:rPr lang="en-US" altLang="zh-CN" sz="2800" dirty="0" smtClean="0"/>
-              <a:t>:</a:t>
-            </a:r>
-          </a:p>
-          <a:p>
-            <a:pPr marL="1200150" lvl="2" indent="-285750">
-              <a:lnSpc>
-                <a:spcPct val="150000"/>
-              </a:lnSpc>
-              <a:buFont typeface="Arial" panose="020B0604020202020204" pitchFamily="34" charset="0"/>
-              <a:buChar char="•"/>
-            </a:pPr>
-            <a:r>
-              <a:rPr lang="en-US" altLang="zh-CN" sz="2800" dirty="0" smtClean="0"/>
-              <a:t>no neurovascularcoupling</a:t>
-            </a:r>
-          </a:p>
-          <a:p>
-            <a:pPr marL="1200150" lvl="2" indent="-285750">
-              <a:lnSpc>
-                <a:spcPct val="150000"/>
-              </a:lnSpc>
-              <a:buFont typeface="Arial" panose="020B0604020202020204" pitchFamily="34" charset="0"/>
-              <a:buChar char="•"/>
-            </a:pPr>
-            <a:r>
-              <a:rPr lang="en-US" altLang="zh-CN" sz="2800" dirty="0" smtClean="0"/>
-              <a:t>No evoked </a:t>
-            </a:r>
-            <a:r>
-              <a:rPr lang="en-US" altLang="zh-CN" sz="2800" dirty="0"/>
-              <a:t>activation </a:t>
-            </a:r>
-            <a:endParaRPr lang="en-US" altLang="zh-CN" sz="2800" dirty="0" smtClean="0"/>
-          </a:p>
-          <a:p>
-            <a:pPr marL="1200150" lvl="2" indent="-285750">
-              <a:lnSpc>
-                <a:spcPct val="150000"/>
-              </a:lnSpc>
-              <a:buFont typeface="Arial" panose="020B0604020202020204" pitchFamily="34" charset="0"/>
-              <a:buChar char="•"/>
-            </a:pPr>
-            <a:r>
-              <a:rPr lang="en-US" altLang="zh-CN" sz="2800" dirty="0" smtClean="0"/>
-              <a:t>No fluctuation amplitude</a:t>
-            </a:r>
-          </a:p>
-          <a:p>
-            <a:pPr marL="1200150" lvl="2" indent="-285750">
-              <a:lnSpc>
-                <a:spcPct val="150000"/>
-              </a:lnSpc>
-              <a:buFont typeface="Arial" panose="020B0604020202020204" pitchFamily="34" charset="0"/>
-              <a:buChar char="•"/>
-            </a:pPr>
-            <a:r>
-              <a:rPr lang="en-US" altLang="zh-CN" sz="2800" dirty="0" smtClean="0"/>
-              <a:t>Reduces the synchrony</a:t>
-            </a:r>
-          </a:p>
-        </p:txBody>
-      </p:sp>
-    </p:spTree>
-    <p:extLst>
-      <p:ext uri="{BB962C8B-B14F-4D97-AF65-F5344CB8AC3E}">
-        <p14:creationId xmlns:p14="http://schemas.microsoft.com/office/powerpoint/2010/main" val="1613179199"/>
-      </p:ext>
-    </p:extLst>
-  </p:cSld>
-  <p:clrMapOvr>
-    <a:masterClrMapping/>
-  </p:clrMapOvr>
-  <p:timing>
-    <p:tnLst>
-      <p:par>
-        <p:cTn id="1" dur="indefinite" restart="never" nodeType="tmRoot"/>
-      </p:par>
-    </p:tnLst>
-  </p:timing>
-</p:sld>
-</file>
-
-<file path=ppt/slides/slide6.xml><?xml version="1.0" encoding="utf-8"?>
-<p:sld xmlns:a="http://schemas.openxmlformats.org/drawingml/2006/main" xmlns:r="http://schemas.openxmlformats.org/officeDocument/2006/relationships" xmlns:p="http://schemas.openxmlformats.org/presentationml/2006/main">
-  <p:cSld>
-    <p:spTree>
-      <p:nvGrpSpPr>
-        <p:cNvPr id="1" name=""/>
-        <p:cNvGrpSpPr/>
-        <p:nvPr/>
-      </p:nvGrpSpPr>
-      <p:grpSpPr>
-        <a:xfrm>
-          <a:off x="0" y="0"/>
-          <a:ext cx="0" cy="0"/>
-          <a:chOff x="0" y="0"/>
-          <a:chExt cx="0" cy="0"/>
-        </a:xfrm>
-      </p:grpSpPr>
-      <p:sp>
-        <p:nvSpPr>
-          <p:cNvPr id="29" name="矩形 28"/>
-          <p:cNvSpPr/>
-          <p:nvPr/>
-        </p:nvSpPr>
-        <p:spPr>
-          <a:xfrm>
-            <a:off x="5918899" y="0"/>
-            <a:ext cx="6260123" cy="6858000"/>
-          </a:xfrm>
-          <a:prstGeom prst="rect">
-            <a:avLst/>
-          </a:prstGeom>
-          <a:solidFill>
-            <a:schemeClr val="bg1">
-              <a:lumMod val="95000"/>
-            </a:schemeClr>
-          </a:solidFill>
-          <a:ln>
-            <a:noFill/>
-          </a:ln>
-        </p:spPr>
-        <p:style>
-          <a:lnRef idx="2">
-            <a:schemeClr val="accent1">
-              <a:shade val="50000"/>
-            </a:schemeClr>
-          </a:lnRef>
-          <a:fillRef idx="1">
-            <a:schemeClr val="accent1"/>
-          </a:fillRef>
-          <a:effectRef idx="0">
-            <a:schemeClr val="accent1"/>
-          </a:effectRef>
-          <a:fontRef idx="minor">
-            <a:schemeClr val="lt1"/>
-          </a:fontRef>
-        </p:style>
-        <p:txBody>
-          <a:bodyPr rtlCol="0" anchor="ctr"/>
-          <a:lstStyle/>
-          <a:p>
-            <a:pPr algn="ctr"/>
-            <a:endParaRPr lang="zh-CN" altLang="en-US" dirty="0"/>
-          </a:p>
-        </p:txBody>
-      </p:sp>
-      <p:sp>
-        <p:nvSpPr>
-          <p:cNvPr id="31" name="Rectangle 96"/>
-          <p:cNvSpPr/>
-          <p:nvPr/>
-        </p:nvSpPr>
-        <p:spPr>
-          <a:xfrm>
             <a:off x="209551" y="1120676"/>
             <a:ext cx="5709348" cy="4616648"/>
           </a:xfrm>
@@ -11168,7 +13109,7 @@
 </p:sld>
 </file>
 
-<file path=ppt/slides/slide7.xml><?xml version="1.0" encoding="utf-8"?>
+<file path=ppt/slides/slide6.xml><?xml version="1.0" encoding="utf-8"?>
 <p:sld xmlns:a="http://schemas.openxmlformats.org/drawingml/2006/main" xmlns:r="http://schemas.openxmlformats.org/officeDocument/2006/relationships" xmlns:p="http://schemas.openxmlformats.org/presentationml/2006/main">
   <p:cSld>
     <p:spTree>
@@ -11750,7 +13691,7 @@
 </p:sld>
 </file>
 
-<file path=ppt/slides/slide8.xml><?xml version="1.0" encoding="utf-8"?>
+<file path=ppt/slides/slide7.xml><?xml version="1.0" encoding="utf-8"?>
 <p:sld xmlns:a="http://schemas.openxmlformats.org/drawingml/2006/main" xmlns:r="http://schemas.openxmlformats.org/officeDocument/2006/relationships" xmlns:p="http://schemas.openxmlformats.org/presentationml/2006/main">
   <p:cSld>
     <p:spTree>
@@ -12020,7 +13961,7 @@
 </p:sld>
 </file>
 
-<file path=ppt/slides/slide9.xml><?xml version="1.0" encoding="utf-8"?>
+<file path=ppt/slides/slide8.xml><?xml version="1.0" encoding="utf-8"?>
 <p:sld xmlns:a="http://schemas.openxmlformats.org/drawingml/2006/main" xmlns:r="http://schemas.openxmlformats.org/officeDocument/2006/relationships" xmlns:p="http://schemas.openxmlformats.org/presentationml/2006/main">
   <p:cSld>
     <p:spTree>
@@ -12289,6 +14230,335 @@
     <p:extLst>
       <p:ext uri="{BB962C8B-B14F-4D97-AF65-F5344CB8AC3E}">
         <p14:creationId xmlns:p14="http://schemas.microsoft.com/office/powerpoint/2010/main" val="627755652"/>
+      </p:ext>
+    </p:extLst>
+  </p:cSld>
+  <p:clrMapOvr>
+    <a:masterClrMapping/>
+  </p:clrMapOvr>
+  <p:timing>
+    <p:tnLst>
+      <p:par>
+        <p:cTn id="1" dur="indefinite" restart="never" nodeType="tmRoot"/>
+      </p:par>
+    </p:tnLst>
+  </p:timing>
+</p:sld>
+</file>
+
+<file path=ppt/slides/slide9.xml><?xml version="1.0" encoding="utf-8"?>
+<p:sld xmlns:a="http://schemas.openxmlformats.org/drawingml/2006/main" xmlns:r="http://schemas.openxmlformats.org/officeDocument/2006/relationships" xmlns:p="http://schemas.openxmlformats.org/presentationml/2006/main">
+  <p:cSld>
+    <p:spTree>
+      <p:nvGrpSpPr>
+        <p:cNvPr id="1" name=""/>
+        <p:cNvGrpSpPr/>
+        <p:nvPr/>
+      </p:nvGrpSpPr>
+      <p:grpSpPr>
+        <a:xfrm>
+          <a:off x="0" y="0"/>
+          <a:ext cx="0" cy="0"/>
+          <a:chOff x="0" y="0"/>
+          <a:chExt cx="0" cy="0"/>
+        </a:xfrm>
+      </p:grpSpPr>
+      <p:sp>
+        <p:nvSpPr>
+          <p:cNvPr id="3" name="矩形 2"/>
+          <p:cNvSpPr/>
+          <p:nvPr/>
+        </p:nvSpPr>
+        <p:spPr>
+          <a:xfrm>
+            <a:off x="4077446" y="1815450"/>
+            <a:ext cx="4305299" cy="2998177"/>
+          </a:xfrm>
+          <a:prstGeom prst="rect">
+            <a:avLst/>
+          </a:prstGeom>
+          <a:solidFill>
+            <a:schemeClr val="accent2">
+              <a:alpha val="81000"/>
+            </a:schemeClr>
+          </a:solidFill>
+          <a:ln>
+            <a:noFill/>
+          </a:ln>
+        </p:spPr>
+        <p:style>
+          <a:lnRef idx="2">
+            <a:schemeClr val="accent1">
+              <a:shade val="50000"/>
+            </a:schemeClr>
+          </a:lnRef>
+          <a:fillRef idx="1">
+            <a:schemeClr val="accent1"/>
+          </a:fillRef>
+          <a:effectRef idx="0">
+            <a:schemeClr val="accent1"/>
+          </a:effectRef>
+          <a:fontRef idx="minor">
+            <a:schemeClr val="lt1"/>
+          </a:fontRef>
+        </p:style>
+        <p:txBody>
+          <a:bodyPr rtlCol="0" anchor="ctr"/>
+          <a:lstStyle/>
+          <a:p>
+            <a:pPr algn="ctr"/>
+            <a:endParaRPr lang="zh-CN" altLang="en-US"/>
+          </a:p>
+        </p:txBody>
+      </p:sp>
+      <p:sp>
+        <p:nvSpPr>
+          <p:cNvPr id="9" name="矩形 8"/>
+          <p:cNvSpPr/>
+          <p:nvPr/>
+        </p:nvSpPr>
+        <p:spPr>
+          <a:xfrm>
+            <a:off x="249145" y="-1448167"/>
+            <a:ext cx="2636930" cy="1767254"/>
+          </a:xfrm>
+          <a:prstGeom prst="rect">
+            <a:avLst/>
+          </a:prstGeom>
+          <a:solidFill>
+            <a:schemeClr val="accent2">
+              <a:alpha val="81000"/>
+            </a:schemeClr>
+          </a:solidFill>
+          <a:ln>
+            <a:noFill/>
+          </a:ln>
+        </p:spPr>
+        <p:style>
+          <a:lnRef idx="2">
+            <a:schemeClr val="accent1">
+              <a:shade val="50000"/>
+            </a:schemeClr>
+          </a:lnRef>
+          <a:fillRef idx="1">
+            <a:schemeClr val="accent1"/>
+          </a:fillRef>
+          <a:effectRef idx="0">
+            <a:schemeClr val="accent1"/>
+          </a:effectRef>
+          <a:fontRef idx="minor">
+            <a:schemeClr val="lt1"/>
+          </a:fontRef>
+        </p:style>
+        <p:txBody>
+          <a:bodyPr rtlCol="0" anchor="ctr"/>
+          <a:lstStyle/>
+          <a:p>
+            <a:pPr algn="ctr"/>
+            <a:endParaRPr lang="zh-CN" altLang="en-US"/>
+          </a:p>
+        </p:txBody>
+      </p:sp>
+      <p:sp>
+        <p:nvSpPr>
+          <p:cNvPr id="10" name="矩形 9"/>
+          <p:cNvSpPr/>
+          <p:nvPr/>
+        </p:nvSpPr>
+        <p:spPr>
+          <a:xfrm>
+            <a:off x="7690152" y="4881806"/>
+            <a:ext cx="3141784" cy="1767254"/>
+          </a:xfrm>
+          <a:prstGeom prst="rect">
+            <a:avLst/>
+          </a:prstGeom>
+          <a:solidFill>
+            <a:schemeClr val="accent2">
+              <a:alpha val="81000"/>
+            </a:schemeClr>
+          </a:solidFill>
+          <a:ln>
+            <a:noFill/>
+          </a:ln>
+        </p:spPr>
+        <p:style>
+          <a:lnRef idx="2">
+            <a:schemeClr val="accent1">
+              <a:shade val="50000"/>
+            </a:schemeClr>
+          </a:lnRef>
+          <a:fillRef idx="1">
+            <a:schemeClr val="accent1"/>
+          </a:fillRef>
+          <a:effectRef idx="0">
+            <a:schemeClr val="accent1"/>
+          </a:effectRef>
+          <a:fontRef idx="minor">
+            <a:schemeClr val="lt1"/>
+          </a:fontRef>
+        </p:style>
+        <p:txBody>
+          <a:bodyPr rtlCol="0" anchor="ctr"/>
+          <a:lstStyle/>
+          <a:p>
+            <a:pPr algn="ctr"/>
+            <a:endParaRPr lang="zh-CN" altLang="en-US"/>
+          </a:p>
+        </p:txBody>
+      </p:sp>
+      <p:sp>
+        <p:nvSpPr>
+          <p:cNvPr id="11" name="矩形 10"/>
+          <p:cNvSpPr/>
+          <p:nvPr/>
+        </p:nvSpPr>
+        <p:spPr>
+          <a:xfrm>
+            <a:off x="1506389" y="1663922"/>
+            <a:ext cx="1349496" cy="104775"/>
+          </a:xfrm>
+          <a:prstGeom prst="rect">
+            <a:avLst/>
+          </a:prstGeom>
+          <a:solidFill>
+            <a:schemeClr val="accent2"/>
+          </a:solidFill>
+          <a:ln>
+            <a:noFill/>
+          </a:ln>
+        </p:spPr>
+        <p:style>
+          <a:lnRef idx="2">
+            <a:schemeClr val="accent1">
+              <a:shade val="50000"/>
+            </a:schemeClr>
+          </a:lnRef>
+          <a:fillRef idx="1">
+            <a:schemeClr val="accent1"/>
+          </a:fillRef>
+          <a:effectRef idx="0">
+            <a:schemeClr val="accent1"/>
+          </a:effectRef>
+          <a:fontRef idx="minor">
+            <a:schemeClr val="lt1"/>
+          </a:fontRef>
+        </p:style>
+        <p:txBody>
+          <a:bodyPr rtlCol="0" anchor="ctr"/>
+          <a:lstStyle/>
+          <a:p>
+            <a:pPr algn="ctr"/>
+            <a:endParaRPr lang="zh-CN" altLang="en-US"/>
+          </a:p>
+        </p:txBody>
+      </p:sp>
+      <p:sp>
+        <p:nvSpPr>
+          <p:cNvPr id="12" name="矩形 11"/>
+          <p:cNvSpPr/>
+          <p:nvPr/>
+        </p:nvSpPr>
+        <p:spPr>
+          <a:xfrm>
+            <a:off x="10588867" y="2977768"/>
+            <a:ext cx="1603132" cy="1767254"/>
+          </a:xfrm>
+          <a:prstGeom prst="rect">
+            <a:avLst/>
+          </a:prstGeom>
+          <a:solidFill>
+            <a:schemeClr val="accent2">
+              <a:alpha val="81000"/>
+            </a:schemeClr>
+          </a:solidFill>
+          <a:ln>
+            <a:noFill/>
+          </a:ln>
+        </p:spPr>
+        <p:style>
+          <a:lnRef idx="2">
+            <a:schemeClr val="accent1">
+              <a:shade val="50000"/>
+            </a:schemeClr>
+          </a:lnRef>
+          <a:fillRef idx="1">
+            <a:schemeClr val="accent1"/>
+          </a:fillRef>
+          <a:effectRef idx="0">
+            <a:schemeClr val="accent1"/>
+          </a:effectRef>
+          <a:fontRef idx="minor">
+            <a:schemeClr val="lt1"/>
+          </a:fontRef>
+        </p:style>
+        <p:txBody>
+          <a:bodyPr rtlCol="0" anchor="ctr"/>
+          <a:lstStyle/>
+          <a:p>
+            <a:pPr algn="ctr"/>
+            <a:endParaRPr lang="zh-CN" altLang="en-US"/>
+          </a:p>
+        </p:txBody>
+      </p:sp>
+      <p:pic>
+        <p:nvPicPr>
+          <p:cNvPr id="1026" name="Picture 2"/>
+          <p:cNvPicPr>
+            <a:picLocks noChangeAspect="1" noChangeArrowheads="1"/>
+          </p:cNvPicPr>
+          <p:nvPr/>
+        </p:nvPicPr>
+        <p:blipFill>
+          <a:blip r:embed="rId2">
+            <a:extLst>
+              <a:ext uri="{28A0092B-C50C-407E-A947-70E740481C1C}">
+                <a14:useLocalDpi xmlns:a14="http://schemas.microsoft.com/office/drawing/2010/main" val="0"/>
+              </a:ext>
+            </a:extLst>
+          </a:blip>
+          <a:srcRect/>
+          <a:stretch>
+            <a:fillRect/>
+          </a:stretch>
+        </p:blipFill>
+        <p:spPr bwMode="auto">
+          <a:xfrm>
+            <a:off x="0" y="457200"/>
+            <a:ext cx="11812920" cy="5538789"/>
+          </a:xfrm>
+          <a:prstGeom prst="rect">
+            <a:avLst/>
+          </a:prstGeom>
+          <a:noFill/>
+          <a:ln>
+            <a:noFill/>
+          </a:ln>
+          <a:extLst>
+            <a:ext uri="{909E8E84-426E-40DD-AFC4-6F175D3DCCD1}">
+              <a14:hiddenFill xmlns:a14="http://schemas.microsoft.com/office/drawing/2010/main">
+                <a:solidFill>
+                  <a:schemeClr val="accent1"/>
+                </a:solidFill>
+              </a14:hiddenFill>
+            </a:ext>
+            <a:ext uri="{91240B29-F687-4F45-9708-019B960494DF}">
+              <a14:hiddenLine xmlns:a14="http://schemas.microsoft.com/office/drawing/2010/main" w="9525">
+                <a:solidFill>
+                  <a:schemeClr val="tx1"/>
+                </a:solidFill>
+                <a:miter lim="800000"/>
+                <a:headEnd/>
+                <a:tailEnd/>
+              </a14:hiddenLine>
+            </a:ext>
+          </a:extLst>
+        </p:spPr>
+      </p:pic>
+    </p:spTree>
+    <p:extLst>
+      <p:ext uri="{BB962C8B-B14F-4D97-AF65-F5344CB8AC3E}">
+        <p14:creationId xmlns:p14="http://schemas.microsoft.com/office/powerpoint/2010/main" val="1872795815"/>
       </p:ext>
     </p:extLst>
   </p:cSld>
